--- a/Presentation.pptx
+++ b/Presentation.pptx
@@ -5,7 +5,7 @@
     <p:sldMasterId id="2147483826" r:id="rId1"/>
   </p:sldMasterIdLst>
   <p:notesMasterIdLst>
-    <p:notesMasterId r:id="rId23"/>
+    <p:notesMasterId r:id="rId25"/>
   </p:notesMasterIdLst>
   <p:sldIdLst>
     <p:sldId id="256" r:id="rId2"/>
@@ -29,6 +29,8 @@
     <p:sldId id="281" r:id="rId20"/>
     <p:sldId id="282" r:id="rId21"/>
     <p:sldId id="283" r:id="rId22"/>
+    <p:sldId id="285" r:id="rId23"/>
+    <p:sldId id="284" r:id="rId24"/>
   </p:sldIdLst>
   <p:sldSz cx="12192000" cy="6858000"/>
   <p:notesSz cx="6858000" cy="9144000"/>
@@ -217,7 +219,7 @@
           <a:p>
             <a:fld id="{8DC2A06E-71C4-43BA-ACEA-0EF960EE58DA}" type="datetimeFigureOut">
               <a:rPr lang="el-GR" smtClean="0"/>
-              <a:t>14/8/2023</a:t>
+              <a:t>16/8/2023</a:t>
             </a:fld>
             <a:endParaRPr lang="el-GR"/>
           </a:p>
@@ -1044,7 +1046,7 @@
           <a:p>
             <a:fld id="{B5E30DA5-A468-49AC-9645-F35AB9DAB0C5}" type="datetimeFigureOut">
               <a:rPr lang="el-GR" smtClean="0"/>
-              <a:t>14/8/2023</a:t>
+              <a:t>16/8/2023</a:t>
             </a:fld>
             <a:endParaRPr lang="el-GR"/>
           </a:p>
@@ -1394,7 +1396,7 @@
           <a:p>
             <a:fld id="{B5E30DA5-A468-49AC-9645-F35AB9DAB0C5}" type="datetimeFigureOut">
               <a:rPr lang="el-GR" smtClean="0"/>
-              <a:t>14/8/2023</a:t>
+              <a:t>16/8/2023</a:t>
             </a:fld>
             <a:endParaRPr lang="el-GR"/>
           </a:p>
@@ -1807,7 +1809,7 @@
           <a:p>
             <a:fld id="{B5E30DA5-A468-49AC-9645-F35AB9DAB0C5}" type="datetimeFigureOut">
               <a:rPr lang="el-GR" smtClean="0"/>
-              <a:t>14/8/2023</a:t>
+              <a:t>16/8/2023</a:t>
             </a:fld>
             <a:endParaRPr lang="el-GR"/>
           </a:p>
@@ -2155,7 +2157,7 @@
           <a:p>
             <a:fld id="{B5E30DA5-A468-49AC-9645-F35AB9DAB0C5}" type="datetimeFigureOut">
               <a:rPr lang="el-GR" smtClean="0"/>
-              <a:t>14/8/2023</a:t>
+              <a:t>16/8/2023</a:t>
             </a:fld>
             <a:endParaRPr lang="el-GR"/>
           </a:p>
@@ -2487,7 +2489,7 @@
           <a:p>
             <a:fld id="{B5E30DA5-A468-49AC-9645-F35AB9DAB0C5}" type="datetimeFigureOut">
               <a:rPr lang="el-GR" smtClean="0"/>
-              <a:t>14/8/2023</a:t>
+              <a:t>16/8/2023</a:t>
             </a:fld>
             <a:endParaRPr lang="el-GR"/>
           </a:p>
@@ -2895,7 +2897,7 @@
           <a:p>
             <a:fld id="{B5E30DA5-A468-49AC-9645-F35AB9DAB0C5}" type="datetimeFigureOut">
               <a:rPr lang="el-GR" smtClean="0"/>
-              <a:t>14/8/2023</a:t>
+              <a:t>16/8/2023</a:t>
             </a:fld>
             <a:endParaRPr lang="el-GR"/>
           </a:p>
@@ -3164,7 +3166,7 @@
           <a:p>
             <a:fld id="{B5E30DA5-A468-49AC-9645-F35AB9DAB0C5}" type="datetimeFigureOut">
               <a:rPr lang="el-GR" smtClean="0"/>
-              <a:t>14/8/2023</a:t>
+              <a:t>16/8/2023</a:t>
             </a:fld>
             <a:endParaRPr lang="el-GR"/>
           </a:p>
@@ -3438,7 +3440,7 @@
           <a:p>
             <a:fld id="{B5E30DA5-A468-49AC-9645-F35AB9DAB0C5}" type="datetimeFigureOut">
               <a:rPr lang="el-GR" smtClean="0"/>
-              <a:t>14/8/2023</a:t>
+              <a:t>16/8/2023</a:t>
             </a:fld>
             <a:endParaRPr lang="el-GR"/>
           </a:p>
@@ -3712,7 +3714,7 @@
           <a:p>
             <a:fld id="{B5E30DA5-A468-49AC-9645-F35AB9DAB0C5}" type="datetimeFigureOut">
               <a:rPr lang="el-GR" smtClean="0"/>
-              <a:t>14/8/2023</a:t>
+              <a:t>16/8/2023</a:t>
             </a:fld>
             <a:endParaRPr lang="el-GR"/>
           </a:p>
@@ -4053,7 +4055,7 @@
           <a:p>
             <a:fld id="{B5E30DA5-A468-49AC-9645-F35AB9DAB0C5}" type="datetimeFigureOut">
               <a:rPr lang="el-GR" smtClean="0"/>
-              <a:t>14/8/2023</a:t>
+              <a:t>16/8/2023</a:t>
             </a:fld>
             <a:endParaRPr lang="el-GR"/>
           </a:p>
@@ -4388,7 +4390,7 @@
           <a:p>
             <a:fld id="{B5E30DA5-A468-49AC-9645-F35AB9DAB0C5}" type="datetimeFigureOut">
               <a:rPr lang="el-GR" smtClean="0"/>
-              <a:t>14/8/2023</a:t>
+              <a:t>16/8/2023</a:t>
             </a:fld>
             <a:endParaRPr lang="el-GR"/>
           </a:p>
@@ -4857,7 +4859,7 @@
           <a:p>
             <a:fld id="{B5E30DA5-A468-49AC-9645-F35AB9DAB0C5}" type="datetimeFigureOut">
               <a:rPr lang="el-GR" smtClean="0"/>
-              <a:t>14/8/2023</a:t>
+              <a:t>16/8/2023</a:t>
             </a:fld>
             <a:endParaRPr lang="el-GR"/>
           </a:p>
@@ -5074,7 +5076,7 @@
           <a:p>
             <a:fld id="{B5E30DA5-A468-49AC-9645-F35AB9DAB0C5}" type="datetimeFigureOut">
               <a:rPr lang="el-GR" smtClean="0"/>
-              <a:t>14/8/2023</a:t>
+              <a:t>16/8/2023</a:t>
             </a:fld>
             <a:endParaRPr lang="el-GR"/>
           </a:p>
@@ -5263,7 +5265,7 @@
           <a:p>
             <a:fld id="{B5E30DA5-A468-49AC-9645-F35AB9DAB0C5}" type="datetimeFigureOut">
               <a:rPr lang="el-GR" smtClean="0"/>
-              <a:t>14/8/2023</a:t>
+              <a:t>16/8/2023</a:t>
             </a:fld>
             <a:endParaRPr lang="el-GR"/>
           </a:p>
@@ -5608,7 +5610,7 @@
           <a:p>
             <a:fld id="{B5E30DA5-A468-49AC-9645-F35AB9DAB0C5}" type="datetimeFigureOut">
               <a:rPr lang="el-GR" smtClean="0"/>
-              <a:t>14/8/2023</a:t>
+              <a:t>16/8/2023</a:t>
             </a:fld>
             <a:endParaRPr lang="el-GR"/>
           </a:p>
@@ -5965,7 +5967,7 @@
           <a:p>
             <a:fld id="{B5E30DA5-A468-49AC-9645-F35AB9DAB0C5}" type="datetimeFigureOut">
               <a:rPr lang="el-GR" smtClean="0"/>
-              <a:t>14/8/2023</a:t>
+              <a:t>16/8/2023</a:t>
             </a:fld>
             <a:endParaRPr lang="el-GR"/>
           </a:p>
@@ -8114,7 +8116,7 @@
           <a:p>
             <a:fld id="{B5E30DA5-A468-49AC-9645-F35AB9DAB0C5}" type="datetimeFigureOut">
               <a:rPr lang="el-GR" smtClean="0"/>
-              <a:t>14/8/2023</a:t>
+              <a:t>16/8/2023</a:t>
             </a:fld>
             <a:endParaRPr lang="el-GR"/>
           </a:p>
@@ -8710,7 +8712,7 @@
             <a:pPr algn="ctr"/>
             <a:r>
               <a:rPr lang="en-US" sz="2600" dirty="0"/>
-              <a:t>(Sports Scheduling problem for amateur leagues)</a:t>
+              <a:t>(Sports Scheduling Problem for Amateur Leagues)</a:t>
             </a:r>
             <a:endParaRPr lang="el-GR" sz="2600" dirty="0"/>
           </a:p>
@@ -18603,7 +18605,7 @@
             </a:pPr>
             <a:r>
               <a:rPr lang="el-GR" dirty="0"/>
-              <a:t>Μεγιστοποίηση διαθεσιμότητας ομάδας την ημέρα που αγωνίζεται</a:t>
+              <a:t>Μεγιστοποίηση διαθεσιμότητας ομάδων την ημέρα που αγωνίζονται</a:t>
             </a:r>
           </a:p>
           <a:p>
@@ -18619,7 +18621,23 @@
             </a:pPr>
             <a:r>
               <a:rPr lang="el-GR" sz="1800" dirty="0"/>
-              <a:t>Μεγιστοποίηση προτιμήσεων τους την ημέρα που αγωνίζονται</a:t>
+              <a:t>Μεγιστοποίηση </a:t>
+            </a:r>
+            <a:r>
+              <a:rPr lang="el-GR" sz="1800"/>
+              <a:t>προτιμήσεων </a:t>
+            </a:r>
+            <a:r>
+              <a:rPr lang="el-GR"/>
+              <a:t>παικτών</a:t>
+            </a:r>
+            <a:r>
+              <a:rPr lang="el-GR" sz="1800"/>
+              <a:t> </a:t>
+            </a:r>
+            <a:r>
+              <a:rPr lang="el-GR" sz="1800" dirty="0"/>
+              <a:t>την ημέρα που αγωνίζονται</a:t>
             </a:r>
           </a:p>
         </p:txBody>
@@ -19203,6 +19221,3570 @@
       </p:transition>
     </mc:Fallback>
   </mc:AlternateContent>
+</p:sld>
+</file>
+
+<file path=ppt/slides/slide22.xml><?xml version="1.0" encoding="utf-8"?>
+<p:sld xmlns:a="http://schemas.openxmlformats.org/drawingml/2006/main" xmlns:r="http://schemas.openxmlformats.org/officeDocument/2006/relationships" xmlns:p="http://schemas.openxmlformats.org/presentationml/2006/main">
+  <p:cSld>
+    <p:spTree>
+      <p:nvGrpSpPr>
+        <p:cNvPr id="1" name=""/>
+        <p:cNvGrpSpPr/>
+        <p:nvPr/>
+      </p:nvGrpSpPr>
+      <p:grpSpPr>
+        <a:xfrm>
+          <a:off x="0" y="0"/>
+          <a:ext cx="0" cy="0"/>
+          <a:chOff x="0" y="0"/>
+          <a:chExt cx="0" cy="0"/>
+        </a:xfrm>
+      </p:grpSpPr>
+      <p:sp useBgFill="1">
+        <p:nvSpPr>
+          <p:cNvPr id="24" name="Rectangle 17">
+            <a:extLst>
+              <a:ext uri="{FF2B5EF4-FFF2-40B4-BE49-F238E27FC236}">
+                <a16:creationId xmlns:a16="http://schemas.microsoft.com/office/drawing/2014/main" id="{51BE15AD-74D9-4540-AECA-6A338D3028BB}"/>
+              </a:ext>
+              <a:ext uri="{C183D7F6-B498-43B3-948B-1728B52AA6E4}">
+                <adec:decorative xmlns:adec="http://schemas.microsoft.com/office/drawing/2017/decorative" val="1"/>
+              </a:ext>
+            </a:extLst>
+          </p:cNvPr>
+          <p:cNvSpPr>
+            <a:spLocks noGrp="1" noRot="1" noChangeAspect="1" noMove="1" noResize="1" noEditPoints="1" noAdjustHandles="1" noChangeArrowheads="1" noChangeShapeType="1" noTextEdit="1"/>
+          </p:cNvSpPr>
+          <p:nvPr>
+            <p:extLst>
+              <p:ext uri="{386F3935-93C4-4BCD-93E2-E3B085C9AB24}">
+                <p16:designElem xmlns:p16="http://schemas.microsoft.com/office/powerpoint/2015/main" val="1"/>
+              </p:ext>
+            </p:extLst>
+          </p:nvPr>
+        </p:nvSpPr>
+        <p:spPr>
+          <a:xfrm>
+            <a:off x="1" y="0"/>
+            <a:ext cx="12192000" cy="6858000"/>
+          </a:xfrm>
+          <a:prstGeom prst="rect">
+            <a:avLst/>
+          </a:prstGeom>
+          <a:ln>
+            <a:noFill/>
+          </a:ln>
+        </p:spPr>
+        <p:style>
+          <a:lnRef idx="2">
+            <a:schemeClr val="accent1">
+              <a:shade val="50000"/>
+            </a:schemeClr>
+          </a:lnRef>
+          <a:fillRef idx="1">
+            <a:schemeClr val="accent1"/>
+          </a:fillRef>
+          <a:effectRef idx="0">
+            <a:schemeClr val="accent1"/>
+          </a:effectRef>
+          <a:fontRef idx="minor">
+            <a:schemeClr val="lt1"/>
+          </a:fontRef>
+        </p:style>
+        <p:txBody>
+          <a:bodyPr rtlCol="0" anchor="ctr"/>
+          <a:lstStyle/>
+          <a:p>
+            <a:pPr marL="0" marR="0" lvl="0" indent="0" algn="ctr" defTabSz="457200" rtl="0" eaLnBrk="1" fontAlgn="auto" latinLnBrk="0" hangingPunct="1">
+              <a:lnSpc>
+                <a:spcPct val="100000"/>
+              </a:lnSpc>
+              <a:spcBef>
+                <a:spcPts val="0"/>
+              </a:spcBef>
+              <a:spcAft>
+                <a:spcPts val="0"/>
+              </a:spcAft>
+              <a:buClrTx/>
+              <a:buSzTx/>
+              <a:buFontTx/>
+              <a:buNone/>
+              <a:tabLst/>
+              <a:defRPr/>
+            </a:pPr>
+            <a:endParaRPr kumimoji="0" lang="en-US" sz="1800" b="0" i="0" u="none" strike="noStrike" kern="1200" cap="none" spc="0" normalizeH="0" baseline="0" noProof="0" dirty="0">
+              <a:ln>
+                <a:noFill/>
+              </a:ln>
+              <a:solidFill>
+                <a:prstClr val="white"/>
+              </a:solidFill>
+              <a:effectLst/>
+              <a:uLnTx/>
+              <a:uFillTx/>
+              <a:latin typeface="Century Gothic" panose="020B0502020202020204"/>
+              <a:ea typeface="+mn-ea"/>
+              <a:cs typeface="+mn-cs"/>
+            </a:endParaRPr>
+          </a:p>
+        </p:txBody>
+      </p:sp>
+      <p:sp>
+        <p:nvSpPr>
+          <p:cNvPr id="2" name="Τίτλος 1">
+            <a:extLst>
+              <a:ext uri="{FF2B5EF4-FFF2-40B4-BE49-F238E27FC236}">
+                <a16:creationId xmlns:a16="http://schemas.microsoft.com/office/drawing/2014/main" id="{72CB8492-FF3E-7055-F5D0-36549E838642}"/>
+              </a:ext>
+            </a:extLst>
+          </p:cNvPr>
+          <p:cNvSpPr>
+            <a:spLocks noGrp="1"/>
+          </p:cNvSpPr>
+          <p:nvPr>
+            <p:ph type="title"/>
+          </p:nvPr>
+        </p:nvSpPr>
+        <p:spPr>
+          <a:xfrm>
+            <a:off x="1584338" y="581227"/>
+            <a:ext cx="10607662" cy="1280890"/>
+          </a:xfrm>
+        </p:spPr>
+        <p:txBody>
+          <a:bodyPr>
+            <a:normAutofit/>
+          </a:bodyPr>
+          <a:lstStyle/>
+          <a:p>
+            <a:r>
+              <a:rPr lang="el-GR" dirty="0"/>
+              <a:t>ΣΥΜΠΕΡΑΣΜΑΤΑ</a:t>
+            </a:r>
+          </a:p>
+        </p:txBody>
+      </p:sp>
+      <p:sp>
+        <p:nvSpPr>
+          <p:cNvPr id="25" name="Rectangle 19">
+            <a:extLst>
+              <a:ext uri="{FF2B5EF4-FFF2-40B4-BE49-F238E27FC236}">
+                <a16:creationId xmlns:a16="http://schemas.microsoft.com/office/drawing/2014/main" id="{5E2E47D1-2C32-4FB7-A5F0-F31C8F390B83}"/>
+              </a:ext>
+              <a:ext uri="{C183D7F6-B498-43B3-948B-1728B52AA6E4}">
+                <adec:decorative xmlns:adec="http://schemas.microsoft.com/office/drawing/2017/decorative" val="1"/>
+              </a:ext>
+            </a:extLst>
+          </p:cNvPr>
+          <p:cNvSpPr>
+            <a:spLocks noGrp="1" noRot="1" noChangeAspect="1" noMove="1" noResize="1" noEditPoints="1" noAdjustHandles="1" noChangeArrowheads="1" noChangeShapeType="1" noTextEdit="1"/>
+          </p:cNvSpPr>
+          <p:nvPr>
+            <p:extLst>
+              <p:ext uri="{386F3935-93C4-4BCD-93E2-E3B085C9AB24}">
+                <p16:designElem xmlns:p16="http://schemas.microsoft.com/office/powerpoint/2015/main" val="1"/>
+              </p:ext>
+            </p:extLst>
+          </p:nvPr>
+        </p:nvSpPr>
+        <p:spPr>
+          <a:xfrm>
+            <a:off x="0" y="0"/>
+            <a:ext cx="182880" cy="6858000"/>
+          </a:xfrm>
+          <a:prstGeom prst="rect">
+            <a:avLst/>
+          </a:prstGeom>
+          <a:solidFill>
+            <a:schemeClr val="tx2"/>
+          </a:solidFill>
+          <a:ln>
+            <a:noFill/>
+          </a:ln>
+          <a:effectLst/>
+        </p:spPr>
+        <p:style>
+          <a:lnRef idx="1">
+            <a:schemeClr val="accent1"/>
+          </a:lnRef>
+          <a:fillRef idx="3">
+            <a:schemeClr val="accent1"/>
+          </a:fillRef>
+          <a:effectRef idx="2">
+            <a:schemeClr val="accent1"/>
+          </a:effectRef>
+          <a:fontRef idx="minor">
+            <a:schemeClr val="lt1"/>
+          </a:fontRef>
+        </p:style>
+      </p:sp>
+      <p:sp>
+        <p:nvSpPr>
+          <p:cNvPr id="26" name="Freeform 11">
+            <a:extLst>
+              <a:ext uri="{FF2B5EF4-FFF2-40B4-BE49-F238E27FC236}">
+                <a16:creationId xmlns:a16="http://schemas.microsoft.com/office/drawing/2014/main" id="{884C5A90-A356-4F6E-92BE-AA6527470833}"/>
+              </a:ext>
+              <a:ext uri="{C183D7F6-B498-43B3-948B-1728B52AA6E4}">
+                <adec:decorative xmlns:adec="http://schemas.microsoft.com/office/drawing/2017/decorative" val="1"/>
+              </a:ext>
+            </a:extLst>
+          </p:cNvPr>
+          <p:cNvSpPr>
+            <a:spLocks noGrp="1" noRot="1" noChangeAspect="1" noMove="1" noResize="1" noEditPoints="1" noAdjustHandles="1" noChangeArrowheads="1" noChangeShapeType="1" noTextEdit="1"/>
+          </p:cNvSpPr>
+          <p:nvPr>
+            <p:extLst>
+              <p:ext uri="{386F3935-93C4-4BCD-93E2-E3B085C9AB24}">
+                <p16:designElem xmlns:p16="http://schemas.microsoft.com/office/powerpoint/2015/main" val="1"/>
+              </p:ext>
+            </p:extLst>
+          </p:nvPr>
+        </p:nvSpPr>
+        <p:spPr bwMode="auto">
+          <a:xfrm flipV="1">
+            <a:off x="-4189" y="714375"/>
+            <a:ext cx="1588527" cy="507297"/>
+          </a:xfrm>
+          <a:custGeom>
+            <a:avLst/>
+            <a:gdLst/>
+            <a:ahLst/>
+            <a:cxnLst/>
+            <a:rect l="l" t="t" r="r" b="b"/>
+            <a:pathLst>
+              <a:path w="9248" h="10000">
+                <a:moveTo>
+                  <a:pt x="9248" y="4701"/>
+                </a:moveTo>
+                <a:lnTo>
+                  <a:pt x="7915" y="188"/>
+                </a:lnTo>
+                <a:cubicBezTo>
+                  <a:pt x="7906" y="156"/>
+                  <a:pt x="7895" y="126"/>
+                  <a:pt x="7886" y="94"/>
+                </a:cubicBezTo>
+                <a:cubicBezTo>
+                  <a:pt x="7859" y="0"/>
+                  <a:pt x="7831" y="0"/>
+                  <a:pt x="7803" y="0"/>
+                </a:cubicBezTo>
+                <a:lnTo>
+                  <a:pt x="7275" y="0"/>
+                </a:lnTo>
+                <a:lnTo>
+                  <a:pt x="0" y="70"/>
+                </a:lnTo>
+                <a:cubicBezTo>
+                  <a:pt x="8" y="3380"/>
+                  <a:pt x="17" y="6690"/>
+                  <a:pt x="25" y="10000"/>
+                </a:cubicBezTo>
+                <a:lnTo>
+                  <a:pt x="7275" y="9966"/>
+                </a:lnTo>
+                <a:lnTo>
+                  <a:pt x="7803" y="9966"/>
+                </a:lnTo>
+                <a:cubicBezTo>
+                  <a:pt x="7831" y="9966"/>
+                  <a:pt x="7859" y="9872"/>
+                  <a:pt x="7886" y="9872"/>
+                </a:cubicBezTo>
+                <a:cubicBezTo>
+                  <a:pt x="7886" y="9778"/>
+                  <a:pt x="7915" y="9778"/>
+                  <a:pt x="7915" y="9778"/>
+                </a:cubicBezTo>
+                <a:lnTo>
+                  <a:pt x="9248" y="5265"/>
+                </a:lnTo>
+                <a:cubicBezTo>
+                  <a:pt x="9303" y="5077"/>
+                  <a:pt x="9303" y="4889"/>
+                  <a:pt x="9248" y="4701"/>
+                </a:cubicBezTo>
+                <a:close/>
+              </a:path>
+            </a:pathLst>
+          </a:custGeom>
+          <a:solidFill>
+            <a:schemeClr val="accent1"/>
+          </a:solidFill>
+          <a:ln>
+            <a:noFill/>
+          </a:ln>
+        </p:spPr>
+      </p:sp>
+      <p:sp>
+        <p:nvSpPr>
+          <p:cNvPr id="3" name="Θέση περιεχομένου 2">
+            <a:extLst>
+              <a:ext uri="{FF2B5EF4-FFF2-40B4-BE49-F238E27FC236}">
+                <a16:creationId xmlns:a16="http://schemas.microsoft.com/office/drawing/2014/main" id="{2BB4966C-82D5-E344-7ABC-C5FF3DA5A208}"/>
+              </a:ext>
+            </a:extLst>
+          </p:cNvPr>
+          <p:cNvSpPr>
+            <a:spLocks noGrp="1"/>
+          </p:cNvSpPr>
+          <p:nvPr>
+            <p:ph idx="1"/>
+          </p:nvPr>
+        </p:nvSpPr>
+        <p:spPr>
+          <a:xfrm>
+            <a:off x="557790" y="2856333"/>
+            <a:ext cx="7417167" cy="1611495"/>
+          </a:xfrm>
+          <a:noFill/>
+          <a:ln>
+            <a:noFill/>
+          </a:ln>
+        </p:spPr>
+        <p:txBody>
+          <a:bodyPr>
+            <a:normAutofit/>
+          </a:bodyPr>
+          <a:lstStyle/>
+          <a:p>
+            <a:pPr>
+              <a:buClrTx/>
+            </a:pPr>
+            <a:r>
+              <a:rPr lang="el-GR" sz="2000" dirty="0"/>
+              <a:t>Αυτοματοποίηση διαδικασίας χρονοπρογραμματισμού</a:t>
+            </a:r>
+          </a:p>
+          <a:p>
+            <a:pPr>
+              <a:buClrTx/>
+            </a:pPr>
+            <a:r>
+              <a:rPr lang="el-GR" sz="2000" dirty="0"/>
+              <a:t>Εύρεση βέλτιστου προγράμματος αγώνων</a:t>
+            </a:r>
+          </a:p>
+          <a:p>
+            <a:pPr>
+              <a:buClrTx/>
+            </a:pPr>
+            <a:r>
+              <a:rPr lang="el-GR" sz="2000" dirty="0"/>
+              <a:t>Ταχύτερα αποτελέσματα</a:t>
+            </a:r>
+          </a:p>
+          <a:p>
+            <a:pPr>
+              <a:buClrTx/>
+            </a:pPr>
+            <a:endParaRPr lang="el-GR" sz="2000" dirty="0"/>
+          </a:p>
+        </p:txBody>
+      </p:sp>
+      <p:sp>
+        <p:nvSpPr>
+          <p:cNvPr id="4" name="TextBox 3">
+            <a:extLst>
+              <a:ext uri="{FF2B5EF4-FFF2-40B4-BE49-F238E27FC236}">
+                <a16:creationId xmlns:a16="http://schemas.microsoft.com/office/drawing/2014/main" id="{16C8DA27-11C8-FDE4-3383-487CE0E88DC6}"/>
+              </a:ext>
+            </a:extLst>
+          </p:cNvPr>
+          <p:cNvSpPr txBox="1"/>
+          <p:nvPr/>
+        </p:nvSpPr>
+        <p:spPr>
+          <a:xfrm>
+            <a:off x="557790" y="2310196"/>
+            <a:ext cx="5634004" cy="400110"/>
+          </a:xfrm>
+          <a:prstGeom prst="rect">
+            <a:avLst/>
+          </a:prstGeom>
+          <a:noFill/>
+        </p:spPr>
+        <p:txBody>
+          <a:bodyPr wrap="square" rtlCol="0">
+            <a:spAutoFit/>
+          </a:bodyPr>
+          <a:lstStyle/>
+          <a:p>
+            <a:pPr marL="0" marR="0" lvl="0" indent="0" algn="l" defTabSz="457200" rtl="0" eaLnBrk="1" fontAlgn="auto" latinLnBrk="0" hangingPunct="1">
+              <a:lnSpc>
+                <a:spcPct val="100000"/>
+              </a:lnSpc>
+              <a:spcBef>
+                <a:spcPts val="0"/>
+              </a:spcBef>
+              <a:spcAft>
+                <a:spcPts val="0"/>
+              </a:spcAft>
+              <a:buClrTx/>
+              <a:buSzTx/>
+              <a:buFontTx/>
+              <a:buNone/>
+              <a:tabLst/>
+              <a:defRPr/>
+            </a:pPr>
+            <a:r>
+              <a:rPr kumimoji="0" lang="el-GR" sz="2000" b="0" i="0" u="none" strike="noStrike" kern="1200" cap="none" spc="0" normalizeH="0" baseline="0" noProof="0" dirty="0">
+                <a:ln>
+                  <a:noFill/>
+                </a:ln>
+                <a:solidFill>
+                  <a:prstClr val="black">
+                    <a:lumMod val="75000"/>
+                    <a:lumOff val="25000"/>
+                  </a:prstClr>
+                </a:solidFill>
+                <a:effectLst/>
+                <a:uLnTx/>
+                <a:uFillTx/>
+                <a:latin typeface="Century Gothic" panose="020B0502020202020204"/>
+                <a:ea typeface="+mn-ea"/>
+                <a:cs typeface="+mn-cs"/>
+              </a:rPr>
+              <a:t>Επίτευξη στόχων προγράμματος:</a:t>
+            </a:r>
+          </a:p>
+        </p:txBody>
+      </p:sp>
+      <p:pic>
+        <p:nvPicPr>
+          <p:cNvPr id="6" name="Γραφικό 5">
+            <a:extLst>
+              <a:ext uri="{FF2B5EF4-FFF2-40B4-BE49-F238E27FC236}">
+                <a16:creationId xmlns:a16="http://schemas.microsoft.com/office/drawing/2014/main" id="{A74456D9-1411-1A27-16A0-017EB781F2BC}"/>
+              </a:ext>
+            </a:extLst>
+          </p:cNvPr>
+          <p:cNvPicPr>
+            <a:picLocks noChangeAspect="1"/>
+          </p:cNvPicPr>
+          <p:nvPr/>
+        </p:nvPicPr>
+        <p:blipFill>
+          <a:blip r:embed="rId2">
+            <a:extLst>
+              <a:ext uri="{28A0092B-C50C-407E-A947-70E740481C1C}">
+                <a14:useLocalDpi xmlns:a14="http://schemas.microsoft.com/office/drawing/2010/main" val="0"/>
+              </a:ext>
+              <a:ext uri="{96DAC541-7B7A-43D3-8B79-37D633B846F1}">
+                <asvg:svgBlip xmlns:asvg="http://schemas.microsoft.com/office/drawing/2016/SVG/main" r:embed="rId3"/>
+              </a:ext>
+            </a:extLst>
+          </a:blip>
+          <a:stretch>
+            <a:fillRect/>
+          </a:stretch>
+        </p:blipFill>
+        <p:spPr>
+          <a:xfrm>
+            <a:off x="7743899" y="2815683"/>
+            <a:ext cx="462116" cy="462116"/>
+          </a:xfrm>
+          <a:prstGeom prst="rect">
+            <a:avLst/>
+          </a:prstGeom>
+        </p:spPr>
+      </p:pic>
+      <p:pic>
+        <p:nvPicPr>
+          <p:cNvPr id="7" name="Γραφικό 6">
+            <a:extLst>
+              <a:ext uri="{FF2B5EF4-FFF2-40B4-BE49-F238E27FC236}">
+                <a16:creationId xmlns:a16="http://schemas.microsoft.com/office/drawing/2014/main" id="{CB500FA0-CCB1-17B5-39B2-014E1D959504}"/>
+              </a:ext>
+            </a:extLst>
+          </p:cNvPr>
+          <p:cNvPicPr>
+            <a:picLocks noChangeAspect="1"/>
+          </p:cNvPicPr>
+          <p:nvPr/>
+        </p:nvPicPr>
+        <p:blipFill>
+          <a:blip r:embed="rId2">
+            <a:extLst>
+              <a:ext uri="{28A0092B-C50C-407E-A947-70E740481C1C}">
+                <a14:useLocalDpi xmlns:a14="http://schemas.microsoft.com/office/drawing/2010/main" val="0"/>
+              </a:ext>
+              <a:ext uri="{96DAC541-7B7A-43D3-8B79-37D633B846F1}">
+                <asvg:svgBlip xmlns:asvg="http://schemas.microsoft.com/office/drawing/2016/SVG/main" r:embed="rId3"/>
+              </a:ext>
+            </a:extLst>
+          </a:blip>
+          <a:stretch>
+            <a:fillRect/>
+          </a:stretch>
+        </p:blipFill>
+        <p:spPr>
+          <a:xfrm>
+            <a:off x="6222286" y="3238664"/>
+            <a:ext cx="462116" cy="462116"/>
+          </a:xfrm>
+          <a:prstGeom prst="rect">
+            <a:avLst/>
+          </a:prstGeom>
+        </p:spPr>
+      </p:pic>
+      <p:pic>
+        <p:nvPicPr>
+          <p:cNvPr id="8" name="Γραφικό 7">
+            <a:extLst>
+              <a:ext uri="{FF2B5EF4-FFF2-40B4-BE49-F238E27FC236}">
+                <a16:creationId xmlns:a16="http://schemas.microsoft.com/office/drawing/2014/main" id="{66A869D8-ABE1-38C2-2E7A-6CAD1B4D5445}"/>
+              </a:ext>
+            </a:extLst>
+          </p:cNvPr>
+          <p:cNvPicPr>
+            <a:picLocks noChangeAspect="1"/>
+          </p:cNvPicPr>
+          <p:nvPr/>
+        </p:nvPicPr>
+        <p:blipFill>
+          <a:blip r:embed="rId2">
+            <a:extLst>
+              <a:ext uri="{28A0092B-C50C-407E-A947-70E740481C1C}">
+                <a14:useLocalDpi xmlns:a14="http://schemas.microsoft.com/office/drawing/2010/main" val="0"/>
+              </a:ext>
+              <a:ext uri="{96DAC541-7B7A-43D3-8B79-37D633B846F1}">
+                <asvg:svgBlip xmlns:asvg="http://schemas.microsoft.com/office/drawing/2016/SVG/main" r:embed="rId3"/>
+              </a:ext>
+            </a:extLst>
+          </a:blip>
+          <a:stretch>
+            <a:fillRect/>
+          </a:stretch>
+        </p:blipFill>
+        <p:spPr>
+          <a:xfrm>
+            <a:off x="3956657" y="3674334"/>
+            <a:ext cx="462116" cy="462116"/>
+          </a:xfrm>
+          <a:prstGeom prst="rect">
+            <a:avLst/>
+          </a:prstGeom>
+        </p:spPr>
+      </p:pic>
+    </p:spTree>
+    <p:extLst>
+      <p:ext uri="{BB962C8B-B14F-4D97-AF65-F5344CB8AC3E}">
+        <p14:creationId xmlns:p14="http://schemas.microsoft.com/office/powerpoint/2010/main" val="2596007767"/>
+      </p:ext>
+    </p:extLst>
+  </p:cSld>
+  <p:clrMapOvr>
+    <a:masterClrMapping/>
+  </p:clrMapOvr>
+  <mc:AlternateContent xmlns:mc="http://schemas.openxmlformats.org/markup-compatibility/2006" xmlns:p159="http://schemas.microsoft.com/office/powerpoint/2015/09/main">
+    <mc:Choice Requires="p159">
+      <p:transition xmlns:p14="http://schemas.microsoft.com/office/powerpoint/2010/main" spd="slow" p14:dur="2000">
+        <p159:morph option="byObject"/>
+      </p:transition>
+    </mc:Choice>
+    <mc:Fallback xmlns="">
+      <p:transition spd="slow">
+        <p:fade/>
+      </p:transition>
+    </mc:Fallback>
+  </mc:AlternateContent>
+  <p:timing>
+    <p:tnLst>
+      <p:par>
+        <p:cTn id="1" dur="indefinite" restart="never" nodeType="tmRoot">
+          <p:childTnLst>
+            <p:seq concurrent="1" nextAc="seek">
+              <p:cTn id="2" dur="indefinite" nodeType="mainSeq">
+                <p:childTnLst>
+                  <p:par>
+                    <p:cTn id="3" fill="hold">
+                      <p:stCondLst>
+                        <p:cond delay="indefinite"/>
+                      </p:stCondLst>
+                      <p:childTnLst>
+                        <p:par>
+                          <p:cTn id="4" fill="hold">
+                            <p:stCondLst>
+                              <p:cond delay="0"/>
+                            </p:stCondLst>
+                            <p:childTnLst>
+                              <p:par>
+                                <p:cTn id="5" presetID="10" presetClass="entr" presetSubtype="0" fill="hold" nodeType="clickEffect">
+                                  <p:stCondLst>
+                                    <p:cond delay="0"/>
+                                  </p:stCondLst>
+                                  <p:childTnLst>
+                                    <p:set>
+                                      <p:cBhvr>
+                                        <p:cTn id="6" dur="1" fill="hold">
+                                          <p:stCondLst>
+                                            <p:cond delay="0"/>
+                                          </p:stCondLst>
+                                        </p:cTn>
+                                        <p:tgtEl>
+                                          <p:spTgt spid="3">
+                                            <p:txEl>
+                                              <p:pRg st="0" end="0"/>
+                                            </p:txEl>
+                                          </p:spTgt>
+                                        </p:tgtEl>
+                                        <p:attrNameLst>
+                                          <p:attrName>style.visibility</p:attrName>
+                                        </p:attrNameLst>
+                                      </p:cBhvr>
+                                      <p:to>
+                                        <p:strVal val="visible"/>
+                                      </p:to>
+                                    </p:set>
+                                    <p:animEffect transition="in" filter="fade">
+                                      <p:cBhvr>
+                                        <p:cTn id="7" dur="500"/>
+                                        <p:tgtEl>
+                                          <p:spTgt spid="3">
+                                            <p:txEl>
+                                              <p:pRg st="0" end="0"/>
+                                            </p:txEl>
+                                          </p:spTgt>
+                                        </p:tgtEl>
+                                      </p:cBhvr>
+                                    </p:animEffect>
+                                  </p:childTnLst>
+                                </p:cTn>
+                              </p:par>
+                            </p:childTnLst>
+                          </p:cTn>
+                        </p:par>
+                      </p:childTnLst>
+                    </p:cTn>
+                  </p:par>
+                  <p:par>
+                    <p:cTn id="8" fill="hold">
+                      <p:stCondLst>
+                        <p:cond delay="indefinite"/>
+                      </p:stCondLst>
+                      <p:childTnLst>
+                        <p:par>
+                          <p:cTn id="9" fill="hold">
+                            <p:stCondLst>
+                              <p:cond delay="0"/>
+                            </p:stCondLst>
+                            <p:childTnLst>
+                              <p:par>
+                                <p:cTn id="10" presetID="10" presetClass="entr" presetSubtype="0" fill="hold" nodeType="clickEffect">
+                                  <p:stCondLst>
+                                    <p:cond delay="0"/>
+                                  </p:stCondLst>
+                                  <p:childTnLst>
+                                    <p:set>
+                                      <p:cBhvr>
+                                        <p:cTn id="11" dur="1" fill="hold">
+                                          <p:stCondLst>
+                                            <p:cond delay="0"/>
+                                          </p:stCondLst>
+                                        </p:cTn>
+                                        <p:tgtEl>
+                                          <p:spTgt spid="6"/>
+                                        </p:tgtEl>
+                                        <p:attrNameLst>
+                                          <p:attrName>style.visibility</p:attrName>
+                                        </p:attrNameLst>
+                                      </p:cBhvr>
+                                      <p:to>
+                                        <p:strVal val="visible"/>
+                                      </p:to>
+                                    </p:set>
+                                    <p:animEffect transition="in" filter="fade">
+                                      <p:cBhvr>
+                                        <p:cTn id="12" dur="500"/>
+                                        <p:tgtEl>
+                                          <p:spTgt spid="6"/>
+                                        </p:tgtEl>
+                                      </p:cBhvr>
+                                    </p:animEffect>
+                                  </p:childTnLst>
+                                </p:cTn>
+                              </p:par>
+                            </p:childTnLst>
+                          </p:cTn>
+                        </p:par>
+                      </p:childTnLst>
+                    </p:cTn>
+                  </p:par>
+                  <p:par>
+                    <p:cTn id="13" fill="hold">
+                      <p:stCondLst>
+                        <p:cond delay="indefinite"/>
+                      </p:stCondLst>
+                      <p:childTnLst>
+                        <p:par>
+                          <p:cTn id="14" fill="hold">
+                            <p:stCondLst>
+                              <p:cond delay="0"/>
+                            </p:stCondLst>
+                            <p:childTnLst>
+                              <p:par>
+                                <p:cTn id="15" presetID="10" presetClass="entr" presetSubtype="0" fill="hold" nodeType="clickEffect">
+                                  <p:stCondLst>
+                                    <p:cond delay="0"/>
+                                  </p:stCondLst>
+                                  <p:childTnLst>
+                                    <p:set>
+                                      <p:cBhvr>
+                                        <p:cTn id="16" dur="1" fill="hold">
+                                          <p:stCondLst>
+                                            <p:cond delay="0"/>
+                                          </p:stCondLst>
+                                        </p:cTn>
+                                        <p:tgtEl>
+                                          <p:spTgt spid="3">
+                                            <p:txEl>
+                                              <p:pRg st="1" end="1"/>
+                                            </p:txEl>
+                                          </p:spTgt>
+                                        </p:tgtEl>
+                                        <p:attrNameLst>
+                                          <p:attrName>style.visibility</p:attrName>
+                                        </p:attrNameLst>
+                                      </p:cBhvr>
+                                      <p:to>
+                                        <p:strVal val="visible"/>
+                                      </p:to>
+                                    </p:set>
+                                    <p:animEffect transition="in" filter="fade">
+                                      <p:cBhvr>
+                                        <p:cTn id="17" dur="500"/>
+                                        <p:tgtEl>
+                                          <p:spTgt spid="3">
+                                            <p:txEl>
+                                              <p:pRg st="1" end="1"/>
+                                            </p:txEl>
+                                          </p:spTgt>
+                                        </p:tgtEl>
+                                      </p:cBhvr>
+                                    </p:animEffect>
+                                  </p:childTnLst>
+                                </p:cTn>
+                              </p:par>
+                            </p:childTnLst>
+                          </p:cTn>
+                        </p:par>
+                      </p:childTnLst>
+                    </p:cTn>
+                  </p:par>
+                  <p:par>
+                    <p:cTn id="18" fill="hold">
+                      <p:stCondLst>
+                        <p:cond delay="indefinite"/>
+                      </p:stCondLst>
+                      <p:childTnLst>
+                        <p:par>
+                          <p:cTn id="19" fill="hold">
+                            <p:stCondLst>
+                              <p:cond delay="0"/>
+                            </p:stCondLst>
+                            <p:childTnLst>
+                              <p:par>
+                                <p:cTn id="20" presetID="10" presetClass="entr" presetSubtype="0" fill="hold" nodeType="clickEffect">
+                                  <p:stCondLst>
+                                    <p:cond delay="0"/>
+                                  </p:stCondLst>
+                                  <p:childTnLst>
+                                    <p:set>
+                                      <p:cBhvr>
+                                        <p:cTn id="21" dur="1" fill="hold">
+                                          <p:stCondLst>
+                                            <p:cond delay="0"/>
+                                          </p:stCondLst>
+                                        </p:cTn>
+                                        <p:tgtEl>
+                                          <p:spTgt spid="7"/>
+                                        </p:tgtEl>
+                                        <p:attrNameLst>
+                                          <p:attrName>style.visibility</p:attrName>
+                                        </p:attrNameLst>
+                                      </p:cBhvr>
+                                      <p:to>
+                                        <p:strVal val="visible"/>
+                                      </p:to>
+                                    </p:set>
+                                    <p:animEffect transition="in" filter="fade">
+                                      <p:cBhvr>
+                                        <p:cTn id="22" dur="500"/>
+                                        <p:tgtEl>
+                                          <p:spTgt spid="7"/>
+                                        </p:tgtEl>
+                                      </p:cBhvr>
+                                    </p:animEffect>
+                                  </p:childTnLst>
+                                </p:cTn>
+                              </p:par>
+                            </p:childTnLst>
+                          </p:cTn>
+                        </p:par>
+                      </p:childTnLst>
+                    </p:cTn>
+                  </p:par>
+                  <p:par>
+                    <p:cTn id="23" fill="hold">
+                      <p:stCondLst>
+                        <p:cond delay="indefinite"/>
+                      </p:stCondLst>
+                      <p:childTnLst>
+                        <p:par>
+                          <p:cTn id="24" fill="hold">
+                            <p:stCondLst>
+                              <p:cond delay="0"/>
+                            </p:stCondLst>
+                            <p:childTnLst>
+                              <p:par>
+                                <p:cTn id="25" presetID="10" presetClass="entr" presetSubtype="0" fill="hold" nodeType="clickEffect">
+                                  <p:stCondLst>
+                                    <p:cond delay="0"/>
+                                  </p:stCondLst>
+                                  <p:childTnLst>
+                                    <p:set>
+                                      <p:cBhvr>
+                                        <p:cTn id="26" dur="1" fill="hold">
+                                          <p:stCondLst>
+                                            <p:cond delay="0"/>
+                                          </p:stCondLst>
+                                        </p:cTn>
+                                        <p:tgtEl>
+                                          <p:spTgt spid="3">
+                                            <p:txEl>
+                                              <p:pRg st="2" end="2"/>
+                                            </p:txEl>
+                                          </p:spTgt>
+                                        </p:tgtEl>
+                                        <p:attrNameLst>
+                                          <p:attrName>style.visibility</p:attrName>
+                                        </p:attrNameLst>
+                                      </p:cBhvr>
+                                      <p:to>
+                                        <p:strVal val="visible"/>
+                                      </p:to>
+                                    </p:set>
+                                    <p:animEffect transition="in" filter="fade">
+                                      <p:cBhvr>
+                                        <p:cTn id="27" dur="500"/>
+                                        <p:tgtEl>
+                                          <p:spTgt spid="3">
+                                            <p:txEl>
+                                              <p:pRg st="2" end="2"/>
+                                            </p:txEl>
+                                          </p:spTgt>
+                                        </p:tgtEl>
+                                      </p:cBhvr>
+                                    </p:animEffect>
+                                  </p:childTnLst>
+                                </p:cTn>
+                              </p:par>
+                            </p:childTnLst>
+                          </p:cTn>
+                        </p:par>
+                      </p:childTnLst>
+                    </p:cTn>
+                  </p:par>
+                  <p:par>
+                    <p:cTn id="28" fill="hold">
+                      <p:stCondLst>
+                        <p:cond delay="indefinite"/>
+                      </p:stCondLst>
+                      <p:childTnLst>
+                        <p:par>
+                          <p:cTn id="29" fill="hold">
+                            <p:stCondLst>
+                              <p:cond delay="0"/>
+                            </p:stCondLst>
+                            <p:childTnLst>
+                              <p:par>
+                                <p:cTn id="30" presetID="10" presetClass="entr" presetSubtype="0" fill="hold" nodeType="clickEffect">
+                                  <p:stCondLst>
+                                    <p:cond delay="0"/>
+                                  </p:stCondLst>
+                                  <p:childTnLst>
+                                    <p:set>
+                                      <p:cBhvr>
+                                        <p:cTn id="31" dur="1" fill="hold">
+                                          <p:stCondLst>
+                                            <p:cond delay="0"/>
+                                          </p:stCondLst>
+                                        </p:cTn>
+                                        <p:tgtEl>
+                                          <p:spTgt spid="8"/>
+                                        </p:tgtEl>
+                                        <p:attrNameLst>
+                                          <p:attrName>style.visibility</p:attrName>
+                                        </p:attrNameLst>
+                                      </p:cBhvr>
+                                      <p:to>
+                                        <p:strVal val="visible"/>
+                                      </p:to>
+                                    </p:set>
+                                    <p:animEffect transition="in" filter="fade">
+                                      <p:cBhvr>
+                                        <p:cTn id="32" dur="500"/>
+                                        <p:tgtEl>
+                                          <p:spTgt spid="8"/>
+                                        </p:tgtEl>
+                                      </p:cBhvr>
+                                    </p:animEffect>
+                                  </p:childTnLst>
+                                </p:cTn>
+                              </p:par>
+                            </p:childTnLst>
+                          </p:cTn>
+                        </p:par>
+                      </p:childTnLst>
+                    </p:cTn>
+                  </p:par>
+                </p:childTnLst>
+              </p:cTn>
+              <p:prevCondLst>
+                <p:cond evt="onPrev" delay="0">
+                  <p:tgtEl>
+                    <p:sldTgt/>
+                  </p:tgtEl>
+                </p:cond>
+              </p:prevCondLst>
+              <p:nextCondLst>
+                <p:cond evt="onNext" delay="0">
+                  <p:tgtEl>
+                    <p:sldTgt/>
+                  </p:tgtEl>
+                </p:cond>
+              </p:nextCondLst>
+            </p:seq>
+          </p:childTnLst>
+        </p:cTn>
+      </p:par>
+    </p:tnLst>
+  </p:timing>
+</p:sld>
+</file>
+
+<file path=ppt/slides/slide23.xml><?xml version="1.0" encoding="utf-8"?>
+<p:sld xmlns:a="http://schemas.openxmlformats.org/drawingml/2006/main" xmlns:r="http://schemas.openxmlformats.org/officeDocument/2006/relationships" xmlns:p="http://schemas.openxmlformats.org/presentationml/2006/main">
+  <p:cSld>
+    <p:bg>
+      <p:bgPr>
+        <a:gradFill rotWithShape="1">
+          <a:gsLst>
+            <a:gs pos="0">
+              <a:schemeClr val="bg2">
+                <a:tint val="90000"/>
+                <a:lumMod val="120000"/>
+              </a:schemeClr>
+            </a:gs>
+            <a:gs pos="100000">
+              <a:schemeClr val="bg2">
+                <a:shade val="98000"/>
+                <a:satMod val="120000"/>
+                <a:lumMod val="98000"/>
+              </a:schemeClr>
+            </a:gs>
+          </a:gsLst>
+          <a:lin ang="5400000" scaled="0"/>
+        </a:gradFill>
+        <a:effectLst/>
+      </p:bgPr>
+    </p:bg>
+    <p:spTree>
+      <p:nvGrpSpPr>
+        <p:cNvPr id="1" name=""/>
+        <p:cNvGrpSpPr/>
+        <p:nvPr/>
+      </p:nvGrpSpPr>
+      <p:grpSpPr>
+        <a:xfrm>
+          <a:off x="0" y="0"/>
+          <a:ext cx="0" cy="0"/>
+          <a:chOff x="0" y="0"/>
+          <a:chExt cx="0" cy="0"/>
+        </a:xfrm>
+      </p:grpSpPr>
+      <p:sp useBgFill="1">
+        <p:nvSpPr>
+          <p:cNvPr id="49" name="Rectangle 48">
+            <a:extLst>
+              <a:ext uri="{FF2B5EF4-FFF2-40B4-BE49-F238E27FC236}">
+                <a16:creationId xmlns:a16="http://schemas.microsoft.com/office/drawing/2014/main" id="{F81819F9-8CAC-4A6C-8F06-0482027F9736}"/>
+              </a:ext>
+              <a:ext uri="{C183D7F6-B498-43B3-948B-1728B52AA6E4}">
+                <adec:decorative xmlns:adec="http://schemas.microsoft.com/office/drawing/2017/decorative" val="1"/>
+              </a:ext>
+            </a:extLst>
+          </p:cNvPr>
+          <p:cNvSpPr>
+            <a:spLocks noGrp="1" noRot="1" noChangeAspect="1" noMove="1" noResize="1" noEditPoints="1" noAdjustHandles="1" noChangeArrowheads="1" noChangeShapeType="1" noTextEdit="1"/>
+          </p:cNvSpPr>
+          <p:nvPr>
+            <p:extLst>
+              <p:ext uri="{386F3935-93C4-4BCD-93E2-E3B085C9AB24}">
+                <p16:designElem xmlns:p16="http://schemas.microsoft.com/office/powerpoint/2015/main" val="1"/>
+              </p:ext>
+            </p:extLst>
+          </p:nvPr>
+        </p:nvSpPr>
+        <p:spPr>
+          <a:xfrm>
+            <a:off x="2" y="0"/>
+            <a:ext cx="12191998" cy="6858000"/>
+          </a:xfrm>
+          <a:prstGeom prst="rect">
+            <a:avLst/>
+          </a:prstGeom>
+          <a:ln>
+            <a:noFill/>
+          </a:ln>
+        </p:spPr>
+        <p:style>
+          <a:lnRef idx="2">
+            <a:schemeClr val="accent1">
+              <a:shade val="50000"/>
+            </a:schemeClr>
+          </a:lnRef>
+          <a:fillRef idx="1">
+            <a:schemeClr val="accent1"/>
+          </a:fillRef>
+          <a:effectRef idx="0">
+            <a:schemeClr val="accent1"/>
+          </a:effectRef>
+          <a:fontRef idx="minor">
+            <a:schemeClr val="lt1"/>
+          </a:fontRef>
+        </p:style>
+        <p:txBody>
+          <a:bodyPr rtlCol="0" anchor="ctr"/>
+          <a:lstStyle/>
+          <a:p>
+            <a:pPr algn="ctr"/>
+            <a:endParaRPr lang="en-US"/>
+          </a:p>
+        </p:txBody>
+      </p:sp>
+      <p:sp>
+        <p:nvSpPr>
+          <p:cNvPr id="7" name="Τίτλος 6">
+            <a:extLst>
+              <a:ext uri="{FF2B5EF4-FFF2-40B4-BE49-F238E27FC236}">
+                <a16:creationId xmlns:a16="http://schemas.microsoft.com/office/drawing/2014/main" id="{3182C465-9D09-5867-7F27-AD9D6ECD03D3}"/>
+              </a:ext>
+            </a:extLst>
+          </p:cNvPr>
+          <p:cNvSpPr>
+            <a:spLocks noGrp="1"/>
+          </p:cNvSpPr>
+          <p:nvPr>
+            <p:ph type="ctrTitle"/>
+          </p:nvPr>
+        </p:nvSpPr>
+        <p:spPr>
+          <a:xfrm>
+            <a:off x="3373062" y="1864865"/>
+            <a:ext cx="8131550" cy="2262781"/>
+          </a:xfrm>
+        </p:spPr>
+        <p:txBody>
+          <a:bodyPr>
+            <a:normAutofit/>
+          </a:bodyPr>
+          <a:lstStyle/>
+          <a:p>
+            <a:r>
+              <a:rPr lang="el-GR"/>
+              <a:t>Σας ευχαριστώ πολύ.</a:t>
+            </a:r>
+          </a:p>
+        </p:txBody>
+      </p:sp>
+      <p:sp>
+        <p:nvSpPr>
+          <p:cNvPr id="51" name="Rectangle 50">
+            <a:extLst>
+              <a:ext uri="{FF2B5EF4-FFF2-40B4-BE49-F238E27FC236}">
+                <a16:creationId xmlns:a16="http://schemas.microsoft.com/office/drawing/2014/main" id="{4A98CC08-AEC2-4E8F-8F52-0F5C6372DB4F}"/>
+              </a:ext>
+              <a:ext uri="{C183D7F6-B498-43B3-948B-1728B52AA6E4}">
+                <adec:decorative xmlns:adec="http://schemas.microsoft.com/office/drawing/2017/decorative" val="1"/>
+              </a:ext>
+            </a:extLst>
+          </p:cNvPr>
+          <p:cNvSpPr>
+            <a:spLocks noGrp="1" noRot="1" noChangeAspect="1" noMove="1" noResize="1" noEditPoints="1" noAdjustHandles="1" noChangeArrowheads="1" noChangeShapeType="1" noTextEdit="1"/>
+          </p:cNvSpPr>
+          <p:nvPr>
+            <p:extLst>
+              <p:ext uri="{386F3935-93C4-4BCD-93E2-E3B085C9AB24}">
+                <p16:designElem xmlns:p16="http://schemas.microsoft.com/office/powerpoint/2015/main" val="1"/>
+              </p:ext>
+            </p:extLst>
+          </p:nvPr>
+        </p:nvSpPr>
+        <p:spPr>
+          <a:xfrm>
+            <a:off x="1" y="0"/>
+            <a:ext cx="2851515" cy="6858000"/>
+          </a:xfrm>
+          <a:prstGeom prst="rect">
+            <a:avLst/>
+          </a:prstGeom>
+          <a:solidFill>
+            <a:schemeClr val="tx2"/>
+          </a:solidFill>
+          <a:ln>
+            <a:noFill/>
+          </a:ln>
+        </p:spPr>
+        <p:style>
+          <a:lnRef idx="2">
+            <a:schemeClr val="accent1">
+              <a:shade val="50000"/>
+            </a:schemeClr>
+          </a:lnRef>
+          <a:fillRef idx="1">
+            <a:schemeClr val="accent1"/>
+          </a:fillRef>
+          <a:effectRef idx="0">
+            <a:schemeClr val="accent1"/>
+          </a:effectRef>
+          <a:fontRef idx="minor">
+            <a:schemeClr val="lt1"/>
+          </a:fontRef>
+        </p:style>
+        <p:txBody>
+          <a:bodyPr rtlCol="0" anchor="ctr"/>
+          <a:lstStyle/>
+          <a:p>
+            <a:pPr algn="ctr"/>
+            <a:endParaRPr lang="en-US"/>
+          </a:p>
+        </p:txBody>
+      </p:sp>
+      <p:grpSp>
+        <p:nvGrpSpPr>
+          <p:cNvPr id="53" name="Group 52">
+            <a:extLst>
+              <a:ext uri="{FF2B5EF4-FFF2-40B4-BE49-F238E27FC236}">
+                <a16:creationId xmlns:a16="http://schemas.microsoft.com/office/drawing/2014/main" id="{5D1545E6-EB3C-4478-A661-A2CA963F129C}"/>
+              </a:ext>
+              <a:ext uri="{C183D7F6-B498-43B3-948B-1728B52AA6E4}">
+                <adec:decorative xmlns:adec="http://schemas.microsoft.com/office/drawing/2017/decorative" val="1"/>
+              </a:ext>
+            </a:extLst>
+          </p:cNvPr>
+          <p:cNvGrpSpPr>
+            <a:grpSpLocks noGrp="1" noUngrp="1" noRot="1" noChangeAspect="1" noMove="1" noResize="1"/>
+          </p:cNvGrpSpPr>
+          <p:nvPr>
+            <p:extLst>
+              <p:ext uri="{386F3935-93C4-4BCD-93E2-E3B085C9AB24}">
+                <p16:designElem xmlns:p16="http://schemas.microsoft.com/office/powerpoint/2015/main" val="1"/>
+              </p:ext>
+            </p:extLst>
+          </p:nvPr>
+        </p:nvGrpSpPr>
+        <p:grpSpPr>
+          <a:xfrm>
+            <a:off x="9" y="228600"/>
+            <a:ext cx="2851523" cy="6638625"/>
+            <a:chOff x="2487613" y="285750"/>
+            <a:chExt cx="2428875" cy="5654676"/>
+          </a:xfrm>
+          <a:solidFill>
+            <a:schemeClr val="tx2">
+              <a:lumMod val="60000"/>
+              <a:lumOff val="40000"/>
+              <a:alpha val="40000"/>
+            </a:schemeClr>
+          </a:solidFill>
+        </p:grpSpPr>
+        <p:sp>
+          <p:nvSpPr>
+            <p:cNvPr id="54" name="Freeform 11">
+              <a:extLst>
+                <a:ext uri="{FF2B5EF4-FFF2-40B4-BE49-F238E27FC236}">
+                  <a16:creationId xmlns:a16="http://schemas.microsoft.com/office/drawing/2014/main" id="{B2E5B960-0C5D-4F77-8E9F-9F3D883D83C5}"/>
+                </a:ext>
+                <a:ext uri="{C183D7F6-B498-43B3-948B-1728B52AA6E4}">
+                  <adec:decorative xmlns:adec="http://schemas.microsoft.com/office/drawing/2017/decorative" val="1"/>
+                </a:ext>
+              </a:extLst>
+            </p:cNvPr>
+            <p:cNvSpPr/>
+            <p:nvPr>
+              <p:extLst>
+                <p:ext uri="{386F3935-93C4-4BCD-93E2-E3B085C9AB24}">
+                  <p16:designElem xmlns:p16="http://schemas.microsoft.com/office/powerpoint/2015/main" val="1"/>
+                </p:ext>
+              </p:extLst>
+            </p:nvPr>
+          </p:nvSpPr>
+          <p:spPr bwMode="auto">
+            <a:xfrm>
+              <a:off x="2487613" y="2284413"/>
+              <a:ext cx="85725" cy="533400"/>
+            </a:xfrm>
+            <a:custGeom>
+              <a:avLst/>
+              <a:gdLst/>
+              <a:ahLst/>
+              <a:cxnLst/>
+              <a:rect l="0" t="0" r="r" b="b"/>
+              <a:pathLst>
+                <a:path w="22" h="136">
+                  <a:moveTo>
+                    <a:pt x="22" y="136"/>
+                  </a:moveTo>
+                  <a:cubicBezTo>
+                    <a:pt x="20" y="117"/>
+                    <a:pt x="19" y="99"/>
+                    <a:pt x="17" y="80"/>
+                  </a:cubicBezTo>
+                  <a:cubicBezTo>
+                    <a:pt x="11" y="54"/>
+                    <a:pt x="6" y="27"/>
+                    <a:pt x="0" y="0"/>
+                  </a:cubicBezTo>
+                  <a:cubicBezTo>
+                    <a:pt x="0" y="35"/>
+                    <a:pt x="0" y="35"/>
+                    <a:pt x="0" y="35"/>
+                  </a:cubicBezTo>
+                  <a:cubicBezTo>
+                    <a:pt x="6" y="64"/>
+                    <a:pt x="13" y="94"/>
+                    <a:pt x="20" y="124"/>
+                  </a:cubicBezTo>
+                  <a:cubicBezTo>
+                    <a:pt x="20" y="128"/>
+                    <a:pt x="21" y="132"/>
+                    <a:pt x="22" y="136"/>
+                  </a:cubicBezTo>
+                  <a:close/>
+                </a:path>
+              </a:pathLst>
+            </a:custGeom>
+            <a:grpFill/>
+            <a:ln>
+              <a:noFill/>
+            </a:ln>
+          </p:spPr>
+        </p:sp>
+        <p:sp>
+          <p:nvSpPr>
+            <p:cNvPr id="55" name="Freeform 12">
+              <a:extLst>
+                <a:ext uri="{FF2B5EF4-FFF2-40B4-BE49-F238E27FC236}">
+                  <a16:creationId xmlns:a16="http://schemas.microsoft.com/office/drawing/2014/main" id="{258E44FC-92AD-43A0-BB05-DB268C82D8B2}"/>
+                </a:ext>
+                <a:ext uri="{C183D7F6-B498-43B3-948B-1728B52AA6E4}">
+                  <adec:decorative xmlns:adec="http://schemas.microsoft.com/office/drawing/2017/decorative" val="1"/>
+                </a:ext>
+              </a:extLst>
+            </p:cNvPr>
+            <p:cNvSpPr/>
+            <p:nvPr>
+              <p:extLst>
+                <p:ext uri="{386F3935-93C4-4BCD-93E2-E3B085C9AB24}">
+                  <p16:designElem xmlns:p16="http://schemas.microsoft.com/office/powerpoint/2015/main" val="1"/>
+                </p:ext>
+              </p:extLst>
+            </p:nvPr>
+          </p:nvSpPr>
+          <p:spPr bwMode="auto">
+            <a:xfrm>
+              <a:off x="2597151" y="2779713"/>
+              <a:ext cx="550863" cy="1978025"/>
+            </a:xfrm>
+            <a:custGeom>
+              <a:avLst/>
+              <a:gdLst/>
+              <a:ahLst/>
+              <a:cxnLst/>
+              <a:rect l="0" t="0" r="r" b="b"/>
+              <a:pathLst>
+                <a:path w="140" h="504">
+                  <a:moveTo>
+                    <a:pt x="86" y="350"/>
+                  </a:moveTo>
+                  <a:cubicBezTo>
+                    <a:pt x="103" y="402"/>
+                    <a:pt x="120" y="453"/>
+                    <a:pt x="139" y="504"/>
+                  </a:cubicBezTo>
+                  <a:cubicBezTo>
+                    <a:pt x="139" y="495"/>
+                    <a:pt x="139" y="487"/>
+                    <a:pt x="140" y="478"/>
+                  </a:cubicBezTo>
+                  <a:cubicBezTo>
+                    <a:pt x="124" y="435"/>
+                    <a:pt x="109" y="391"/>
+                    <a:pt x="95" y="347"/>
+                  </a:cubicBezTo>
+                  <a:cubicBezTo>
+                    <a:pt x="58" y="233"/>
+                    <a:pt x="27" y="117"/>
+                    <a:pt x="0" y="0"/>
+                  </a:cubicBezTo>
+                  <a:cubicBezTo>
+                    <a:pt x="2" y="20"/>
+                    <a:pt x="4" y="41"/>
+                    <a:pt x="6" y="61"/>
+                  </a:cubicBezTo>
+                  <a:cubicBezTo>
+                    <a:pt x="30" y="158"/>
+                    <a:pt x="56" y="255"/>
+                    <a:pt x="86" y="350"/>
+                  </a:cubicBezTo>
+                  <a:close/>
+                </a:path>
+              </a:pathLst>
+            </a:custGeom>
+            <a:grpFill/>
+            <a:ln>
+              <a:noFill/>
+            </a:ln>
+          </p:spPr>
+        </p:sp>
+        <p:sp>
+          <p:nvSpPr>
+            <p:cNvPr id="56" name="Freeform 13">
+              <a:extLst>
+                <a:ext uri="{FF2B5EF4-FFF2-40B4-BE49-F238E27FC236}">
+                  <a16:creationId xmlns:a16="http://schemas.microsoft.com/office/drawing/2014/main" id="{C63D3083-A56C-4199-8DE0-63C8BE9EDFE9}"/>
+                </a:ext>
+                <a:ext uri="{C183D7F6-B498-43B3-948B-1728B52AA6E4}">
+                  <adec:decorative xmlns:adec="http://schemas.microsoft.com/office/drawing/2017/decorative" val="1"/>
+                </a:ext>
+              </a:extLst>
+            </p:cNvPr>
+            <p:cNvSpPr/>
+            <p:nvPr>
+              <p:extLst>
+                <p:ext uri="{386F3935-93C4-4BCD-93E2-E3B085C9AB24}">
+                  <p16:designElem xmlns:p16="http://schemas.microsoft.com/office/powerpoint/2015/main" val="1"/>
+                </p:ext>
+              </p:extLst>
+            </p:nvPr>
+          </p:nvSpPr>
+          <p:spPr bwMode="auto">
+            <a:xfrm>
+              <a:off x="3175001" y="4730750"/>
+              <a:ext cx="519113" cy="1209675"/>
+            </a:xfrm>
+            <a:custGeom>
+              <a:avLst/>
+              <a:gdLst/>
+              <a:ahLst/>
+              <a:cxnLst/>
+              <a:rect l="0" t="0" r="r" b="b"/>
+              <a:pathLst>
+                <a:path w="132" h="308">
+                  <a:moveTo>
+                    <a:pt x="8" y="22"/>
+                  </a:moveTo>
+                  <a:cubicBezTo>
+                    <a:pt x="5" y="15"/>
+                    <a:pt x="2" y="8"/>
+                    <a:pt x="0" y="0"/>
+                  </a:cubicBezTo>
+                  <a:cubicBezTo>
+                    <a:pt x="0" y="10"/>
+                    <a:pt x="0" y="19"/>
+                    <a:pt x="0" y="29"/>
+                  </a:cubicBezTo>
+                  <a:cubicBezTo>
+                    <a:pt x="21" y="85"/>
+                    <a:pt x="44" y="140"/>
+                    <a:pt x="68" y="194"/>
+                  </a:cubicBezTo>
+                  <a:cubicBezTo>
+                    <a:pt x="85" y="232"/>
+                    <a:pt x="104" y="270"/>
+                    <a:pt x="123" y="308"/>
+                  </a:cubicBezTo>
+                  <a:cubicBezTo>
+                    <a:pt x="132" y="308"/>
+                    <a:pt x="132" y="308"/>
+                    <a:pt x="132" y="308"/>
+                  </a:cubicBezTo>
+                  <a:cubicBezTo>
+                    <a:pt x="113" y="269"/>
+                    <a:pt x="94" y="230"/>
+                    <a:pt x="77" y="190"/>
+                  </a:cubicBezTo>
+                  <a:cubicBezTo>
+                    <a:pt x="52" y="135"/>
+                    <a:pt x="29" y="79"/>
+                    <a:pt x="8" y="22"/>
+                  </a:cubicBezTo>
+                  <a:close/>
+                </a:path>
+              </a:pathLst>
+            </a:custGeom>
+            <a:grpFill/>
+            <a:ln>
+              <a:noFill/>
+            </a:ln>
+          </p:spPr>
+        </p:sp>
+        <p:sp>
+          <p:nvSpPr>
+            <p:cNvPr id="57" name="Freeform 14">
+              <a:extLst>
+                <a:ext uri="{FF2B5EF4-FFF2-40B4-BE49-F238E27FC236}">
+                  <a16:creationId xmlns:a16="http://schemas.microsoft.com/office/drawing/2014/main" id="{C7CD3581-635D-438F-A64F-68404E7AE0B8}"/>
+                </a:ext>
+                <a:ext uri="{C183D7F6-B498-43B3-948B-1728B52AA6E4}">
+                  <adec:decorative xmlns:adec="http://schemas.microsoft.com/office/drawing/2017/decorative" val="1"/>
+                </a:ext>
+              </a:extLst>
+            </p:cNvPr>
+            <p:cNvSpPr/>
+            <p:nvPr>
+              <p:extLst>
+                <p:ext uri="{386F3935-93C4-4BCD-93E2-E3B085C9AB24}">
+                  <p16:designElem xmlns:p16="http://schemas.microsoft.com/office/powerpoint/2015/main" val="1"/>
+                </p:ext>
+              </p:extLst>
+            </p:nvPr>
+          </p:nvSpPr>
+          <p:spPr bwMode="auto">
+            <a:xfrm>
+              <a:off x="3305176" y="5630863"/>
+              <a:ext cx="146050" cy="309563"/>
+            </a:xfrm>
+            <a:custGeom>
+              <a:avLst/>
+              <a:gdLst/>
+              <a:ahLst/>
+              <a:cxnLst/>
+              <a:rect l="0" t="0" r="r" b="b"/>
+              <a:pathLst>
+                <a:path w="37" h="79">
+                  <a:moveTo>
+                    <a:pt x="28" y="79"/>
+                  </a:moveTo>
+                  <a:cubicBezTo>
+                    <a:pt x="37" y="79"/>
+                    <a:pt x="37" y="79"/>
+                    <a:pt x="37" y="79"/>
+                  </a:cubicBezTo>
+                  <a:cubicBezTo>
+                    <a:pt x="24" y="53"/>
+                    <a:pt x="12" y="27"/>
+                    <a:pt x="0" y="0"/>
+                  </a:cubicBezTo>
+                  <a:cubicBezTo>
+                    <a:pt x="8" y="27"/>
+                    <a:pt x="17" y="53"/>
+                    <a:pt x="28" y="79"/>
+                  </a:cubicBezTo>
+                  <a:close/>
+                </a:path>
+              </a:pathLst>
+            </a:custGeom>
+            <a:grpFill/>
+            <a:ln>
+              <a:noFill/>
+            </a:ln>
+          </p:spPr>
+        </p:sp>
+        <p:sp>
+          <p:nvSpPr>
+            <p:cNvPr id="58" name="Freeform 15">
+              <a:extLst>
+                <a:ext uri="{FF2B5EF4-FFF2-40B4-BE49-F238E27FC236}">
+                  <a16:creationId xmlns:a16="http://schemas.microsoft.com/office/drawing/2014/main" id="{AD6904C0-211C-41A2-BDB8-3B07C90BBB4C}"/>
+                </a:ext>
+                <a:ext uri="{C183D7F6-B498-43B3-948B-1728B52AA6E4}">
+                  <adec:decorative xmlns:adec="http://schemas.microsoft.com/office/drawing/2017/decorative" val="1"/>
+                </a:ext>
+              </a:extLst>
+            </p:cNvPr>
+            <p:cNvSpPr/>
+            <p:nvPr>
+              <p:extLst>
+                <p:ext uri="{386F3935-93C4-4BCD-93E2-E3B085C9AB24}">
+                  <p16:designElem xmlns:p16="http://schemas.microsoft.com/office/powerpoint/2015/main" val="1"/>
+                </p:ext>
+              </p:extLst>
+            </p:nvPr>
+          </p:nvSpPr>
+          <p:spPr bwMode="auto">
+            <a:xfrm>
+              <a:off x="2573338" y="2817813"/>
+              <a:ext cx="700088" cy="2835275"/>
+            </a:xfrm>
+            <a:custGeom>
+              <a:avLst/>
+              <a:gdLst/>
+              <a:ahLst/>
+              <a:cxnLst/>
+              <a:rect l="0" t="0" r="r" b="b"/>
+              <a:pathLst>
+                <a:path w="178" h="722">
+                  <a:moveTo>
+                    <a:pt x="162" y="660"/>
+                  </a:moveTo>
+                  <a:cubicBezTo>
+                    <a:pt x="145" y="618"/>
+                    <a:pt x="130" y="576"/>
+                    <a:pt x="116" y="534"/>
+                  </a:cubicBezTo>
+                  <a:cubicBezTo>
+                    <a:pt x="84" y="437"/>
+                    <a:pt x="59" y="337"/>
+                    <a:pt x="40" y="236"/>
+                  </a:cubicBezTo>
+                  <a:cubicBezTo>
+                    <a:pt x="29" y="175"/>
+                    <a:pt x="20" y="113"/>
+                    <a:pt x="12" y="51"/>
+                  </a:cubicBezTo>
+                  <a:cubicBezTo>
+                    <a:pt x="8" y="34"/>
+                    <a:pt x="4" y="17"/>
+                    <a:pt x="0" y="0"/>
+                  </a:cubicBezTo>
+                  <a:cubicBezTo>
+                    <a:pt x="8" y="79"/>
+                    <a:pt x="19" y="159"/>
+                    <a:pt x="33" y="237"/>
+                  </a:cubicBezTo>
+                  <a:cubicBezTo>
+                    <a:pt x="51" y="339"/>
+                    <a:pt x="76" y="439"/>
+                    <a:pt x="107" y="537"/>
+                  </a:cubicBezTo>
+                  <a:cubicBezTo>
+                    <a:pt x="123" y="586"/>
+                    <a:pt x="141" y="634"/>
+                    <a:pt x="160" y="681"/>
+                  </a:cubicBezTo>
+                  <a:cubicBezTo>
+                    <a:pt x="166" y="695"/>
+                    <a:pt x="172" y="708"/>
+                    <a:pt x="178" y="722"/>
+                  </a:cubicBezTo>
+                  <a:cubicBezTo>
+                    <a:pt x="176" y="717"/>
+                    <a:pt x="175" y="713"/>
+                    <a:pt x="174" y="708"/>
+                  </a:cubicBezTo>
+                  <a:cubicBezTo>
+                    <a:pt x="169" y="692"/>
+                    <a:pt x="165" y="676"/>
+                    <a:pt x="162" y="660"/>
+                  </a:cubicBezTo>
+                  <a:close/>
+                </a:path>
+              </a:pathLst>
+            </a:custGeom>
+            <a:grpFill/>
+            <a:ln>
+              <a:noFill/>
+            </a:ln>
+          </p:spPr>
+        </p:sp>
+        <p:sp>
+          <p:nvSpPr>
+            <p:cNvPr id="59" name="Freeform 16">
+              <a:extLst>
+                <a:ext uri="{FF2B5EF4-FFF2-40B4-BE49-F238E27FC236}">
+                  <a16:creationId xmlns:a16="http://schemas.microsoft.com/office/drawing/2014/main" id="{B0837DA6-CAF9-4E78-A39E-6358EDE2B108}"/>
+                </a:ext>
+                <a:ext uri="{C183D7F6-B498-43B3-948B-1728B52AA6E4}">
+                  <adec:decorative xmlns:adec="http://schemas.microsoft.com/office/drawing/2017/decorative" val="1"/>
+                </a:ext>
+              </a:extLst>
+            </p:cNvPr>
+            <p:cNvSpPr/>
+            <p:nvPr>
+              <p:extLst>
+                <p:ext uri="{386F3935-93C4-4BCD-93E2-E3B085C9AB24}">
+                  <p16:designElem xmlns:p16="http://schemas.microsoft.com/office/powerpoint/2015/main" val="1"/>
+                </p:ext>
+              </p:extLst>
+            </p:nvPr>
+          </p:nvSpPr>
+          <p:spPr bwMode="auto">
+            <a:xfrm>
+              <a:off x="2506663" y="285750"/>
+              <a:ext cx="90488" cy="2493963"/>
+            </a:xfrm>
+            <a:custGeom>
+              <a:avLst/>
+              <a:gdLst/>
+              <a:ahLst/>
+              <a:cxnLst/>
+              <a:rect l="0" t="0" r="r" b="b"/>
+              <a:pathLst>
+                <a:path w="23" h="635">
+                  <a:moveTo>
+                    <a:pt x="11" y="577"/>
+                  </a:moveTo>
+                  <a:cubicBezTo>
+                    <a:pt x="12" y="581"/>
+                    <a:pt x="12" y="585"/>
+                    <a:pt x="12" y="589"/>
+                  </a:cubicBezTo>
+                  <a:cubicBezTo>
+                    <a:pt x="15" y="603"/>
+                    <a:pt x="19" y="617"/>
+                    <a:pt x="22" y="632"/>
+                  </a:cubicBezTo>
+                  <a:cubicBezTo>
+                    <a:pt x="22" y="633"/>
+                    <a:pt x="22" y="634"/>
+                    <a:pt x="23" y="635"/>
+                  </a:cubicBezTo>
+                  <a:cubicBezTo>
+                    <a:pt x="21" y="615"/>
+                    <a:pt x="19" y="596"/>
+                    <a:pt x="17" y="576"/>
+                  </a:cubicBezTo>
+                  <a:cubicBezTo>
+                    <a:pt x="9" y="474"/>
+                    <a:pt x="5" y="372"/>
+                    <a:pt x="5" y="269"/>
+                  </a:cubicBezTo>
+                  <a:cubicBezTo>
+                    <a:pt x="6" y="179"/>
+                    <a:pt x="9" y="90"/>
+                    <a:pt x="15" y="0"/>
+                  </a:cubicBezTo>
+                  <a:cubicBezTo>
+                    <a:pt x="12" y="0"/>
+                    <a:pt x="12" y="0"/>
+                    <a:pt x="12" y="0"/>
+                  </a:cubicBezTo>
+                  <a:cubicBezTo>
+                    <a:pt x="5" y="89"/>
+                    <a:pt x="2" y="179"/>
+                    <a:pt x="1" y="269"/>
+                  </a:cubicBezTo>
+                  <a:cubicBezTo>
+                    <a:pt x="0" y="372"/>
+                    <a:pt x="3" y="474"/>
+                    <a:pt x="11" y="577"/>
+                  </a:cubicBezTo>
+                  <a:close/>
+                </a:path>
+              </a:pathLst>
+            </a:custGeom>
+            <a:grpFill/>
+            <a:ln>
+              <a:noFill/>
+            </a:ln>
+          </p:spPr>
+        </p:sp>
+        <p:sp>
+          <p:nvSpPr>
+            <p:cNvPr id="60" name="Freeform 17">
+              <a:extLst>
+                <a:ext uri="{FF2B5EF4-FFF2-40B4-BE49-F238E27FC236}">
+                  <a16:creationId xmlns:a16="http://schemas.microsoft.com/office/drawing/2014/main" id="{0A99DD7D-3AB3-471E-842F-8AFEA09D07E4}"/>
+                </a:ext>
+                <a:ext uri="{C183D7F6-B498-43B3-948B-1728B52AA6E4}">
+                  <adec:decorative xmlns:adec="http://schemas.microsoft.com/office/drawing/2017/decorative" val="1"/>
+                </a:ext>
+              </a:extLst>
+            </p:cNvPr>
+            <p:cNvSpPr/>
+            <p:nvPr>
+              <p:extLst>
+                <p:ext uri="{386F3935-93C4-4BCD-93E2-E3B085C9AB24}">
+                  <p16:designElem xmlns:p16="http://schemas.microsoft.com/office/powerpoint/2015/main" val="1"/>
+                </p:ext>
+              </p:extLst>
+            </p:nvPr>
+          </p:nvSpPr>
+          <p:spPr bwMode="auto">
+            <a:xfrm>
+              <a:off x="2554288" y="2598738"/>
+              <a:ext cx="66675" cy="420688"/>
+            </a:xfrm>
+            <a:custGeom>
+              <a:avLst/>
+              <a:gdLst/>
+              <a:ahLst/>
+              <a:cxnLst/>
+              <a:rect l="0" t="0" r="r" b="b"/>
+              <a:pathLst>
+                <a:path w="17" h="107">
+                  <a:moveTo>
+                    <a:pt x="0" y="0"/>
+                  </a:moveTo>
+                  <a:cubicBezTo>
+                    <a:pt x="2" y="19"/>
+                    <a:pt x="3" y="37"/>
+                    <a:pt x="5" y="56"/>
+                  </a:cubicBezTo>
+                  <a:cubicBezTo>
+                    <a:pt x="9" y="73"/>
+                    <a:pt x="13" y="90"/>
+                    <a:pt x="17" y="107"/>
+                  </a:cubicBezTo>
+                  <a:cubicBezTo>
+                    <a:pt x="15" y="87"/>
+                    <a:pt x="13" y="66"/>
+                    <a:pt x="11" y="46"/>
+                  </a:cubicBezTo>
+                  <a:cubicBezTo>
+                    <a:pt x="10" y="45"/>
+                    <a:pt x="10" y="44"/>
+                    <a:pt x="10" y="43"/>
+                  </a:cubicBezTo>
+                  <a:cubicBezTo>
+                    <a:pt x="7" y="28"/>
+                    <a:pt x="3" y="14"/>
+                    <a:pt x="0" y="0"/>
+                  </a:cubicBezTo>
+                  <a:close/>
+                </a:path>
+              </a:pathLst>
+            </a:custGeom>
+            <a:grpFill/>
+            <a:ln>
+              <a:noFill/>
+            </a:ln>
+          </p:spPr>
+        </p:sp>
+        <p:sp>
+          <p:nvSpPr>
+            <p:cNvPr id="61" name="Freeform 18">
+              <a:extLst>
+                <a:ext uri="{FF2B5EF4-FFF2-40B4-BE49-F238E27FC236}">
+                  <a16:creationId xmlns:a16="http://schemas.microsoft.com/office/drawing/2014/main" id="{9C70B0D4-92FE-478F-86BD-93BA2C4DFCDC}"/>
+                </a:ext>
+                <a:ext uri="{C183D7F6-B498-43B3-948B-1728B52AA6E4}">
+                  <adec:decorative xmlns:adec="http://schemas.microsoft.com/office/drawing/2017/decorative" val="1"/>
+                </a:ext>
+              </a:extLst>
+            </p:cNvPr>
+            <p:cNvSpPr/>
+            <p:nvPr>
+              <p:extLst>
+                <p:ext uri="{386F3935-93C4-4BCD-93E2-E3B085C9AB24}">
+                  <p16:designElem xmlns:p16="http://schemas.microsoft.com/office/powerpoint/2015/main" val="1"/>
+                </p:ext>
+              </p:extLst>
+            </p:nvPr>
+          </p:nvSpPr>
+          <p:spPr bwMode="auto">
+            <a:xfrm>
+              <a:off x="3143251" y="4757738"/>
+              <a:ext cx="161925" cy="873125"/>
+            </a:xfrm>
+            <a:custGeom>
+              <a:avLst/>
+              <a:gdLst/>
+              <a:ahLst/>
+              <a:cxnLst/>
+              <a:rect l="0" t="0" r="r" b="b"/>
+              <a:pathLst>
+                <a:path w="41" h="222">
+                  <a:moveTo>
+                    <a:pt x="0" y="0"/>
+                  </a:moveTo>
+                  <a:cubicBezTo>
+                    <a:pt x="0" y="31"/>
+                    <a:pt x="2" y="62"/>
+                    <a:pt x="5" y="93"/>
+                  </a:cubicBezTo>
+                  <a:cubicBezTo>
+                    <a:pt x="8" y="117"/>
+                    <a:pt x="12" y="142"/>
+                    <a:pt x="17" y="166"/>
+                  </a:cubicBezTo>
+                  <a:cubicBezTo>
+                    <a:pt x="19" y="172"/>
+                    <a:pt x="22" y="178"/>
+                    <a:pt x="24" y="184"/>
+                  </a:cubicBezTo>
+                  <a:cubicBezTo>
+                    <a:pt x="30" y="197"/>
+                    <a:pt x="35" y="209"/>
+                    <a:pt x="41" y="222"/>
+                  </a:cubicBezTo>
+                  <a:cubicBezTo>
+                    <a:pt x="40" y="219"/>
+                    <a:pt x="39" y="215"/>
+                    <a:pt x="38" y="212"/>
+                  </a:cubicBezTo>
+                  <a:cubicBezTo>
+                    <a:pt x="26" y="172"/>
+                    <a:pt x="18" y="132"/>
+                    <a:pt x="13" y="92"/>
+                  </a:cubicBezTo>
+                  <a:cubicBezTo>
+                    <a:pt x="11" y="68"/>
+                    <a:pt x="9" y="45"/>
+                    <a:pt x="8" y="22"/>
+                  </a:cubicBezTo>
+                  <a:cubicBezTo>
+                    <a:pt x="8" y="21"/>
+                    <a:pt x="7" y="20"/>
+                    <a:pt x="7" y="18"/>
+                  </a:cubicBezTo>
+                  <a:cubicBezTo>
+                    <a:pt x="5" y="12"/>
+                    <a:pt x="2" y="6"/>
+                    <a:pt x="0" y="0"/>
+                  </a:cubicBezTo>
+                  <a:close/>
+                </a:path>
+              </a:pathLst>
+            </a:custGeom>
+            <a:grpFill/>
+            <a:ln>
+              <a:noFill/>
+            </a:ln>
+          </p:spPr>
+        </p:sp>
+        <p:sp>
+          <p:nvSpPr>
+            <p:cNvPr id="62" name="Freeform 19">
+              <a:extLst>
+                <a:ext uri="{FF2B5EF4-FFF2-40B4-BE49-F238E27FC236}">
+                  <a16:creationId xmlns:a16="http://schemas.microsoft.com/office/drawing/2014/main" id="{C9156BE6-11D4-4696-9E3F-C325BFAC8196}"/>
+                </a:ext>
+                <a:ext uri="{C183D7F6-B498-43B3-948B-1728B52AA6E4}">
+                  <adec:decorative xmlns:adec="http://schemas.microsoft.com/office/drawing/2017/decorative" val="1"/>
+                </a:ext>
+              </a:extLst>
+            </p:cNvPr>
+            <p:cNvSpPr/>
+            <p:nvPr>
+              <p:extLst>
+                <p:ext uri="{386F3935-93C4-4BCD-93E2-E3B085C9AB24}">
+                  <p16:designElem xmlns:p16="http://schemas.microsoft.com/office/powerpoint/2015/main" val="1"/>
+                </p:ext>
+              </p:extLst>
+            </p:nvPr>
+          </p:nvSpPr>
+          <p:spPr bwMode="auto">
+            <a:xfrm>
+              <a:off x="3148013" y="1282700"/>
+              <a:ext cx="1768475" cy="3448050"/>
+            </a:xfrm>
+            <a:custGeom>
+              <a:avLst/>
+              <a:gdLst/>
+              <a:ahLst/>
+              <a:cxnLst/>
+              <a:rect l="0" t="0" r="r" b="b"/>
+              <a:pathLst>
+                <a:path w="450" h="878">
+                  <a:moveTo>
+                    <a:pt x="7" y="854"/>
+                  </a:moveTo>
+                  <a:cubicBezTo>
+                    <a:pt x="10" y="772"/>
+                    <a:pt x="26" y="691"/>
+                    <a:pt x="50" y="613"/>
+                  </a:cubicBezTo>
+                  <a:cubicBezTo>
+                    <a:pt x="75" y="535"/>
+                    <a:pt x="109" y="460"/>
+                    <a:pt x="149" y="388"/>
+                  </a:cubicBezTo>
+                  <a:cubicBezTo>
+                    <a:pt x="189" y="316"/>
+                    <a:pt x="235" y="248"/>
+                    <a:pt x="285" y="183"/>
+                  </a:cubicBezTo>
+                  <a:cubicBezTo>
+                    <a:pt x="310" y="151"/>
+                    <a:pt x="337" y="119"/>
+                    <a:pt x="364" y="89"/>
+                  </a:cubicBezTo>
+                  <a:cubicBezTo>
+                    <a:pt x="378" y="74"/>
+                    <a:pt x="392" y="58"/>
+                    <a:pt x="406" y="44"/>
+                  </a:cubicBezTo>
+                  <a:cubicBezTo>
+                    <a:pt x="421" y="29"/>
+                    <a:pt x="435" y="15"/>
+                    <a:pt x="450" y="1"/>
+                  </a:cubicBezTo>
+                  <a:cubicBezTo>
+                    <a:pt x="450" y="0"/>
+                    <a:pt x="450" y="0"/>
+                    <a:pt x="450" y="0"/>
+                  </a:cubicBezTo>
+                  <a:cubicBezTo>
+                    <a:pt x="434" y="14"/>
+                    <a:pt x="420" y="28"/>
+                    <a:pt x="405" y="43"/>
+                  </a:cubicBezTo>
+                  <a:cubicBezTo>
+                    <a:pt x="391" y="57"/>
+                    <a:pt x="377" y="72"/>
+                    <a:pt x="363" y="88"/>
+                  </a:cubicBezTo>
+                  <a:cubicBezTo>
+                    <a:pt x="335" y="118"/>
+                    <a:pt x="308" y="149"/>
+                    <a:pt x="283" y="181"/>
+                  </a:cubicBezTo>
+                  <a:cubicBezTo>
+                    <a:pt x="232" y="246"/>
+                    <a:pt x="185" y="314"/>
+                    <a:pt x="145" y="386"/>
+                  </a:cubicBezTo>
+                  <a:cubicBezTo>
+                    <a:pt x="104" y="457"/>
+                    <a:pt x="70" y="533"/>
+                    <a:pt x="45" y="611"/>
+                  </a:cubicBezTo>
+                  <a:cubicBezTo>
+                    <a:pt x="19" y="690"/>
+                    <a:pt x="3" y="771"/>
+                    <a:pt x="0" y="854"/>
+                  </a:cubicBezTo>
+                  <a:cubicBezTo>
+                    <a:pt x="0" y="856"/>
+                    <a:pt x="0" y="857"/>
+                    <a:pt x="0" y="859"/>
+                  </a:cubicBezTo>
+                  <a:cubicBezTo>
+                    <a:pt x="2" y="865"/>
+                    <a:pt x="4" y="872"/>
+                    <a:pt x="7" y="878"/>
+                  </a:cubicBezTo>
+                  <a:cubicBezTo>
+                    <a:pt x="7" y="870"/>
+                    <a:pt x="7" y="862"/>
+                    <a:pt x="7" y="854"/>
+                  </a:cubicBezTo>
+                  <a:close/>
+                </a:path>
+              </a:pathLst>
+            </a:custGeom>
+            <a:grpFill/>
+            <a:ln>
+              <a:noFill/>
+            </a:ln>
+          </p:spPr>
+        </p:sp>
+        <p:sp>
+          <p:nvSpPr>
+            <p:cNvPr id="63" name="Freeform 20">
+              <a:extLst>
+                <a:ext uri="{FF2B5EF4-FFF2-40B4-BE49-F238E27FC236}">
+                  <a16:creationId xmlns:a16="http://schemas.microsoft.com/office/drawing/2014/main" id="{4E667226-1D20-4A9D-BBE3-AC17EA436F05}"/>
+                </a:ext>
+                <a:ext uri="{C183D7F6-B498-43B3-948B-1728B52AA6E4}">
+                  <adec:decorative xmlns:adec="http://schemas.microsoft.com/office/drawing/2017/decorative" val="1"/>
+                </a:ext>
+              </a:extLst>
+            </p:cNvPr>
+            <p:cNvSpPr/>
+            <p:nvPr>
+              <p:extLst>
+                <p:ext uri="{386F3935-93C4-4BCD-93E2-E3B085C9AB24}">
+                  <p16:designElem xmlns:p16="http://schemas.microsoft.com/office/powerpoint/2015/main" val="1"/>
+                </p:ext>
+              </p:extLst>
+            </p:nvPr>
+          </p:nvSpPr>
+          <p:spPr bwMode="auto">
+            <a:xfrm>
+              <a:off x="3273426" y="5653088"/>
+              <a:ext cx="138113" cy="287338"/>
+            </a:xfrm>
+            <a:custGeom>
+              <a:avLst/>
+              <a:gdLst/>
+              <a:ahLst/>
+              <a:cxnLst/>
+              <a:rect l="0" t="0" r="r" b="b"/>
+              <a:pathLst>
+                <a:path w="35" h="73">
+                  <a:moveTo>
+                    <a:pt x="0" y="0"/>
+                  </a:moveTo>
+                  <a:cubicBezTo>
+                    <a:pt x="7" y="24"/>
+                    <a:pt x="16" y="49"/>
+                    <a:pt x="26" y="73"/>
+                  </a:cubicBezTo>
+                  <a:cubicBezTo>
+                    <a:pt x="35" y="73"/>
+                    <a:pt x="35" y="73"/>
+                    <a:pt x="35" y="73"/>
+                  </a:cubicBezTo>
+                  <a:cubicBezTo>
+                    <a:pt x="23" y="49"/>
+                    <a:pt x="11" y="24"/>
+                    <a:pt x="0" y="0"/>
+                  </a:cubicBezTo>
+                  <a:close/>
+                </a:path>
+              </a:pathLst>
+            </a:custGeom>
+            <a:grpFill/>
+            <a:ln>
+              <a:noFill/>
+            </a:ln>
+          </p:spPr>
+        </p:sp>
+        <p:sp>
+          <p:nvSpPr>
+            <p:cNvPr id="64" name="Freeform 21">
+              <a:extLst>
+                <a:ext uri="{FF2B5EF4-FFF2-40B4-BE49-F238E27FC236}">
+                  <a16:creationId xmlns:a16="http://schemas.microsoft.com/office/drawing/2014/main" id="{2F87E3B6-5202-4434-9B26-42B46774F327}"/>
+                </a:ext>
+                <a:ext uri="{C183D7F6-B498-43B3-948B-1728B52AA6E4}">
+                  <adec:decorative xmlns:adec="http://schemas.microsoft.com/office/drawing/2017/decorative" val="1"/>
+                </a:ext>
+              </a:extLst>
+            </p:cNvPr>
+            <p:cNvSpPr/>
+            <p:nvPr>
+              <p:extLst>
+                <p:ext uri="{386F3935-93C4-4BCD-93E2-E3B085C9AB24}">
+                  <p16:designElem xmlns:p16="http://schemas.microsoft.com/office/powerpoint/2015/main" val="1"/>
+                </p:ext>
+              </p:extLst>
+            </p:nvPr>
+          </p:nvSpPr>
+          <p:spPr bwMode="auto">
+            <a:xfrm>
+              <a:off x="3143251" y="4656138"/>
+              <a:ext cx="31750" cy="188913"/>
+            </a:xfrm>
+            <a:custGeom>
+              <a:avLst/>
+              <a:gdLst/>
+              <a:ahLst/>
+              <a:cxnLst/>
+              <a:rect l="0" t="0" r="r" b="b"/>
+              <a:pathLst>
+                <a:path w="8" h="48">
+                  <a:moveTo>
+                    <a:pt x="7" y="44"/>
+                  </a:moveTo>
+                  <a:cubicBezTo>
+                    <a:pt x="7" y="46"/>
+                    <a:pt x="8" y="47"/>
+                    <a:pt x="8" y="48"/>
+                  </a:cubicBezTo>
+                  <a:cubicBezTo>
+                    <a:pt x="8" y="38"/>
+                    <a:pt x="8" y="29"/>
+                    <a:pt x="8" y="19"/>
+                  </a:cubicBezTo>
+                  <a:cubicBezTo>
+                    <a:pt x="5" y="13"/>
+                    <a:pt x="3" y="6"/>
+                    <a:pt x="1" y="0"/>
+                  </a:cubicBezTo>
+                  <a:cubicBezTo>
+                    <a:pt x="0" y="9"/>
+                    <a:pt x="0" y="17"/>
+                    <a:pt x="0" y="26"/>
+                  </a:cubicBezTo>
+                  <a:cubicBezTo>
+                    <a:pt x="2" y="32"/>
+                    <a:pt x="5" y="38"/>
+                    <a:pt x="7" y="44"/>
+                  </a:cubicBezTo>
+                  <a:close/>
+                </a:path>
+              </a:pathLst>
+            </a:custGeom>
+            <a:grpFill/>
+            <a:ln>
+              <a:noFill/>
+            </a:ln>
+          </p:spPr>
+        </p:sp>
+        <p:sp>
+          <p:nvSpPr>
+            <p:cNvPr id="65" name="Freeform 22">
+              <a:extLst>
+                <a:ext uri="{FF2B5EF4-FFF2-40B4-BE49-F238E27FC236}">
+                  <a16:creationId xmlns:a16="http://schemas.microsoft.com/office/drawing/2014/main" id="{AEA5E85F-F1F4-40E4-A62C-95324F674929}"/>
+                </a:ext>
+                <a:ext uri="{C183D7F6-B498-43B3-948B-1728B52AA6E4}">
+                  <adec:decorative xmlns:adec="http://schemas.microsoft.com/office/drawing/2017/decorative" val="1"/>
+                </a:ext>
+              </a:extLst>
+            </p:cNvPr>
+            <p:cNvSpPr/>
+            <p:nvPr>
+              <p:extLst>
+                <p:ext uri="{386F3935-93C4-4BCD-93E2-E3B085C9AB24}">
+                  <p16:designElem xmlns:p16="http://schemas.microsoft.com/office/powerpoint/2015/main" val="1"/>
+                </p:ext>
+              </p:extLst>
+            </p:nvPr>
+          </p:nvSpPr>
+          <p:spPr bwMode="auto">
+            <a:xfrm>
+              <a:off x="3211513" y="5410200"/>
+              <a:ext cx="203200" cy="530225"/>
+            </a:xfrm>
+            <a:custGeom>
+              <a:avLst/>
+              <a:gdLst/>
+              <a:ahLst/>
+              <a:cxnLst/>
+              <a:rect l="0" t="0" r="r" b="b"/>
+              <a:pathLst>
+                <a:path w="52" h="135">
+                  <a:moveTo>
+                    <a:pt x="7" y="18"/>
+                  </a:moveTo>
+                  <a:cubicBezTo>
+                    <a:pt x="5" y="12"/>
+                    <a:pt x="2" y="6"/>
+                    <a:pt x="0" y="0"/>
+                  </a:cubicBezTo>
+                  <a:cubicBezTo>
+                    <a:pt x="3" y="16"/>
+                    <a:pt x="7" y="32"/>
+                    <a:pt x="12" y="48"/>
+                  </a:cubicBezTo>
+                  <a:cubicBezTo>
+                    <a:pt x="13" y="53"/>
+                    <a:pt x="14" y="57"/>
+                    <a:pt x="16" y="62"/>
+                  </a:cubicBezTo>
+                  <a:cubicBezTo>
+                    <a:pt x="27" y="86"/>
+                    <a:pt x="39" y="111"/>
+                    <a:pt x="51" y="135"/>
+                  </a:cubicBezTo>
+                  <a:cubicBezTo>
+                    <a:pt x="52" y="135"/>
+                    <a:pt x="52" y="135"/>
+                    <a:pt x="52" y="135"/>
+                  </a:cubicBezTo>
+                  <a:cubicBezTo>
+                    <a:pt x="41" y="109"/>
+                    <a:pt x="32" y="83"/>
+                    <a:pt x="24" y="56"/>
+                  </a:cubicBezTo>
+                  <a:cubicBezTo>
+                    <a:pt x="18" y="43"/>
+                    <a:pt x="13" y="31"/>
+                    <a:pt x="7" y="18"/>
+                  </a:cubicBezTo>
+                  <a:close/>
+                </a:path>
+              </a:pathLst>
+            </a:custGeom>
+            <a:grpFill/>
+            <a:ln>
+              <a:noFill/>
+            </a:ln>
+          </p:spPr>
+        </p:sp>
+      </p:grpSp>
+      <p:grpSp>
+        <p:nvGrpSpPr>
+          <p:cNvPr id="67" name="Group 66">
+            <a:extLst>
+              <a:ext uri="{FF2B5EF4-FFF2-40B4-BE49-F238E27FC236}">
+                <a16:creationId xmlns:a16="http://schemas.microsoft.com/office/drawing/2014/main" id="{40A75861-F6C5-44A9-B161-B03701CBDE0C}"/>
+              </a:ext>
+              <a:ext uri="{C183D7F6-B498-43B3-948B-1728B52AA6E4}">
+                <adec:decorative xmlns:adec="http://schemas.microsoft.com/office/drawing/2017/decorative" val="1"/>
+              </a:ext>
+            </a:extLst>
+          </p:cNvPr>
+          <p:cNvGrpSpPr>
+            <a:grpSpLocks noGrp="1" noUngrp="1" noRot="1" noChangeAspect="1" noMove="1" noResize="1"/>
+          </p:cNvGrpSpPr>
+          <p:nvPr>
+            <p:extLst>
+              <p:ext uri="{386F3935-93C4-4BCD-93E2-E3B085C9AB24}">
+                <p16:designElem xmlns:p16="http://schemas.microsoft.com/office/powerpoint/2015/main" val="1"/>
+              </p:ext>
+            </p:extLst>
+          </p:nvPr>
+        </p:nvGrpSpPr>
+        <p:grpSpPr>
+          <a:xfrm>
+            <a:off x="27224" y="-786"/>
+            <a:ext cx="2356675" cy="6854040"/>
+            <a:chOff x="6627813" y="194833"/>
+            <a:chExt cx="1952625" cy="5678918"/>
+          </a:xfrm>
+          <a:solidFill>
+            <a:schemeClr val="tx2">
+              <a:lumMod val="75000"/>
+              <a:alpha val="70000"/>
+            </a:schemeClr>
+          </a:solidFill>
+        </p:grpSpPr>
+        <p:sp>
+          <p:nvSpPr>
+            <p:cNvPr id="68" name="Freeform 27">
+              <a:extLst>
+                <a:ext uri="{FF2B5EF4-FFF2-40B4-BE49-F238E27FC236}">
+                  <a16:creationId xmlns:a16="http://schemas.microsoft.com/office/drawing/2014/main" id="{72EE642D-4F69-47C0-99BA-CE435035735F}"/>
+                </a:ext>
+                <a:ext uri="{C183D7F6-B498-43B3-948B-1728B52AA6E4}">
+                  <adec:decorative xmlns:adec="http://schemas.microsoft.com/office/drawing/2017/decorative" val="1"/>
+                </a:ext>
+              </a:extLst>
+            </p:cNvPr>
+            <p:cNvSpPr/>
+            <p:nvPr>
+              <p:extLst>
+                <p:ext uri="{386F3935-93C4-4BCD-93E2-E3B085C9AB24}">
+                  <p16:designElem xmlns:p16="http://schemas.microsoft.com/office/powerpoint/2015/main" val="1"/>
+                </p:ext>
+              </p:extLst>
+            </p:nvPr>
+          </p:nvSpPr>
+          <p:spPr bwMode="auto">
+            <a:xfrm>
+              <a:off x="6627813" y="194833"/>
+              <a:ext cx="409575" cy="3646488"/>
+            </a:xfrm>
+            <a:custGeom>
+              <a:avLst/>
+              <a:gdLst/>
+              <a:ahLst/>
+              <a:cxnLst/>
+              <a:rect l="0" t="0" r="r" b="b"/>
+              <a:pathLst>
+                <a:path w="103" h="920">
+                  <a:moveTo>
+                    <a:pt x="7" y="210"/>
+                  </a:moveTo>
+                  <a:cubicBezTo>
+                    <a:pt x="11" y="288"/>
+                    <a:pt x="17" y="367"/>
+                    <a:pt x="26" y="445"/>
+                  </a:cubicBezTo>
+                  <a:cubicBezTo>
+                    <a:pt x="34" y="523"/>
+                    <a:pt x="44" y="601"/>
+                    <a:pt x="57" y="679"/>
+                  </a:cubicBezTo>
+                  <a:cubicBezTo>
+                    <a:pt x="69" y="757"/>
+                    <a:pt x="84" y="834"/>
+                    <a:pt x="101" y="911"/>
+                  </a:cubicBezTo>
+                  <a:cubicBezTo>
+                    <a:pt x="102" y="914"/>
+                    <a:pt x="103" y="917"/>
+                    <a:pt x="103" y="920"/>
+                  </a:cubicBezTo>
+                  <a:cubicBezTo>
+                    <a:pt x="102" y="905"/>
+                    <a:pt x="100" y="889"/>
+                    <a:pt x="99" y="874"/>
+                  </a:cubicBezTo>
+                  <a:cubicBezTo>
+                    <a:pt x="99" y="871"/>
+                    <a:pt x="99" y="868"/>
+                    <a:pt x="99" y="866"/>
+                  </a:cubicBezTo>
+                  <a:cubicBezTo>
+                    <a:pt x="85" y="803"/>
+                    <a:pt x="73" y="741"/>
+                    <a:pt x="63" y="678"/>
+                  </a:cubicBezTo>
+                  <a:cubicBezTo>
+                    <a:pt x="50" y="600"/>
+                    <a:pt x="39" y="523"/>
+                    <a:pt x="30" y="444"/>
+                  </a:cubicBezTo>
+                  <a:cubicBezTo>
+                    <a:pt x="21" y="366"/>
+                    <a:pt x="14" y="288"/>
+                    <a:pt x="9" y="209"/>
+                  </a:cubicBezTo>
+                  <a:cubicBezTo>
+                    <a:pt x="7" y="170"/>
+                    <a:pt x="5" y="131"/>
+                    <a:pt x="3" y="92"/>
+                  </a:cubicBezTo>
+                  <a:cubicBezTo>
+                    <a:pt x="2" y="61"/>
+                    <a:pt x="1" y="31"/>
+                    <a:pt x="1" y="0"/>
+                  </a:cubicBezTo>
+                  <a:cubicBezTo>
+                    <a:pt x="0" y="0"/>
+                    <a:pt x="0" y="0"/>
+                    <a:pt x="0" y="0"/>
+                  </a:cubicBezTo>
+                  <a:cubicBezTo>
+                    <a:pt x="0" y="31"/>
+                    <a:pt x="1" y="61"/>
+                    <a:pt x="1" y="92"/>
+                  </a:cubicBezTo>
+                  <a:cubicBezTo>
+                    <a:pt x="3" y="131"/>
+                    <a:pt x="4" y="170"/>
+                    <a:pt x="7" y="210"/>
+                  </a:cubicBezTo>
+                  <a:close/>
+                </a:path>
+              </a:pathLst>
+            </a:custGeom>
+            <a:grpFill/>
+            <a:ln>
+              <a:noFill/>
+            </a:ln>
+          </p:spPr>
+        </p:sp>
+        <p:sp>
+          <p:nvSpPr>
+            <p:cNvPr id="69" name="Freeform 28">
+              <a:extLst>
+                <a:ext uri="{FF2B5EF4-FFF2-40B4-BE49-F238E27FC236}">
+                  <a16:creationId xmlns:a16="http://schemas.microsoft.com/office/drawing/2014/main" id="{26178CE4-DA2D-46EA-AB8D-341C5AC563D6}"/>
+                </a:ext>
+                <a:ext uri="{C183D7F6-B498-43B3-948B-1728B52AA6E4}">
+                  <adec:decorative xmlns:adec="http://schemas.microsoft.com/office/drawing/2017/decorative" val="1"/>
+                </a:ext>
+              </a:extLst>
+            </p:cNvPr>
+            <p:cNvSpPr/>
+            <p:nvPr>
+              <p:extLst>
+                <p:ext uri="{386F3935-93C4-4BCD-93E2-E3B085C9AB24}">
+                  <p16:designElem xmlns:p16="http://schemas.microsoft.com/office/powerpoint/2015/main" val="1"/>
+                </p:ext>
+              </p:extLst>
+            </p:nvPr>
+          </p:nvSpPr>
+          <p:spPr bwMode="auto">
+            <a:xfrm>
+              <a:off x="7061201" y="3771900"/>
+              <a:ext cx="350838" cy="1309688"/>
+            </a:xfrm>
+            <a:custGeom>
+              <a:avLst/>
+              <a:gdLst/>
+              <a:ahLst/>
+              <a:cxnLst/>
+              <a:rect l="0" t="0" r="r" b="b"/>
+              <a:pathLst>
+                <a:path w="88" h="330">
+                  <a:moveTo>
+                    <a:pt x="53" y="229"/>
+                  </a:moveTo>
+                  <a:cubicBezTo>
+                    <a:pt x="64" y="263"/>
+                    <a:pt x="75" y="297"/>
+                    <a:pt x="88" y="330"/>
+                  </a:cubicBezTo>
+                  <a:cubicBezTo>
+                    <a:pt x="88" y="323"/>
+                    <a:pt x="88" y="315"/>
+                    <a:pt x="88" y="308"/>
+                  </a:cubicBezTo>
+                  <a:cubicBezTo>
+                    <a:pt x="88" y="307"/>
+                    <a:pt x="88" y="305"/>
+                    <a:pt x="88" y="304"/>
+                  </a:cubicBezTo>
+                  <a:cubicBezTo>
+                    <a:pt x="79" y="278"/>
+                    <a:pt x="70" y="252"/>
+                    <a:pt x="62" y="226"/>
+                  </a:cubicBezTo>
+                  <a:cubicBezTo>
+                    <a:pt x="38" y="152"/>
+                    <a:pt x="17" y="76"/>
+                    <a:pt x="0" y="0"/>
+                  </a:cubicBezTo>
+                  <a:cubicBezTo>
+                    <a:pt x="2" y="21"/>
+                    <a:pt x="4" y="42"/>
+                    <a:pt x="7" y="63"/>
+                  </a:cubicBezTo>
+                  <a:cubicBezTo>
+                    <a:pt x="21" y="119"/>
+                    <a:pt x="36" y="174"/>
+                    <a:pt x="53" y="229"/>
+                  </a:cubicBezTo>
+                  <a:close/>
+                </a:path>
+              </a:pathLst>
+            </a:custGeom>
+            <a:grpFill/>
+            <a:ln>
+              <a:noFill/>
+            </a:ln>
+          </p:spPr>
+        </p:sp>
+        <p:sp>
+          <p:nvSpPr>
+            <p:cNvPr id="70" name="Freeform 29">
+              <a:extLst>
+                <a:ext uri="{FF2B5EF4-FFF2-40B4-BE49-F238E27FC236}">
+                  <a16:creationId xmlns:a16="http://schemas.microsoft.com/office/drawing/2014/main" id="{698E9F53-8381-4FA5-A510-846925D242CF}"/>
+                </a:ext>
+                <a:ext uri="{C183D7F6-B498-43B3-948B-1728B52AA6E4}">
+                  <adec:decorative xmlns:adec="http://schemas.microsoft.com/office/drawing/2017/decorative" val="1"/>
+                </a:ext>
+              </a:extLst>
+            </p:cNvPr>
+            <p:cNvSpPr/>
+            <p:nvPr>
+              <p:extLst>
+                <p:ext uri="{386F3935-93C4-4BCD-93E2-E3B085C9AB24}">
+                  <p16:designElem xmlns:p16="http://schemas.microsoft.com/office/powerpoint/2015/main" val="1"/>
+                </p:ext>
+              </p:extLst>
+            </p:nvPr>
+          </p:nvSpPr>
+          <p:spPr bwMode="auto">
+            <a:xfrm>
+              <a:off x="7439026" y="5053013"/>
+              <a:ext cx="357188" cy="820738"/>
+            </a:xfrm>
+            <a:custGeom>
+              <a:avLst/>
+              <a:gdLst/>
+              <a:ahLst/>
+              <a:cxnLst/>
+              <a:rect l="0" t="0" r="r" b="b"/>
+              <a:pathLst>
+                <a:path w="90" h="207">
+                  <a:moveTo>
+                    <a:pt x="6" y="15"/>
+                  </a:moveTo>
+                  <a:cubicBezTo>
+                    <a:pt x="4" y="10"/>
+                    <a:pt x="2" y="5"/>
+                    <a:pt x="0" y="0"/>
+                  </a:cubicBezTo>
+                  <a:cubicBezTo>
+                    <a:pt x="0" y="9"/>
+                    <a:pt x="0" y="19"/>
+                    <a:pt x="1" y="29"/>
+                  </a:cubicBezTo>
+                  <a:cubicBezTo>
+                    <a:pt x="14" y="62"/>
+                    <a:pt x="27" y="95"/>
+                    <a:pt x="42" y="127"/>
+                  </a:cubicBezTo>
+                  <a:cubicBezTo>
+                    <a:pt x="54" y="154"/>
+                    <a:pt x="67" y="181"/>
+                    <a:pt x="80" y="207"/>
+                  </a:cubicBezTo>
+                  <a:cubicBezTo>
+                    <a:pt x="90" y="207"/>
+                    <a:pt x="90" y="207"/>
+                    <a:pt x="90" y="207"/>
+                  </a:cubicBezTo>
+                  <a:cubicBezTo>
+                    <a:pt x="76" y="180"/>
+                    <a:pt x="63" y="152"/>
+                    <a:pt x="50" y="123"/>
+                  </a:cubicBezTo>
+                  <a:cubicBezTo>
+                    <a:pt x="34" y="88"/>
+                    <a:pt x="20" y="51"/>
+                    <a:pt x="6" y="15"/>
+                  </a:cubicBezTo>
+                  <a:close/>
+                </a:path>
+              </a:pathLst>
+            </a:custGeom>
+            <a:grpFill/>
+            <a:ln>
+              <a:noFill/>
+            </a:ln>
+          </p:spPr>
+        </p:sp>
+        <p:sp>
+          <p:nvSpPr>
+            <p:cNvPr id="71" name="Freeform 30">
+              <a:extLst>
+                <a:ext uri="{FF2B5EF4-FFF2-40B4-BE49-F238E27FC236}">
+                  <a16:creationId xmlns:a16="http://schemas.microsoft.com/office/drawing/2014/main" id="{B13CE284-F21E-411B-BB8E-9C03B853CE44}"/>
+                </a:ext>
+                <a:ext uri="{C183D7F6-B498-43B3-948B-1728B52AA6E4}">
+                  <adec:decorative xmlns:adec="http://schemas.microsoft.com/office/drawing/2017/decorative" val="1"/>
+                </a:ext>
+              </a:extLst>
+            </p:cNvPr>
+            <p:cNvSpPr/>
+            <p:nvPr>
+              <p:extLst>
+                <p:ext uri="{386F3935-93C4-4BCD-93E2-E3B085C9AB24}">
+                  <p16:designElem xmlns:p16="http://schemas.microsoft.com/office/powerpoint/2015/main" val="1"/>
+                </p:ext>
+              </p:extLst>
+            </p:nvPr>
+          </p:nvSpPr>
+          <p:spPr bwMode="auto">
+            <a:xfrm>
+              <a:off x="7037388" y="3811588"/>
+              <a:ext cx="457200" cy="1852613"/>
+            </a:xfrm>
+            <a:custGeom>
+              <a:avLst/>
+              <a:gdLst/>
+              <a:ahLst/>
+              <a:cxnLst/>
+              <a:rect l="0" t="0" r="r" b="b"/>
+              <a:pathLst>
+                <a:path w="115" h="467">
+                  <a:moveTo>
+                    <a:pt x="101" y="409"/>
+                  </a:moveTo>
+                  <a:cubicBezTo>
+                    <a:pt x="93" y="388"/>
+                    <a:pt x="85" y="366"/>
+                    <a:pt x="78" y="344"/>
+                  </a:cubicBezTo>
+                  <a:cubicBezTo>
+                    <a:pt x="57" y="281"/>
+                    <a:pt x="41" y="216"/>
+                    <a:pt x="29" y="151"/>
+                  </a:cubicBezTo>
+                  <a:cubicBezTo>
+                    <a:pt x="22" y="119"/>
+                    <a:pt x="17" y="86"/>
+                    <a:pt x="13" y="53"/>
+                  </a:cubicBezTo>
+                  <a:cubicBezTo>
+                    <a:pt x="9" y="35"/>
+                    <a:pt x="4" y="18"/>
+                    <a:pt x="0" y="0"/>
+                  </a:cubicBezTo>
+                  <a:cubicBezTo>
+                    <a:pt x="5" y="51"/>
+                    <a:pt x="12" y="102"/>
+                    <a:pt x="21" y="152"/>
+                  </a:cubicBezTo>
+                  <a:cubicBezTo>
+                    <a:pt x="33" y="218"/>
+                    <a:pt x="49" y="283"/>
+                    <a:pt x="69" y="347"/>
+                  </a:cubicBezTo>
+                  <a:cubicBezTo>
+                    <a:pt x="79" y="378"/>
+                    <a:pt x="90" y="410"/>
+                    <a:pt x="103" y="441"/>
+                  </a:cubicBezTo>
+                  <a:cubicBezTo>
+                    <a:pt x="107" y="449"/>
+                    <a:pt x="111" y="458"/>
+                    <a:pt x="115" y="467"/>
+                  </a:cubicBezTo>
+                  <a:cubicBezTo>
+                    <a:pt x="114" y="464"/>
+                    <a:pt x="113" y="461"/>
+                    <a:pt x="112" y="458"/>
+                  </a:cubicBezTo>
+                  <a:cubicBezTo>
+                    <a:pt x="108" y="442"/>
+                    <a:pt x="104" y="425"/>
+                    <a:pt x="101" y="409"/>
+                  </a:cubicBezTo>
+                  <a:close/>
+                </a:path>
+              </a:pathLst>
+            </a:custGeom>
+            <a:grpFill/>
+            <a:ln>
+              <a:noFill/>
+            </a:ln>
+          </p:spPr>
+        </p:sp>
+        <p:sp>
+          <p:nvSpPr>
+            <p:cNvPr id="72" name="Freeform 31">
+              <a:extLst>
+                <a:ext uri="{FF2B5EF4-FFF2-40B4-BE49-F238E27FC236}">
+                  <a16:creationId xmlns:a16="http://schemas.microsoft.com/office/drawing/2014/main" id="{23DF4578-4703-437C-A797-2A2D0CEE5F45}"/>
+                </a:ext>
+                <a:ext uri="{C183D7F6-B498-43B3-948B-1728B52AA6E4}">
+                  <adec:decorative xmlns:adec="http://schemas.microsoft.com/office/drawing/2017/decorative" val="1"/>
+                </a:ext>
+              </a:extLst>
+            </p:cNvPr>
+            <p:cNvSpPr/>
+            <p:nvPr>
+              <p:extLst>
+                <p:ext uri="{386F3935-93C4-4BCD-93E2-E3B085C9AB24}">
+                  <p16:designElem xmlns:p16="http://schemas.microsoft.com/office/powerpoint/2015/main" val="1"/>
+                </p:ext>
+              </p:extLst>
+            </p:nvPr>
+          </p:nvSpPr>
+          <p:spPr bwMode="auto">
+            <a:xfrm>
+              <a:off x="6992938" y="1263650"/>
+              <a:ext cx="144463" cy="2508250"/>
+            </a:xfrm>
+            <a:custGeom>
+              <a:avLst/>
+              <a:gdLst/>
+              <a:ahLst/>
+              <a:cxnLst/>
+              <a:rect l="0" t="0" r="r" b="b"/>
+              <a:pathLst>
+                <a:path w="36" h="633">
+                  <a:moveTo>
+                    <a:pt x="17" y="633"/>
+                  </a:moveTo>
+                  <a:cubicBezTo>
+                    <a:pt x="15" y="621"/>
+                    <a:pt x="14" y="609"/>
+                    <a:pt x="13" y="597"/>
+                  </a:cubicBezTo>
+                  <a:cubicBezTo>
+                    <a:pt x="8" y="530"/>
+                    <a:pt x="5" y="464"/>
+                    <a:pt x="5" y="398"/>
+                  </a:cubicBezTo>
+                  <a:cubicBezTo>
+                    <a:pt x="5" y="331"/>
+                    <a:pt x="8" y="265"/>
+                    <a:pt x="13" y="198"/>
+                  </a:cubicBezTo>
+                  <a:cubicBezTo>
+                    <a:pt x="15" y="165"/>
+                    <a:pt x="18" y="132"/>
+                    <a:pt x="22" y="99"/>
+                  </a:cubicBezTo>
+                  <a:cubicBezTo>
+                    <a:pt x="26" y="66"/>
+                    <a:pt x="30" y="33"/>
+                    <a:pt x="36" y="0"/>
+                  </a:cubicBezTo>
+                  <a:cubicBezTo>
+                    <a:pt x="35" y="0"/>
+                    <a:pt x="35" y="0"/>
+                    <a:pt x="35" y="0"/>
+                  </a:cubicBezTo>
+                  <a:cubicBezTo>
+                    <a:pt x="29" y="33"/>
+                    <a:pt x="24" y="66"/>
+                    <a:pt x="20" y="99"/>
+                  </a:cubicBezTo>
+                  <a:cubicBezTo>
+                    <a:pt x="16" y="132"/>
+                    <a:pt x="13" y="165"/>
+                    <a:pt x="10" y="198"/>
+                  </a:cubicBezTo>
+                  <a:cubicBezTo>
+                    <a:pt x="4" y="264"/>
+                    <a:pt x="1" y="331"/>
+                    <a:pt x="1" y="398"/>
+                  </a:cubicBezTo>
+                  <a:cubicBezTo>
+                    <a:pt x="0" y="461"/>
+                    <a:pt x="2" y="525"/>
+                    <a:pt x="7" y="589"/>
+                  </a:cubicBezTo>
+                  <a:cubicBezTo>
+                    <a:pt x="10" y="603"/>
+                    <a:pt x="13" y="618"/>
+                    <a:pt x="16" y="632"/>
+                  </a:cubicBezTo>
+                  <a:cubicBezTo>
+                    <a:pt x="16" y="632"/>
+                    <a:pt x="17" y="633"/>
+                    <a:pt x="17" y="633"/>
+                  </a:cubicBezTo>
+                  <a:close/>
+                </a:path>
+              </a:pathLst>
+            </a:custGeom>
+            <a:grpFill/>
+            <a:ln>
+              <a:noFill/>
+            </a:ln>
+          </p:spPr>
+        </p:sp>
+        <p:sp>
+          <p:nvSpPr>
+            <p:cNvPr id="73" name="Freeform 32">
+              <a:extLst>
+                <a:ext uri="{FF2B5EF4-FFF2-40B4-BE49-F238E27FC236}">
+                  <a16:creationId xmlns:a16="http://schemas.microsoft.com/office/drawing/2014/main" id="{F878F330-AF64-4F8F-88FD-A4A408D6D368}"/>
+                </a:ext>
+                <a:ext uri="{C183D7F6-B498-43B3-948B-1728B52AA6E4}">
+                  <adec:decorative xmlns:adec="http://schemas.microsoft.com/office/drawing/2017/decorative" val="1"/>
+                </a:ext>
+              </a:extLst>
+            </p:cNvPr>
+            <p:cNvSpPr/>
+            <p:nvPr>
+              <p:extLst>
+                <p:ext uri="{386F3935-93C4-4BCD-93E2-E3B085C9AB24}">
+                  <p16:designElem xmlns:p16="http://schemas.microsoft.com/office/powerpoint/2015/main" val="1"/>
+                </p:ext>
+              </p:extLst>
+            </p:nvPr>
+          </p:nvSpPr>
+          <p:spPr bwMode="auto">
+            <a:xfrm>
+              <a:off x="7526338" y="5640388"/>
+              <a:ext cx="111125" cy="233363"/>
+            </a:xfrm>
+            <a:custGeom>
+              <a:avLst/>
+              <a:gdLst/>
+              <a:ahLst/>
+              <a:cxnLst/>
+              <a:rect l="0" t="0" r="r" b="b"/>
+              <a:pathLst>
+                <a:path w="28" h="59">
+                  <a:moveTo>
+                    <a:pt x="22" y="59"/>
+                  </a:moveTo>
+                  <a:cubicBezTo>
+                    <a:pt x="28" y="59"/>
+                    <a:pt x="28" y="59"/>
+                    <a:pt x="28" y="59"/>
+                  </a:cubicBezTo>
+                  <a:cubicBezTo>
+                    <a:pt x="18" y="40"/>
+                    <a:pt x="9" y="20"/>
+                    <a:pt x="0" y="0"/>
+                  </a:cubicBezTo>
+                  <a:cubicBezTo>
+                    <a:pt x="6" y="20"/>
+                    <a:pt x="13" y="40"/>
+                    <a:pt x="22" y="59"/>
+                  </a:cubicBezTo>
+                  <a:close/>
+                </a:path>
+              </a:pathLst>
+            </a:custGeom>
+            <a:grpFill/>
+            <a:ln>
+              <a:noFill/>
+            </a:ln>
+          </p:spPr>
+        </p:sp>
+        <p:sp>
+          <p:nvSpPr>
+            <p:cNvPr id="74" name="Freeform 33">
+              <a:extLst>
+                <a:ext uri="{FF2B5EF4-FFF2-40B4-BE49-F238E27FC236}">
+                  <a16:creationId xmlns:a16="http://schemas.microsoft.com/office/drawing/2014/main" id="{AC9B00BF-4FB7-42FA-BBBD-7DB54ED3F061}"/>
+                </a:ext>
+                <a:ext uri="{C183D7F6-B498-43B3-948B-1728B52AA6E4}">
+                  <adec:decorative xmlns:adec="http://schemas.microsoft.com/office/drawing/2017/decorative" val="1"/>
+                </a:ext>
+              </a:extLst>
+            </p:cNvPr>
+            <p:cNvSpPr/>
+            <p:nvPr>
+              <p:extLst>
+                <p:ext uri="{386F3935-93C4-4BCD-93E2-E3B085C9AB24}">
+                  <p16:designElem xmlns:p16="http://schemas.microsoft.com/office/powerpoint/2015/main" val="1"/>
+                </p:ext>
+              </p:extLst>
+            </p:nvPr>
+          </p:nvSpPr>
+          <p:spPr bwMode="auto">
+            <a:xfrm>
+              <a:off x="7021513" y="3598863"/>
+              <a:ext cx="68263" cy="423863"/>
+            </a:xfrm>
+            <a:custGeom>
+              <a:avLst/>
+              <a:gdLst/>
+              <a:ahLst/>
+              <a:cxnLst/>
+              <a:rect l="0" t="0" r="r" b="b"/>
+              <a:pathLst>
+                <a:path w="17" h="107">
+                  <a:moveTo>
+                    <a:pt x="4" y="54"/>
+                  </a:moveTo>
+                  <a:cubicBezTo>
+                    <a:pt x="8" y="72"/>
+                    <a:pt x="13" y="89"/>
+                    <a:pt x="17" y="107"/>
+                  </a:cubicBezTo>
+                  <a:cubicBezTo>
+                    <a:pt x="14" y="86"/>
+                    <a:pt x="12" y="65"/>
+                    <a:pt x="10" y="44"/>
+                  </a:cubicBezTo>
+                  <a:cubicBezTo>
+                    <a:pt x="10" y="44"/>
+                    <a:pt x="9" y="43"/>
+                    <a:pt x="9" y="43"/>
+                  </a:cubicBezTo>
+                  <a:cubicBezTo>
+                    <a:pt x="6" y="29"/>
+                    <a:pt x="3" y="14"/>
+                    <a:pt x="0" y="0"/>
+                  </a:cubicBezTo>
+                  <a:cubicBezTo>
+                    <a:pt x="0" y="2"/>
+                    <a:pt x="0" y="5"/>
+                    <a:pt x="0" y="8"/>
+                  </a:cubicBezTo>
+                  <a:cubicBezTo>
+                    <a:pt x="1" y="23"/>
+                    <a:pt x="3" y="39"/>
+                    <a:pt x="4" y="54"/>
+                  </a:cubicBezTo>
+                  <a:close/>
+                </a:path>
+              </a:pathLst>
+            </a:custGeom>
+            <a:grpFill/>
+            <a:ln>
+              <a:noFill/>
+            </a:ln>
+          </p:spPr>
+        </p:sp>
+        <p:sp>
+          <p:nvSpPr>
+            <p:cNvPr id="75" name="Freeform 34">
+              <a:extLst>
+                <a:ext uri="{FF2B5EF4-FFF2-40B4-BE49-F238E27FC236}">
+                  <a16:creationId xmlns:a16="http://schemas.microsoft.com/office/drawing/2014/main" id="{BD3D64CA-2AAD-4609-8DAA-3EAD4609A6B1}"/>
+                </a:ext>
+                <a:ext uri="{C183D7F6-B498-43B3-948B-1728B52AA6E4}">
+                  <adec:decorative xmlns:adec="http://schemas.microsoft.com/office/drawing/2017/decorative" val="1"/>
+                </a:ext>
+              </a:extLst>
+            </p:cNvPr>
+            <p:cNvSpPr/>
+            <p:nvPr>
+              <p:extLst>
+                <p:ext uri="{386F3935-93C4-4BCD-93E2-E3B085C9AB24}">
+                  <p16:designElem xmlns:p16="http://schemas.microsoft.com/office/powerpoint/2015/main" val="1"/>
+                </p:ext>
+              </p:extLst>
+            </p:nvPr>
+          </p:nvSpPr>
+          <p:spPr bwMode="auto">
+            <a:xfrm>
+              <a:off x="7412038" y="2801938"/>
+              <a:ext cx="1168400" cy="2251075"/>
+            </a:xfrm>
+            <a:custGeom>
+              <a:avLst/>
+              <a:gdLst/>
+              <a:ahLst/>
+              <a:cxnLst/>
+              <a:rect l="0" t="0" r="r" b="b"/>
+              <a:pathLst>
+                <a:path w="294" h="568">
+                  <a:moveTo>
+                    <a:pt x="8" y="553"/>
+                  </a:moveTo>
+                  <a:cubicBezTo>
+                    <a:pt x="9" y="501"/>
+                    <a:pt x="19" y="448"/>
+                    <a:pt x="35" y="397"/>
+                  </a:cubicBezTo>
+                  <a:cubicBezTo>
+                    <a:pt x="51" y="347"/>
+                    <a:pt x="73" y="298"/>
+                    <a:pt x="99" y="252"/>
+                  </a:cubicBezTo>
+                  <a:cubicBezTo>
+                    <a:pt x="124" y="205"/>
+                    <a:pt x="154" y="161"/>
+                    <a:pt x="187" y="119"/>
+                  </a:cubicBezTo>
+                  <a:cubicBezTo>
+                    <a:pt x="203" y="98"/>
+                    <a:pt x="220" y="77"/>
+                    <a:pt x="238" y="58"/>
+                  </a:cubicBezTo>
+                  <a:cubicBezTo>
+                    <a:pt x="247" y="48"/>
+                    <a:pt x="256" y="38"/>
+                    <a:pt x="265" y="28"/>
+                  </a:cubicBezTo>
+                  <a:cubicBezTo>
+                    <a:pt x="274" y="19"/>
+                    <a:pt x="284" y="9"/>
+                    <a:pt x="294" y="0"/>
+                  </a:cubicBezTo>
+                  <a:cubicBezTo>
+                    <a:pt x="293" y="0"/>
+                    <a:pt x="293" y="0"/>
+                    <a:pt x="293" y="0"/>
+                  </a:cubicBezTo>
+                  <a:cubicBezTo>
+                    <a:pt x="283" y="9"/>
+                    <a:pt x="273" y="18"/>
+                    <a:pt x="264" y="27"/>
+                  </a:cubicBezTo>
+                  <a:cubicBezTo>
+                    <a:pt x="255" y="37"/>
+                    <a:pt x="246" y="47"/>
+                    <a:pt x="237" y="56"/>
+                  </a:cubicBezTo>
+                  <a:cubicBezTo>
+                    <a:pt x="218" y="76"/>
+                    <a:pt x="201" y="96"/>
+                    <a:pt x="185" y="117"/>
+                  </a:cubicBezTo>
+                  <a:cubicBezTo>
+                    <a:pt x="151" y="159"/>
+                    <a:pt x="121" y="203"/>
+                    <a:pt x="95" y="249"/>
+                  </a:cubicBezTo>
+                  <a:cubicBezTo>
+                    <a:pt x="68" y="296"/>
+                    <a:pt x="46" y="345"/>
+                    <a:pt x="30" y="396"/>
+                  </a:cubicBezTo>
+                  <a:cubicBezTo>
+                    <a:pt x="13" y="445"/>
+                    <a:pt x="3" y="497"/>
+                    <a:pt x="0" y="549"/>
+                  </a:cubicBezTo>
+                  <a:cubicBezTo>
+                    <a:pt x="3" y="555"/>
+                    <a:pt x="5" y="561"/>
+                    <a:pt x="7" y="568"/>
+                  </a:cubicBezTo>
+                  <a:cubicBezTo>
+                    <a:pt x="7" y="563"/>
+                    <a:pt x="7" y="558"/>
+                    <a:pt x="8" y="553"/>
+                  </a:cubicBezTo>
+                  <a:close/>
+                </a:path>
+              </a:pathLst>
+            </a:custGeom>
+            <a:grpFill/>
+            <a:ln>
+              <a:noFill/>
+            </a:ln>
+          </p:spPr>
+        </p:sp>
+        <p:sp>
+          <p:nvSpPr>
+            <p:cNvPr id="76" name="Freeform 35">
+              <a:extLst>
+                <a:ext uri="{FF2B5EF4-FFF2-40B4-BE49-F238E27FC236}">
+                  <a16:creationId xmlns:a16="http://schemas.microsoft.com/office/drawing/2014/main" id="{C669E05A-8550-4E91-B29E-E1912228EC93}"/>
+                </a:ext>
+                <a:ext uri="{C183D7F6-B498-43B3-948B-1728B52AA6E4}">
+                  <adec:decorative xmlns:adec="http://schemas.microsoft.com/office/drawing/2017/decorative" val="1"/>
+                </a:ext>
+              </a:extLst>
+            </p:cNvPr>
+            <p:cNvSpPr/>
+            <p:nvPr>
+              <p:extLst>
+                <p:ext uri="{386F3935-93C4-4BCD-93E2-E3B085C9AB24}">
+                  <p16:designElem xmlns:p16="http://schemas.microsoft.com/office/powerpoint/2015/main" val="1"/>
+                </p:ext>
+              </p:extLst>
+            </p:nvPr>
+          </p:nvSpPr>
+          <p:spPr bwMode="auto">
+            <a:xfrm>
+              <a:off x="7494588" y="5664200"/>
+              <a:ext cx="100013" cy="209550"/>
+            </a:xfrm>
+            <a:custGeom>
+              <a:avLst/>
+              <a:gdLst/>
+              <a:ahLst/>
+              <a:cxnLst/>
+              <a:rect l="0" t="0" r="r" b="b"/>
+              <a:pathLst>
+                <a:path w="25" h="53">
+                  <a:moveTo>
+                    <a:pt x="0" y="0"/>
+                  </a:moveTo>
+                  <a:cubicBezTo>
+                    <a:pt x="5" y="18"/>
+                    <a:pt x="12" y="36"/>
+                    <a:pt x="19" y="53"/>
+                  </a:cubicBezTo>
+                  <a:cubicBezTo>
+                    <a:pt x="25" y="53"/>
+                    <a:pt x="25" y="53"/>
+                    <a:pt x="25" y="53"/>
+                  </a:cubicBezTo>
+                  <a:cubicBezTo>
+                    <a:pt x="16" y="36"/>
+                    <a:pt x="8" y="18"/>
+                    <a:pt x="0" y="0"/>
+                  </a:cubicBezTo>
+                  <a:close/>
+                </a:path>
+              </a:pathLst>
+            </a:custGeom>
+            <a:grpFill/>
+            <a:ln>
+              <a:noFill/>
+            </a:ln>
+          </p:spPr>
+        </p:sp>
+        <p:sp>
+          <p:nvSpPr>
+            <p:cNvPr id="77" name="Freeform 36">
+              <a:extLst>
+                <a:ext uri="{FF2B5EF4-FFF2-40B4-BE49-F238E27FC236}">
+                  <a16:creationId xmlns:a16="http://schemas.microsoft.com/office/drawing/2014/main" id="{F8C1FD53-1E8F-46CA-BC2D-FCEC4DAE07F6}"/>
+                </a:ext>
+                <a:ext uri="{C183D7F6-B498-43B3-948B-1728B52AA6E4}">
+                  <adec:decorative xmlns:adec="http://schemas.microsoft.com/office/drawing/2017/decorative" val="1"/>
+                </a:ext>
+              </a:extLst>
+            </p:cNvPr>
+            <p:cNvSpPr/>
+            <p:nvPr>
+              <p:extLst>
+                <p:ext uri="{386F3935-93C4-4BCD-93E2-E3B085C9AB24}">
+                  <p16:designElem xmlns:p16="http://schemas.microsoft.com/office/powerpoint/2015/main" val="1"/>
+                </p:ext>
+              </p:extLst>
+            </p:nvPr>
+          </p:nvSpPr>
+          <p:spPr bwMode="auto">
+            <a:xfrm>
+              <a:off x="7412038" y="5081588"/>
+              <a:ext cx="114300" cy="558800"/>
+            </a:xfrm>
+            <a:custGeom>
+              <a:avLst/>
+              <a:gdLst/>
+              <a:ahLst/>
+              <a:cxnLst/>
+              <a:rect l="0" t="0" r="r" b="b"/>
+              <a:pathLst>
+                <a:path w="29" h="141">
+                  <a:moveTo>
+                    <a:pt x="0" y="0"/>
+                  </a:moveTo>
+                  <a:cubicBezTo>
+                    <a:pt x="0" y="30"/>
+                    <a:pt x="2" y="60"/>
+                    <a:pt x="7" y="89"/>
+                  </a:cubicBezTo>
+                  <a:cubicBezTo>
+                    <a:pt x="11" y="98"/>
+                    <a:pt x="14" y="108"/>
+                    <a:pt x="18" y="117"/>
+                  </a:cubicBezTo>
+                  <a:cubicBezTo>
+                    <a:pt x="22" y="125"/>
+                    <a:pt x="25" y="133"/>
+                    <a:pt x="29" y="141"/>
+                  </a:cubicBezTo>
+                  <a:cubicBezTo>
+                    <a:pt x="28" y="139"/>
+                    <a:pt x="28" y="137"/>
+                    <a:pt x="27" y="135"/>
+                  </a:cubicBezTo>
+                  <a:cubicBezTo>
+                    <a:pt x="16" y="98"/>
+                    <a:pt x="10" y="60"/>
+                    <a:pt x="8" y="22"/>
+                  </a:cubicBezTo>
+                  <a:cubicBezTo>
+                    <a:pt x="7" y="18"/>
+                    <a:pt x="5" y="15"/>
+                    <a:pt x="4" y="11"/>
+                  </a:cubicBezTo>
+                  <a:cubicBezTo>
+                    <a:pt x="2" y="7"/>
+                    <a:pt x="1" y="3"/>
+                    <a:pt x="0" y="0"/>
+                  </a:cubicBezTo>
+                  <a:close/>
+                </a:path>
+              </a:pathLst>
+            </a:custGeom>
+            <a:grpFill/>
+            <a:ln>
+              <a:noFill/>
+            </a:ln>
+          </p:spPr>
+        </p:sp>
+        <p:sp>
+          <p:nvSpPr>
+            <p:cNvPr id="78" name="Freeform 37">
+              <a:extLst>
+                <a:ext uri="{FF2B5EF4-FFF2-40B4-BE49-F238E27FC236}">
+                  <a16:creationId xmlns:a16="http://schemas.microsoft.com/office/drawing/2014/main" id="{CC97A31F-CFDE-4EA3-98F1-13FDD16702E1}"/>
+                </a:ext>
+                <a:ext uri="{C183D7F6-B498-43B3-948B-1728B52AA6E4}">
+                  <adec:decorative xmlns:adec="http://schemas.microsoft.com/office/drawing/2017/decorative" val="1"/>
+                </a:ext>
+              </a:extLst>
+            </p:cNvPr>
+            <p:cNvSpPr/>
+            <p:nvPr>
+              <p:extLst>
+                <p:ext uri="{386F3935-93C4-4BCD-93E2-E3B085C9AB24}">
+                  <p16:designElem xmlns:p16="http://schemas.microsoft.com/office/powerpoint/2015/main" val="1"/>
+                </p:ext>
+              </p:extLst>
+            </p:nvPr>
+          </p:nvSpPr>
+          <p:spPr bwMode="auto">
+            <a:xfrm>
+              <a:off x="7412038" y="4978400"/>
+              <a:ext cx="31750" cy="188913"/>
+            </a:xfrm>
+            <a:custGeom>
+              <a:avLst/>
+              <a:gdLst/>
+              <a:ahLst/>
+              <a:cxnLst/>
+              <a:rect l="0" t="0" r="r" b="b"/>
+              <a:pathLst>
+                <a:path w="8" h="48">
+                  <a:moveTo>
+                    <a:pt x="0" y="26"/>
+                  </a:moveTo>
+                  <a:cubicBezTo>
+                    <a:pt x="1" y="29"/>
+                    <a:pt x="2" y="33"/>
+                    <a:pt x="4" y="37"/>
+                  </a:cubicBezTo>
+                  <a:cubicBezTo>
+                    <a:pt x="5" y="41"/>
+                    <a:pt x="7" y="44"/>
+                    <a:pt x="8" y="48"/>
+                  </a:cubicBezTo>
+                  <a:cubicBezTo>
+                    <a:pt x="7" y="38"/>
+                    <a:pt x="7" y="28"/>
+                    <a:pt x="7" y="19"/>
+                  </a:cubicBezTo>
+                  <a:cubicBezTo>
+                    <a:pt x="5" y="12"/>
+                    <a:pt x="3" y="6"/>
+                    <a:pt x="0" y="0"/>
+                  </a:cubicBezTo>
+                  <a:cubicBezTo>
+                    <a:pt x="0" y="1"/>
+                    <a:pt x="0" y="3"/>
+                    <a:pt x="0" y="4"/>
+                  </a:cubicBezTo>
+                  <a:cubicBezTo>
+                    <a:pt x="0" y="11"/>
+                    <a:pt x="0" y="19"/>
+                    <a:pt x="0" y="26"/>
+                  </a:cubicBezTo>
+                  <a:close/>
+                </a:path>
+              </a:pathLst>
+            </a:custGeom>
+            <a:grpFill/>
+            <a:ln>
+              <a:noFill/>
+            </a:ln>
+          </p:spPr>
+        </p:sp>
+        <p:sp>
+          <p:nvSpPr>
+            <p:cNvPr id="79" name="Freeform 38">
+              <a:extLst>
+                <a:ext uri="{FF2B5EF4-FFF2-40B4-BE49-F238E27FC236}">
+                  <a16:creationId xmlns:a16="http://schemas.microsoft.com/office/drawing/2014/main" id="{9E1540E7-E6C3-4907-B70A-B17568365597}"/>
+                </a:ext>
+                <a:ext uri="{C183D7F6-B498-43B3-948B-1728B52AA6E4}">
+                  <adec:decorative xmlns:adec="http://schemas.microsoft.com/office/drawing/2017/decorative" val="1"/>
+                </a:ext>
+              </a:extLst>
+            </p:cNvPr>
+            <p:cNvSpPr/>
+            <p:nvPr>
+              <p:extLst>
+                <p:ext uri="{386F3935-93C4-4BCD-93E2-E3B085C9AB24}">
+                  <p16:designElem xmlns:p16="http://schemas.microsoft.com/office/powerpoint/2015/main" val="1"/>
+                </p:ext>
+              </p:extLst>
+            </p:nvPr>
+          </p:nvSpPr>
+          <p:spPr bwMode="auto">
+            <a:xfrm>
+              <a:off x="7439026" y="5434013"/>
+              <a:ext cx="174625" cy="439738"/>
+            </a:xfrm>
+            <a:custGeom>
+              <a:avLst/>
+              <a:gdLst/>
+              <a:ahLst/>
+              <a:cxnLst/>
+              <a:rect l="0" t="0" r="r" b="b"/>
+              <a:pathLst>
+                <a:path w="44" h="111">
+                  <a:moveTo>
+                    <a:pt x="11" y="28"/>
+                  </a:moveTo>
+                  <a:cubicBezTo>
+                    <a:pt x="7" y="19"/>
+                    <a:pt x="4" y="9"/>
+                    <a:pt x="0" y="0"/>
+                  </a:cubicBezTo>
+                  <a:cubicBezTo>
+                    <a:pt x="3" y="16"/>
+                    <a:pt x="7" y="33"/>
+                    <a:pt x="11" y="49"/>
+                  </a:cubicBezTo>
+                  <a:cubicBezTo>
+                    <a:pt x="12" y="52"/>
+                    <a:pt x="13" y="55"/>
+                    <a:pt x="14" y="58"/>
+                  </a:cubicBezTo>
+                  <a:cubicBezTo>
+                    <a:pt x="22" y="76"/>
+                    <a:pt x="30" y="94"/>
+                    <a:pt x="39" y="111"/>
+                  </a:cubicBezTo>
+                  <a:cubicBezTo>
+                    <a:pt x="44" y="111"/>
+                    <a:pt x="44" y="111"/>
+                    <a:pt x="44" y="111"/>
+                  </a:cubicBezTo>
+                  <a:cubicBezTo>
+                    <a:pt x="35" y="92"/>
+                    <a:pt x="28" y="72"/>
+                    <a:pt x="22" y="52"/>
+                  </a:cubicBezTo>
+                  <a:cubicBezTo>
+                    <a:pt x="18" y="44"/>
+                    <a:pt x="15" y="36"/>
+                    <a:pt x="11" y="28"/>
+                  </a:cubicBezTo>
+                  <a:close/>
+                </a:path>
+              </a:pathLst>
+            </a:custGeom>
+            <a:grpFill/>
+            <a:ln>
+              <a:noFill/>
+            </a:ln>
+          </p:spPr>
+        </p:sp>
+      </p:grpSp>
+      <p:sp>
+        <p:nvSpPr>
+          <p:cNvPr id="81" name="Freeform 11">
+            <a:extLst>
+              <a:ext uri="{FF2B5EF4-FFF2-40B4-BE49-F238E27FC236}">
+                <a16:creationId xmlns:a16="http://schemas.microsoft.com/office/drawing/2014/main" id="{1310EFE2-B91D-47E7-B117-C2A802800A7C}"/>
+              </a:ext>
+              <a:ext uri="{C183D7F6-B498-43B3-948B-1728B52AA6E4}">
+                <adec:decorative xmlns:adec="http://schemas.microsoft.com/office/drawing/2017/decorative" val="1"/>
+              </a:ext>
+            </a:extLst>
+          </p:cNvPr>
+          <p:cNvSpPr>
+            <a:spLocks noGrp="1" noRot="1" noChangeAspect="1" noMove="1" noResize="1" noEditPoints="1" noAdjustHandles="1" noChangeArrowheads="1" noChangeShapeType="1" noTextEdit="1"/>
+          </p:cNvSpPr>
+          <p:nvPr>
+            <p:extLst>
+              <p:ext uri="{386F3935-93C4-4BCD-93E2-E3B085C9AB24}">
+                <p16:designElem xmlns:p16="http://schemas.microsoft.com/office/powerpoint/2015/main" val="1"/>
+              </p:ext>
+            </p:extLst>
+          </p:nvPr>
+        </p:nvSpPr>
+        <p:spPr bwMode="auto">
+          <a:xfrm flipV="1">
+            <a:off x="-159" y="3411452"/>
+            <a:ext cx="1098194" cy="514066"/>
+          </a:xfrm>
+          <a:custGeom>
+            <a:avLst/>
+            <a:gdLst>
+              <a:gd name="connsiteX0" fmla="*/ 10000 w 10044"/>
+              <a:gd name="connsiteY0" fmla="*/ 4701 h 9966"/>
+              <a:gd name="connsiteX1" fmla="*/ 8559 w 10044"/>
+              <a:gd name="connsiteY1" fmla="*/ 188 h 9966"/>
+              <a:gd name="connsiteX2" fmla="*/ 8527 w 10044"/>
+              <a:gd name="connsiteY2" fmla="*/ 94 h 9966"/>
+              <a:gd name="connsiteX3" fmla="*/ 8438 w 10044"/>
+              <a:gd name="connsiteY3" fmla="*/ 0 h 9966"/>
+              <a:gd name="connsiteX4" fmla="*/ 7867 w 10044"/>
+              <a:gd name="connsiteY4" fmla="*/ 0 h 9966"/>
+              <a:gd name="connsiteX5" fmla="*/ 0 w 10044"/>
+              <a:gd name="connsiteY5" fmla="*/ 70 h 9966"/>
+              <a:gd name="connsiteX6" fmla="*/ 3132 w 10044"/>
+              <a:gd name="connsiteY6" fmla="*/ 9763 h 9966"/>
+              <a:gd name="connsiteX7" fmla="*/ 7867 w 10044"/>
+              <a:gd name="connsiteY7" fmla="*/ 9966 h 9966"/>
+              <a:gd name="connsiteX8" fmla="*/ 8438 w 10044"/>
+              <a:gd name="connsiteY8" fmla="*/ 9966 h 9966"/>
+              <a:gd name="connsiteX9" fmla="*/ 8527 w 10044"/>
+              <a:gd name="connsiteY9" fmla="*/ 9872 h 9966"/>
+              <a:gd name="connsiteX10" fmla="*/ 8559 w 10044"/>
+              <a:gd name="connsiteY10" fmla="*/ 9778 h 9966"/>
+              <a:gd name="connsiteX11" fmla="*/ 10000 w 10044"/>
+              <a:gd name="connsiteY11" fmla="*/ 5265 h 9966"/>
+              <a:gd name="connsiteX12" fmla="*/ 10000 w 10044"/>
+              <a:gd name="connsiteY12" fmla="*/ 4701 h 9966"/>
+              <a:gd name="connsiteX0" fmla="*/ 6839 w 6883"/>
+              <a:gd name="connsiteY0" fmla="*/ 4885 h 10168"/>
+              <a:gd name="connsiteX1" fmla="*/ 5405 w 6883"/>
+              <a:gd name="connsiteY1" fmla="*/ 357 h 10168"/>
+              <a:gd name="connsiteX2" fmla="*/ 5373 w 6883"/>
+              <a:gd name="connsiteY2" fmla="*/ 262 h 10168"/>
+              <a:gd name="connsiteX3" fmla="*/ 5284 w 6883"/>
+              <a:gd name="connsiteY3" fmla="*/ 168 h 10168"/>
+              <a:gd name="connsiteX4" fmla="*/ 4716 w 6883"/>
+              <a:gd name="connsiteY4" fmla="*/ 168 h 10168"/>
+              <a:gd name="connsiteX5" fmla="*/ 50 w 6883"/>
+              <a:gd name="connsiteY5" fmla="*/ 0 h 10168"/>
+              <a:gd name="connsiteX6" fmla="*/ 1 w 6883"/>
+              <a:gd name="connsiteY6" fmla="*/ 9964 h 10168"/>
+              <a:gd name="connsiteX7" fmla="*/ 4716 w 6883"/>
+              <a:gd name="connsiteY7" fmla="*/ 10168 h 10168"/>
+              <a:gd name="connsiteX8" fmla="*/ 5284 w 6883"/>
+              <a:gd name="connsiteY8" fmla="*/ 10168 h 10168"/>
+              <a:gd name="connsiteX9" fmla="*/ 5373 w 6883"/>
+              <a:gd name="connsiteY9" fmla="*/ 10074 h 10168"/>
+              <a:gd name="connsiteX10" fmla="*/ 5405 w 6883"/>
+              <a:gd name="connsiteY10" fmla="*/ 9979 h 10168"/>
+              <a:gd name="connsiteX11" fmla="*/ 6839 w 6883"/>
+              <a:gd name="connsiteY11" fmla="*/ 5451 h 10168"/>
+              <a:gd name="connsiteX12" fmla="*/ 6839 w 6883"/>
+              <a:gd name="connsiteY12" fmla="*/ 4885 h 10168"/>
+            </a:gdLst>
+            <a:ahLst/>
+            <a:cxnLst>
+              <a:cxn ang="0">
+                <a:pos x="connsiteX0" y="connsiteY0"/>
+              </a:cxn>
+              <a:cxn ang="0">
+                <a:pos x="connsiteX1" y="connsiteY1"/>
+              </a:cxn>
+              <a:cxn ang="0">
+                <a:pos x="connsiteX2" y="connsiteY2"/>
+              </a:cxn>
+              <a:cxn ang="0">
+                <a:pos x="connsiteX3" y="connsiteY3"/>
+              </a:cxn>
+              <a:cxn ang="0">
+                <a:pos x="connsiteX4" y="connsiteY4"/>
+              </a:cxn>
+              <a:cxn ang="0">
+                <a:pos x="connsiteX5" y="connsiteY5"/>
+              </a:cxn>
+              <a:cxn ang="0">
+                <a:pos x="connsiteX6" y="connsiteY6"/>
+              </a:cxn>
+              <a:cxn ang="0">
+                <a:pos x="connsiteX7" y="connsiteY7"/>
+              </a:cxn>
+              <a:cxn ang="0">
+                <a:pos x="connsiteX8" y="connsiteY8"/>
+              </a:cxn>
+              <a:cxn ang="0">
+                <a:pos x="connsiteX9" y="connsiteY9"/>
+              </a:cxn>
+              <a:cxn ang="0">
+                <a:pos x="connsiteX10" y="connsiteY10"/>
+              </a:cxn>
+              <a:cxn ang="0">
+                <a:pos x="connsiteX11" y="connsiteY11"/>
+              </a:cxn>
+              <a:cxn ang="0">
+                <a:pos x="connsiteX12" y="connsiteY12"/>
+              </a:cxn>
+            </a:cxnLst>
+            <a:rect l="l" t="t" r="r" b="b"/>
+            <a:pathLst>
+              <a:path w="6883" h="10168">
+                <a:moveTo>
+                  <a:pt x="6839" y="4885"/>
+                </a:moveTo>
+                <a:lnTo>
+                  <a:pt x="5405" y="357"/>
+                </a:lnTo>
+                <a:cubicBezTo>
+                  <a:pt x="5395" y="325"/>
+                  <a:pt x="5383" y="294"/>
+                  <a:pt x="5373" y="262"/>
+                </a:cubicBezTo>
+                <a:cubicBezTo>
+                  <a:pt x="5344" y="168"/>
+                  <a:pt x="5314" y="168"/>
+                  <a:pt x="5284" y="168"/>
+                </a:cubicBezTo>
+                <a:lnTo>
+                  <a:pt x="4716" y="168"/>
+                </a:lnTo>
+                <a:lnTo>
+                  <a:pt x="50" y="0"/>
+                </a:lnTo>
+                <a:cubicBezTo>
+                  <a:pt x="59" y="3322"/>
+                  <a:pt x="-8" y="6643"/>
+                  <a:pt x="1" y="9964"/>
+                </a:cubicBezTo>
+                <a:lnTo>
+                  <a:pt x="4716" y="10168"/>
+                </a:lnTo>
+                <a:lnTo>
+                  <a:pt x="5284" y="10168"/>
+                </a:lnTo>
+                <a:cubicBezTo>
+                  <a:pt x="5314" y="10168"/>
+                  <a:pt x="5344" y="10074"/>
+                  <a:pt x="5373" y="10074"/>
+                </a:cubicBezTo>
+                <a:cubicBezTo>
+                  <a:pt x="5373" y="9979"/>
+                  <a:pt x="5405" y="9979"/>
+                  <a:pt x="5405" y="9979"/>
+                </a:cubicBezTo>
+                <a:lnTo>
+                  <a:pt x="6839" y="5451"/>
+                </a:lnTo>
+                <a:cubicBezTo>
+                  <a:pt x="6898" y="5262"/>
+                  <a:pt x="6898" y="5074"/>
+                  <a:pt x="6839" y="4885"/>
+                </a:cubicBezTo>
+                <a:close/>
+              </a:path>
+            </a:pathLst>
+          </a:custGeom>
+          <a:solidFill>
+            <a:schemeClr val="accent1"/>
+          </a:solidFill>
+          <a:ln>
+            <a:noFill/>
+          </a:ln>
+        </p:spPr>
+      </p:sp>
+    </p:spTree>
+    <p:extLst>
+      <p:ext uri="{BB962C8B-B14F-4D97-AF65-F5344CB8AC3E}">
+        <p14:creationId xmlns:p14="http://schemas.microsoft.com/office/powerpoint/2010/main" val="2433014764"/>
+      </p:ext>
+    </p:extLst>
+  </p:cSld>
+  <p:clrMapOvr>
+    <a:masterClrMapping/>
+  </p:clrMapOvr>
+  <mc:AlternateContent xmlns:mc="http://schemas.openxmlformats.org/markup-compatibility/2006" xmlns:p159="http://schemas.microsoft.com/office/powerpoint/2015/09/main">
+    <mc:Choice Requires="p159">
+      <p:transition xmlns:p14="http://schemas.microsoft.com/office/powerpoint/2010/main" spd="slow" p14:dur="2000">
+        <p159:morph option="byObject"/>
+      </p:transition>
+    </mc:Choice>
+    <mc:Fallback xmlns="">
+      <p:transition spd="slow">
+        <p:fade/>
+      </p:transition>
+    </mc:Fallback>
+  </mc:AlternateContent>
+  <p:timing>
+    <p:tnLst>
+      <p:par>
+        <p:cTn id="1" dur="indefinite" restart="never" nodeType="tmRoot">
+          <p:childTnLst>
+            <p:seq concurrent="1" nextAc="seek">
+              <p:cTn id="2" dur="indefinite" nodeType="mainSeq">
+                <p:childTnLst>
+                  <p:par>
+                    <p:cTn id="3" fill="hold">
+                      <p:stCondLst>
+                        <p:cond delay="indefinite"/>
+                        <p:cond evt="onBegin" delay="0">
+                          <p:tn val="2"/>
+                        </p:cond>
+                      </p:stCondLst>
+                      <p:childTnLst>
+                        <p:par>
+                          <p:cTn id="4" fill="hold">
+                            <p:stCondLst>
+                              <p:cond delay="0"/>
+                            </p:stCondLst>
+                            <p:childTnLst>
+                              <p:par>
+                                <p:cTn id="5" presetID="10" presetClass="entr" presetSubtype="0" fill="hold" grpId="0" nodeType="withEffect">
+                                  <p:stCondLst>
+                                    <p:cond delay="500"/>
+                                  </p:stCondLst>
+                                  <p:iterate type="lt">
+                                    <p:tmPct val="10000"/>
+                                  </p:iterate>
+                                  <p:childTnLst>
+                                    <p:set>
+                                      <p:cBhvr>
+                                        <p:cTn id="6" dur="1" fill="hold">
+                                          <p:stCondLst>
+                                            <p:cond delay="0"/>
+                                          </p:stCondLst>
+                                        </p:cTn>
+                                        <p:tgtEl>
+                                          <p:spTgt spid="7"/>
+                                        </p:tgtEl>
+                                        <p:attrNameLst>
+                                          <p:attrName>style.visibility</p:attrName>
+                                        </p:attrNameLst>
+                                      </p:cBhvr>
+                                      <p:to>
+                                        <p:strVal val="visible"/>
+                                      </p:to>
+                                    </p:set>
+                                    <p:animEffect transition="in" filter="fade">
+                                      <p:cBhvr>
+                                        <p:cTn id="7" dur="400"/>
+                                        <p:tgtEl>
+                                          <p:spTgt spid="7"/>
+                                        </p:tgtEl>
+                                      </p:cBhvr>
+                                    </p:animEffect>
+                                  </p:childTnLst>
+                                </p:cTn>
+                              </p:par>
+                            </p:childTnLst>
+                          </p:cTn>
+                        </p:par>
+                      </p:childTnLst>
+                    </p:cTn>
+                  </p:par>
+                </p:childTnLst>
+              </p:cTn>
+              <p:prevCondLst>
+                <p:cond evt="onPrev" delay="0">
+                  <p:tgtEl>
+                    <p:sldTgt/>
+                  </p:tgtEl>
+                </p:cond>
+              </p:prevCondLst>
+              <p:nextCondLst>
+                <p:cond evt="onNext" delay="0">
+                  <p:tgtEl>
+                    <p:sldTgt/>
+                  </p:tgtEl>
+                </p:cond>
+              </p:nextCondLst>
+            </p:seq>
+          </p:childTnLst>
+        </p:cTn>
+      </p:par>
+    </p:tnLst>
+    <p:bldLst>
+      <p:bldP spid="7" grpId="0"/>
+    </p:bldLst>
+  </p:timing>
 </p:sld>
 </file>
 
@@ -24103,7 +27685,7 @@
             </a:pPr>
             <a:r>
               <a:rPr lang="el-GR" sz="2000" dirty="0"/>
-              <a:t>Ταχύτερα αποτελέσματα</a:t>
+              <a:t>Εύρεση βέλτιστου προγράμματος αγώνων</a:t>
             </a:r>
           </a:p>
           <a:p>
@@ -24112,8 +27694,14 @@
             </a:pPr>
             <a:r>
               <a:rPr lang="el-GR" sz="2000" dirty="0"/>
-              <a:t>Εύρεση βέλτιστου προγράμματος αγώνων</a:t>
+              <a:t>Ταχύτερα αποτελέσματα</a:t>
             </a:r>
+          </a:p>
+          <a:p>
+            <a:pPr>
+              <a:buClrTx/>
+            </a:pPr>
+            <a:endParaRPr lang="el-GR" sz="2000" dirty="0"/>
           </a:p>
         </p:txBody>
       </p:sp>

--- a/Presentation.pptx
+++ b/Presentation.pptx
@@ -219,7 +219,7 @@
           <a:p>
             <a:fld id="{8DC2A06E-71C4-43BA-ACEA-0EF960EE58DA}" type="datetimeFigureOut">
               <a:rPr lang="el-GR" smtClean="0"/>
-              <a:t>16/8/2023</a:t>
+              <a:t>17/8/2023</a:t>
             </a:fld>
             <a:endParaRPr lang="el-GR"/>
           </a:p>
@@ -1046,7 +1046,7 @@
           <a:p>
             <a:fld id="{B5E30DA5-A468-49AC-9645-F35AB9DAB0C5}" type="datetimeFigureOut">
               <a:rPr lang="el-GR" smtClean="0"/>
-              <a:t>16/8/2023</a:t>
+              <a:t>17/8/2023</a:t>
             </a:fld>
             <a:endParaRPr lang="el-GR"/>
           </a:p>
@@ -1396,7 +1396,7 @@
           <a:p>
             <a:fld id="{B5E30DA5-A468-49AC-9645-F35AB9DAB0C5}" type="datetimeFigureOut">
               <a:rPr lang="el-GR" smtClean="0"/>
-              <a:t>16/8/2023</a:t>
+              <a:t>17/8/2023</a:t>
             </a:fld>
             <a:endParaRPr lang="el-GR"/>
           </a:p>
@@ -1809,7 +1809,7 @@
           <a:p>
             <a:fld id="{B5E30DA5-A468-49AC-9645-F35AB9DAB0C5}" type="datetimeFigureOut">
               <a:rPr lang="el-GR" smtClean="0"/>
-              <a:t>16/8/2023</a:t>
+              <a:t>17/8/2023</a:t>
             </a:fld>
             <a:endParaRPr lang="el-GR"/>
           </a:p>
@@ -2157,7 +2157,7 @@
           <a:p>
             <a:fld id="{B5E30DA5-A468-49AC-9645-F35AB9DAB0C5}" type="datetimeFigureOut">
               <a:rPr lang="el-GR" smtClean="0"/>
-              <a:t>16/8/2023</a:t>
+              <a:t>17/8/2023</a:t>
             </a:fld>
             <a:endParaRPr lang="el-GR"/>
           </a:p>
@@ -2489,7 +2489,7 @@
           <a:p>
             <a:fld id="{B5E30DA5-A468-49AC-9645-F35AB9DAB0C5}" type="datetimeFigureOut">
               <a:rPr lang="el-GR" smtClean="0"/>
-              <a:t>16/8/2023</a:t>
+              <a:t>17/8/2023</a:t>
             </a:fld>
             <a:endParaRPr lang="el-GR"/>
           </a:p>
@@ -2897,7 +2897,7 @@
           <a:p>
             <a:fld id="{B5E30DA5-A468-49AC-9645-F35AB9DAB0C5}" type="datetimeFigureOut">
               <a:rPr lang="el-GR" smtClean="0"/>
-              <a:t>16/8/2023</a:t>
+              <a:t>17/8/2023</a:t>
             </a:fld>
             <a:endParaRPr lang="el-GR"/>
           </a:p>
@@ -3166,7 +3166,7 @@
           <a:p>
             <a:fld id="{B5E30DA5-A468-49AC-9645-F35AB9DAB0C5}" type="datetimeFigureOut">
               <a:rPr lang="el-GR" smtClean="0"/>
-              <a:t>16/8/2023</a:t>
+              <a:t>17/8/2023</a:t>
             </a:fld>
             <a:endParaRPr lang="el-GR"/>
           </a:p>
@@ -3440,7 +3440,7 @@
           <a:p>
             <a:fld id="{B5E30DA5-A468-49AC-9645-F35AB9DAB0C5}" type="datetimeFigureOut">
               <a:rPr lang="el-GR" smtClean="0"/>
-              <a:t>16/8/2023</a:t>
+              <a:t>17/8/2023</a:t>
             </a:fld>
             <a:endParaRPr lang="el-GR"/>
           </a:p>
@@ -3714,7 +3714,7 @@
           <a:p>
             <a:fld id="{B5E30DA5-A468-49AC-9645-F35AB9DAB0C5}" type="datetimeFigureOut">
               <a:rPr lang="el-GR" smtClean="0"/>
-              <a:t>16/8/2023</a:t>
+              <a:t>17/8/2023</a:t>
             </a:fld>
             <a:endParaRPr lang="el-GR"/>
           </a:p>
@@ -4055,7 +4055,7 @@
           <a:p>
             <a:fld id="{B5E30DA5-A468-49AC-9645-F35AB9DAB0C5}" type="datetimeFigureOut">
               <a:rPr lang="el-GR" smtClean="0"/>
-              <a:t>16/8/2023</a:t>
+              <a:t>17/8/2023</a:t>
             </a:fld>
             <a:endParaRPr lang="el-GR"/>
           </a:p>
@@ -4390,7 +4390,7 @@
           <a:p>
             <a:fld id="{B5E30DA5-A468-49AC-9645-F35AB9DAB0C5}" type="datetimeFigureOut">
               <a:rPr lang="el-GR" smtClean="0"/>
-              <a:t>16/8/2023</a:t>
+              <a:t>17/8/2023</a:t>
             </a:fld>
             <a:endParaRPr lang="el-GR"/>
           </a:p>
@@ -4859,7 +4859,7 @@
           <a:p>
             <a:fld id="{B5E30DA5-A468-49AC-9645-F35AB9DAB0C5}" type="datetimeFigureOut">
               <a:rPr lang="el-GR" smtClean="0"/>
-              <a:t>16/8/2023</a:t>
+              <a:t>17/8/2023</a:t>
             </a:fld>
             <a:endParaRPr lang="el-GR"/>
           </a:p>
@@ -5076,7 +5076,7 @@
           <a:p>
             <a:fld id="{B5E30DA5-A468-49AC-9645-F35AB9DAB0C5}" type="datetimeFigureOut">
               <a:rPr lang="el-GR" smtClean="0"/>
-              <a:t>16/8/2023</a:t>
+              <a:t>17/8/2023</a:t>
             </a:fld>
             <a:endParaRPr lang="el-GR"/>
           </a:p>
@@ -5265,7 +5265,7 @@
           <a:p>
             <a:fld id="{B5E30DA5-A468-49AC-9645-F35AB9DAB0C5}" type="datetimeFigureOut">
               <a:rPr lang="el-GR" smtClean="0"/>
-              <a:t>16/8/2023</a:t>
+              <a:t>17/8/2023</a:t>
             </a:fld>
             <a:endParaRPr lang="el-GR"/>
           </a:p>
@@ -5610,7 +5610,7 @@
           <a:p>
             <a:fld id="{B5E30DA5-A468-49AC-9645-F35AB9DAB0C5}" type="datetimeFigureOut">
               <a:rPr lang="el-GR" smtClean="0"/>
-              <a:t>16/8/2023</a:t>
+              <a:t>17/8/2023</a:t>
             </a:fld>
             <a:endParaRPr lang="el-GR"/>
           </a:p>
@@ -5967,7 +5967,7 @@
           <a:p>
             <a:fld id="{B5E30DA5-A468-49AC-9645-F35AB9DAB0C5}" type="datetimeFigureOut">
               <a:rPr lang="el-GR" smtClean="0"/>
-              <a:t>16/8/2023</a:t>
+              <a:t>17/8/2023</a:t>
             </a:fld>
             <a:endParaRPr lang="el-GR"/>
           </a:p>
@@ -8116,7 +8116,7 @@
           <a:p>
             <a:fld id="{B5E30DA5-A468-49AC-9645-F35AB9DAB0C5}" type="datetimeFigureOut">
               <a:rPr lang="el-GR" smtClean="0"/>
-              <a:t>16/8/2023</a:t>
+              <a:t>17/8/2023</a:t>
             </a:fld>
             <a:endParaRPr lang="el-GR"/>
           </a:p>
@@ -15139,9 +15139,10 @@
               <a:t>και της βιβλιοθήκης </a:t>
             </a:r>
             <a:r>
-              <a:rPr lang="en-US" sz="2000" i="1" dirty="0"/>
-              <a:t>Pulp</a:t>
+              <a:rPr lang="en-US" sz="2000" i="1" dirty="0" err="1"/>
+              <a:t>PuLP</a:t>
             </a:r>
+            <a:endParaRPr lang="en-US" sz="2000" i="1" dirty="0"/>
           </a:p>
           <a:p>
             <a:pPr>

--- a/Presentation.pptx
+++ b/Presentation.pptx
@@ -19192,7 +19192,7 @@
         </p:blipFill>
         <p:spPr>
           <a:xfrm>
-            <a:off x="8273255" y="1286232"/>
+            <a:off x="8328865" y="1253085"/>
             <a:ext cx="3012944" cy="5601970"/>
           </a:xfrm>
           <a:prstGeom prst="rect">

--- a/Presentation.pptx
+++ b/Presentation.pptx
@@ -219,7 +219,7 @@
           <a:p>
             <a:fld id="{8DC2A06E-71C4-43BA-ACEA-0EF960EE58DA}" type="datetimeFigureOut">
               <a:rPr lang="el-GR" smtClean="0"/>
-              <a:t>17/8/2023</a:t>
+              <a:t>25/9/2023</a:t>
             </a:fld>
             <a:endParaRPr lang="el-GR"/>
           </a:p>
@@ -1046,7 +1046,7 @@
           <a:p>
             <a:fld id="{B5E30DA5-A468-49AC-9645-F35AB9DAB0C5}" type="datetimeFigureOut">
               <a:rPr lang="el-GR" smtClean="0"/>
-              <a:t>17/8/2023</a:t>
+              <a:t>25/9/2023</a:t>
             </a:fld>
             <a:endParaRPr lang="el-GR"/>
           </a:p>
@@ -1396,7 +1396,7 @@
           <a:p>
             <a:fld id="{B5E30DA5-A468-49AC-9645-F35AB9DAB0C5}" type="datetimeFigureOut">
               <a:rPr lang="el-GR" smtClean="0"/>
-              <a:t>17/8/2023</a:t>
+              <a:t>25/9/2023</a:t>
             </a:fld>
             <a:endParaRPr lang="el-GR"/>
           </a:p>
@@ -1809,7 +1809,7 @@
           <a:p>
             <a:fld id="{B5E30DA5-A468-49AC-9645-F35AB9DAB0C5}" type="datetimeFigureOut">
               <a:rPr lang="el-GR" smtClean="0"/>
-              <a:t>17/8/2023</a:t>
+              <a:t>25/9/2023</a:t>
             </a:fld>
             <a:endParaRPr lang="el-GR"/>
           </a:p>
@@ -2157,7 +2157,7 @@
           <a:p>
             <a:fld id="{B5E30DA5-A468-49AC-9645-F35AB9DAB0C5}" type="datetimeFigureOut">
               <a:rPr lang="el-GR" smtClean="0"/>
-              <a:t>17/8/2023</a:t>
+              <a:t>25/9/2023</a:t>
             </a:fld>
             <a:endParaRPr lang="el-GR"/>
           </a:p>
@@ -2489,7 +2489,7 @@
           <a:p>
             <a:fld id="{B5E30DA5-A468-49AC-9645-F35AB9DAB0C5}" type="datetimeFigureOut">
               <a:rPr lang="el-GR" smtClean="0"/>
-              <a:t>17/8/2023</a:t>
+              <a:t>25/9/2023</a:t>
             </a:fld>
             <a:endParaRPr lang="el-GR"/>
           </a:p>
@@ -2897,7 +2897,7 @@
           <a:p>
             <a:fld id="{B5E30DA5-A468-49AC-9645-F35AB9DAB0C5}" type="datetimeFigureOut">
               <a:rPr lang="el-GR" smtClean="0"/>
-              <a:t>17/8/2023</a:t>
+              <a:t>25/9/2023</a:t>
             </a:fld>
             <a:endParaRPr lang="el-GR"/>
           </a:p>
@@ -3166,7 +3166,7 @@
           <a:p>
             <a:fld id="{B5E30DA5-A468-49AC-9645-F35AB9DAB0C5}" type="datetimeFigureOut">
               <a:rPr lang="el-GR" smtClean="0"/>
-              <a:t>17/8/2023</a:t>
+              <a:t>25/9/2023</a:t>
             </a:fld>
             <a:endParaRPr lang="el-GR"/>
           </a:p>
@@ -3440,7 +3440,7 @@
           <a:p>
             <a:fld id="{B5E30DA5-A468-49AC-9645-F35AB9DAB0C5}" type="datetimeFigureOut">
               <a:rPr lang="el-GR" smtClean="0"/>
-              <a:t>17/8/2023</a:t>
+              <a:t>25/9/2023</a:t>
             </a:fld>
             <a:endParaRPr lang="el-GR"/>
           </a:p>
@@ -3714,7 +3714,7 @@
           <a:p>
             <a:fld id="{B5E30DA5-A468-49AC-9645-F35AB9DAB0C5}" type="datetimeFigureOut">
               <a:rPr lang="el-GR" smtClean="0"/>
-              <a:t>17/8/2023</a:t>
+              <a:t>25/9/2023</a:t>
             </a:fld>
             <a:endParaRPr lang="el-GR"/>
           </a:p>
@@ -4055,7 +4055,7 @@
           <a:p>
             <a:fld id="{B5E30DA5-A468-49AC-9645-F35AB9DAB0C5}" type="datetimeFigureOut">
               <a:rPr lang="el-GR" smtClean="0"/>
-              <a:t>17/8/2023</a:t>
+              <a:t>25/9/2023</a:t>
             </a:fld>
             <a:endParaRPr lang="el-GR"/>
           </a:p>
@@ -4390,7 +4390,7 @@
           <a:p>
             <a:fld id="{B5E30DA5-A468-49AC-9645-F35AB9DAB0C5}" type="datetimeFigureOut">
               <a:rPr lang="el-GR" smtClean="0"/>
-              <a:t>17/8/2023</a:t>
+              <a:t>25/9/2023</a:t>
             </a:fld>
             <a:endParaRPr lang="el-GR"/>
           </a:p>
@@ -4859,7 +4859,7 @@
           <a:p>
             <a:fld id="{B5E30DA5-A468-49AC-9645-F35AB9DAB0C5}" type="datetimeFigureOut">
               <a:rPr lang="el-GR" smtClean="0"/>
-              <a:t>17/8/2023</a:t>
+              <a:t>25/9/2023</a:t>
             </a:fld>
             <a:endParaRPr lang="el-GR"/>
           </a:p>
@@ -5076,7 +5076,7 @@
           <a:p>
             <a:fld id="{B5E30DA5-A468-49AC-9645-F35AB9DAB0C5}" type="datetimeFigureOut">
               <a:rPr lang="el-GR" smtClean="0"/>
-              <a:t>17/8/2023</a:t>
+              <a:t>25/9/2023</a:t>
             </a:fld>
             <a:endParaRPr lang="el-GR"/>
           </a:p>
@@ -5265,7 +5265,7 @@
           <a:p>
             <a:fld id="{B5E30DA5-A468-49AC-9645-F35AB9DAB0C5}" type="datetimeFigureOut">
               <a:rPr lang="el-GR" smtClean="0"/>
-              <a:t>17/8/2023</a:t>
+              <a:t>25/9/2023</a:t>
             </a:fld>
             <a:endParaRPr lang="el-GR"/>
           </a:p>
@@ -5610,7 +5610,7 @@
           <a:p>
             <a:fld id="{B5E30DA5-A468-49AC-9645-F35AB9DAB0C5}" type="datetimeFigureOut">
               <a:rPr lang="el-GR" smtClean="0"/>
-              <a:t>17/8/2023</a:t>
+              <a:t>25/9/2023</a:t>
             </a:fld>
             <a:endParaRPr lang="el-GR"/>
           </a:p>
@@ -5967,7 +5967,7 @@
           <a:p>
             <a:fld id="{B5E30DA5-A468-49AC-9645-F35AB9DAB0C5}" type="datetimeFigureOut">
               <a:rPr lang="el-GR" smtClean="0"/>
-              <a:t>17/8/2023</a:t>
+              <a:t>25/9/2023</a:t>
             </a:fld>
             <a:endParaRPr lang="el-GR"/>
           </a:p>
@@ -8116,7 +8116,7 @@
           <a:p>
             <a:fld id="{B5E30DA5-A468-49AC-9645-F35AB9DAB0C5}" type="datetimeFigureOut">
               <a:rPr lang="el-GR" smtClean="0"/>
-              <a:t>17/8/2023</a:t>
+              <a:t>25/9/2023</a:t>
             </a:fld>
             <a:endParaRPr lang="el-GR"/>
           </a:p>
@@ -8886,12 +8886,12 @@
   </p:clrMapOvr>
   <mc:AlternateContent xmlns:mc="http://schemas.openxmlformats.org/markup-compatibility/2006" xmlns:p159="http://schemas.microsoft.com/office/powerpoint/2015/09/main">
     <mc:Choice Requires="p159">
-      <p:transition xmlns:p14="http://schemas.microsoft.com/office/powerpoint/2010/main" spd="slow" p14:dur="2000">
+      <p:transition spd="med">
         <p159:morph option="byObject"/>
       </p:transition>
     </mc:Choice>
     <mc:Fallback xmlns="">
-      <p:transition spd="slow">
+      <p:transition spd="med">
         <p:fade/>
       </p:transition>
     </mc:Fallback>
@@ -9093,6 +9093,13 @@
             <a:schemeClr val="lt1"/>
           </a:fontRef>
         </p:style>
+        <p:txBody>
+          <a:bodyPr/>
+          <a:lstStyle/>
+          <a:p>
+            <a:endParaRPr lang="el-GR"/>
+          </a:p>
+        </p:txBody>
       </p:sp>
       <p:sp>
         <p:nvSpPr>
@@ -9192,6 +9199,13 @@
             <a:noFill/>
           </a:ln>
         </p:spPr>
+        <p:txBody>
+          <a:bodyPr/>
+          <a:lstStyle/>
+          <a:p>
+            <a:endParaRPr lang="el-GR"/>
+          </a:p>
+        </p:txBody>
       </p:sp>
       <mc:AlternateContent xmlns:mc="http://schemas.openxmlformats.org/markup-compatibility/2006" xmlns:a14="http://schemas.microsoft.com/office/drawing/2010/main">
         <mc:Choice Requires="a14">
@@ -10399,14 +10413,13 @@
               </a:ext>
             </a:extLst>
           </a:blip>
-          <a:stretch>
-            <a:fillRect/>
-          </a:stretch>
+          <a:srcRect/>
+          <a:stretch/>
         </p:blipFill>
         <p:spPr>
           <a:xfrm>
-            <a:off x="2310581" y="5181602"/>
-            <a:ext cx="7747819" cy="924948"/>
+            <a:off x="2310581" y="5260428"/>
+            <a:ext cx="7747819" cy="855237"/>
           </a:xfrm>
           <a:prstGeom prst="rect">
             <a:avLst/>
@@ -10425,12 +10438,12 @@
   </p:clrMapOvr>
   <mc:AlternateContent xmlns:mc="http://schemas.openxmlformats.org/markup-compatibility/2006" xmlns:p159="http://schemas.microsoft.com/office/powerpoint/2015/09/main">
     <mc:Choice Requires="p159">
-      <p:transition xmlns:p14="http://schemas.microsoft.com/office/powerpoint/2010/main" spd="slow" p14:dur="2000">
+      <p:transition spd="med">
         <p159:morph option="byObject"/>
       </p:transition>
     </mc:Choice>
     <mc:Fallback xmlns="">
-      <p:transition spd="slow">
+      <p:transition spd="med">
         <p:fade/>
       </p:transition>
     </mc:Fallback>
@@ -10656,6 +10669,13 @@
             <a:schemeClr val="lt1"/>
           </a:fontRef>
         </p:style>
+        <p:txBody>
+          <a:bodyPr/>
+          <a:lstStyle/>
+          <a:p>
+            <a:endParaRPr lang="el-GR"/>
+          </a:p>
+        </p:txBody>
       </p:sp>
       <p:sp>
         <p:nvSpPr>
@@ -10755,6 +10775,13 @@
             <a:noFill/>
           </a:ln>
         </p:spPr>
+        <p:txBody>
+          <a:bodyPr/>
+          <a:lstStyle/>
+          <a:p>
+            <a:endParaRPr lang="el-GR"/>
+          </a:p>
+        </p:txBody>
       </p:sp>
       <p:sp>
         <p:nvSpPr>
@@ -11405,42 +11432,6 @@
           </a:p>
         </p:txBody>
       </p:sp>
-      <p:pic>
-        <p:nvPicPr>
-          <p:cNvPr id="11" name="Εικόνα 10">
-            <a:extLst>
-              <a:ext uri="{FF2B5EF4-FFF2-40B4-BE49-F238E27FC236}">
-                <a16:creationId xmlns:a16="http://schemas.microsoft.com/office/drawing/2014/main" id="{6F6021EA-E511-B538-A08C-1BF65081C8C7}"/>
-              </a:ext>
-            </a:extLst>
-          </p:cNvPr>
-          <p:cNvPicPr>
-            <a:picLocks noChangeAspect="1"/>
-          </p:cNvPicPr>
-          <p:nvPr/>
-        </p:nvPicPr>
-        <p:blipFill>
-          <a:blip r:embed="rId4">
-            <a:extLst>
-              <a:ext uri="{28A0092B-C50C-407E-A947-70E740481C1C}">
-                <a14:useLocalDpi xmlns:a14="http://schemas.microsoft.com/office/drawing/2010/main" val="0"/>
-              </a:ext>
-            </a:extLst>
-          </a:blip>
-          <a:stretch>
-            <a:fillRect/>
-          </a:stretch>
-        </p:blipFill>
-        <p:spPr>
-          <a:xfrm>
-            <a:off x="2301239" y="4265764"/>
-            <a:ext cx="7772400" cy="910175"/>
-          </a:xfrm>
-          <a:prstGeom prst="rect">
-            <a:avLst/>
-          </a:prstGeom>
-        </p:spPr>
-      </p:pic>
       <p:sp>
         <p:nvSpPr>
           <p:cNvPr id="12" name="Θέση περιεχομένου 2">
@@ -11746,21 +11737,50 @@
           <p:nvPr/>
         </p:nvPicPr>
         <p:blipFill>
-          <a:blip r:embed="rId5">
+          <a:blip r:embed="rId4">
             <a:extLst>
               <a:ext uri="{28A0092B-C50C-407E-A947-70E740481C1C}">
                 <a14:useLocalDpi xmlns:a14="http://schemas.microsoft.com/office/drawing/2010/main" val="0"/>
               </a:ext>
             </a:extLst>
           </a:blip>
+          <a:srcRect/>
+          <a:stretch/>
+        </p:blipFill>
+        <p:spPr>
+          <a:xfrm>
+            <a:off x="2300026" y="5965653"/>
+            <a:ext cx="7773613" cy="449950"/>
+          </a:xfrm>
+          <a:prstGeom prst="rect">
+            <a:avLst/>
+          </a:prstGeom>
+        </p:spPr>
+      </p:pic>
+      <p:pic>
+        <p:nvPicPr>
+          <p:cNvPr id="4" name="Εικόνα 3">
+            <a:extLst>
+              <a:ext uri="{FF2B5EF4-FFF2-40B4-BE49-F238E27FC236}">
+                <a16:creationId xmlns:a16="http://schemas.microsoft.com/office/drawing/2014/main" id="{FB53636C-4B2F-998E-0CFD-25B9776F7033}"/>
+              </a:ext>
+            </a:extLst>
+          </p:cNvPr>
+          <p:cNvPicPr>
+            <a:picLocks noChangeAspect="1"/>
+          </p:cNvPicPr>
+          <p:nvPr/>
+        </p:nvPicPr>
+        <p:blipFill>
+          <a:blip r:embed="rId5"/>
           <a:stretch>
             <a:fillRect/>
           </a:stretch>
         </p:blipFill>
         <p:spPr>
           <a:xfrm>
-            <a:off x="2300026" y="5946052"/>
-            <a:ext cx="7773613" cy="489153"/>
+            <a:off x="2300025" y="4265763"/>
+            <a:ext cx="7772400" cy="925669"/>
           </a:xfrm>
           <a:prstGeom prst="rect">
             <a:avLst/>
@@ -11779,12 +11799,12 @@
   </p:clrMapOvr>
   <mc:AlternateContent xmlns:mc="http://schemas.openxmlformats.org/markup-compatibility/2006" xmlns:p159="http://schemas.microsoft.com/office/powerpoint/2015/09/main">
     <mc:Choice Requires="p159">
-      <p:transition xmlns:p14="http://schemas.microsoft.com/office/powerpoint/2010/main" spd="slow" p14:dur="2000">
+      <p:transition spd="med">
         <p159:morph option="byObject"/>
       </p:transition>
     </mc:Choice>
     <mc:Fallback xmlns="">
-      <p:transition spd="slow">
+      <p:transition spd="med">
         <p:fade/>
       </p:transition>
     </mc:Fallback>
@@ -12010,6 +12030,13 @@
             <a:schemeClr val="lt1"/>
           </a:fontRef>
         </p:style>
+        <p:txBody>
+          <a:bodyPr/>
+          <a:lstStyle/>
+          <a:p>
+            <a:endParaRPr lang="el-GR"/>
+          </a:p>
+        </p:txBody>
       </p:sp>
       <p:sp>
         <p:nvSpPr>
@@ -12109,6 +12136,13 @@
             <a:noFill/>
           </a:ln>
         </p:spPr>
+        <p:txBody>
+          <a:bodyPr/>
+          <a:lstStyle/>
+          <a:p>
+            <a:endParaRPr lang="el-GR"/>
+          </a:p>
+        </p:txBody>
       </p:sp>
       <p:sp>
         <p:nvSpPr>
@@ -12913,14 +12947,13 @@
               </a:ext>
             </a:extLst>
           </a:blip>
-          <a:stretch>
-            <a:fillRect/>
-          </a:stretch>
+          <a:srcRect/>
+          <a:stretch/>
         </p:blipFill>
         <p:spPr>
           <a:xfrm>
-            <a:off x="2181359" y="5098322"/>
-            <a:ext cx="7828721" cy="814114"/>
+            <a:off x="2181359" y="5203973"/>
+            <a:ext cx="7828721" cy="823201"/>
           </a:xfrm>
           <a:prstGeom prst="rect">
             <a:avLst/>
@@ -13066,12 +13099,12 @@
   </p:clrMapOvr>
   <mc:AlternateContent xmlns:mc="http://schemas.openxmlformats.org/markup-compatibility/2006" xmlns:p159="http://schemas.microsoft.com/office/powerpoint/2015/09/main">
     <mc:Choice Requires="p159">
-      <p:transition xmlns:p14="http://schemas.microsoft.com/office/powerpoint/2010/main" spd="slow" p14:dur="2000">
+      <p:transition spd="med">
         <p159:morph option="byObject"/>
       </p:transition>
     </mc:Choice>
     <mc:Fallback xmlns="">
-      <p:transition spd="slow">
+      <p:transition spd="med">
         <p:fade/>
       </p:transition>
     </mc:Fallback>
@@ -13273,6 +13306,13 @@
             <a:schemeClr val="lt1"/>
           </a:fontRef>
         </p:style>
+        <p:txBody>
+          <a:bodyPr/>
+          <a:lstStyle/>
+          <a:p>
+            <a:endParaRPr lang="el-GR"/>
+          </a:p>
+        </p:txBody>
       </p:sp>
       <p:sp>
         <p:nvSpPr>
@@ -13372,6 +13412,13 @@
             <a:noFill/>
           </a:ln>
         </p:spPr>
+        <p:txBody>
+          <a:bodyPr/>
+          <a:lstStyle/>
+          <a:p>
+            <a:endParaRPr lang="el-GR"/>
+          </a:p>
+        </p:txBody>
       </p:sp>
       <p:sp>
         <p:nvSpPr>
@@ -13492,12 +13539,12 @@
   </p:clrMapOvr>
   <mc:AlternateContent xmlns:mc="http://schemas.openxmlformats.org/markup-compatibility/2006" xmlns:p159="http://schemas.microsoft.com/office/powerpoint/2015/09/main">
     <mc:Choice Requires="p159">
-      <p:transition xmlns:p14="http://schemas.microsoft.com/office/powerpoint/2010/main" spd="slow" p14:dur="2000">
+      <p:transition spd="med">
         <p159:morph option="byObject"/>
       </p:transition>
     </mc:Choice>
     <mc:Fallback xmlns="">
-      <p:transition spd="slow">
+      <p:transition spd="med">
         <p:fade/>
       </p:transition>
     </mc:Fallback>
@@ -13723,6 +13770,13 @@
             <a:schemeClr val="lt1"/>
           </a:fontRef>
         </p:style>
+        <p:txBody>
+          <a:bodyPr/>
+          <a:lstStyle/>
+          <a:p>
+            <a:endParaRPr lang="el-GR"/>
+          </a:p>
+        </p:txBody>
       </p:sp>
       <p:sp>
         <p:nvSpPr>
@@ -13822,6 +13876,13 @@
             <a:noFill/>
           </a:ln>
         </p:spPr>
+        <p:txBody>
+          <a:bodyPr/>
+          <a:lstStyle/>
+          <a:p>
+            <a:endParaRPr lang="el-GR"/>
+          </a:p>
+        </p:txBody>
       </p:sp>
       <p:sp>
         <p:nvSpPr>
@@ -14444,7 +14505,7 @@
               </a:buClr>
             </a:pPr>
             <a:r>
-              <a:rPr lang="el-GR" sz="2000" kern="100" dirty="0">
+              <a:rPr lang="el-GR" sz="2200" kern="100" dirty="0">
                 <a:solidFill>
                   <a:prstClr val="black">
                     <a:lumMod val="75000"/>
@@ -14455,7 +14516,7 @@
               <a:t>Ό</a:t>
             </a:r>
             <a:r>
-              <a:rPr lang="el-GR" sz="2000" kern="100" dirty="0">
+              <a:rPr lang="el-GR" sz="2200" kern="100" dirty="0">
                 <a:effectLst/>
                 <a:ea typeface="Calibri" panose="020F0502020204030204" pitchFamily="34" charset="0"/>
                 <a:cs typeface="Times New Roman" panose="02020603050405020304" pitchFamily="18" charset="0"/>
@@ -14463,13 +14524,13 @@
               <a:t>ταν υπάρχουν ομάδες που χρωστάνε αγώνες</a:t>
             </a:r>
             <a:r>
-              <a:rPr lang="en-US" sz="2000" kern="100" dirty="0">
+              <a:rPr lang="en-US" sz="2200" kern="100" dirty="0">
                 <a:ea typeface="Calibri" panose="020F0502020204030204" pitchFamily="34" charset="0"/>
                 <a:cs typeface="Times New Roman" panose="02020603050405020304" pitchFamily="18" charset="0"/>
               </a:rPr>
               <a:t>.</a:t>
             </a:r>
-            <a:endParaRPr kumimoji="0" lang="el-GR" sz="2000" b="0" i="0" u="none" strike="noStrike" kern="100" cap="none" spc="0" normalizeH="0" baseline="0" noProof="0" dirty="0">
+            <a:endParaRPr kumimoji="0" lang="el-GR" sz="2200" b="0" i="0" u="none" strike="noStrike" kern="100" cap="none" spc="0" normalizeH="0" baseline="0" noProof="0" dirty="0">
               <a:ln>
                 <a:noFill/>
               </a:ln>
@@ -14699,7 +14760,7 @@
       </p:sp>
       <p:pic>
         <p:nvPicPr>
-          <p:cNvPr id="3" name="Εικόνα 2" descr="Εικόνα που περιέχει κείμενο, γραμματοσειρά, λευκό, γραφικός χαρακτήρας&#10;&#10;Περιγραφή που δημιουργήθηκε αυτόματα">
+          <p:cNvPr id="3" name="Εικόνα 2">
             <a:extLst>
               <a:ext uri="{FF2B5EF4-FFF2-40B4-BE49-F238E27FC236}">
                 <a16:creationId xmlns:a16="http://schemas.microsoft.com/office/drawing/2014/main" id="{0DB34145-D46E-7181-AF71-7E5F5B05AD9D}"/>
@@ -14719,13 +14780,13 @@
               </a:ext>
             </a:extLst>
           </a:blip>
-          <a:srcRect l="-1" t="1" r="83" b="-7197"/>
+          <a:srcRect l="-26" r="-32"/>
           <a:stretch/>
         </p:blipFill>
         <p:spPr>
           <a:xfrm>
-            <a:off x="728260" y="2420764"/>
-            <a:ext cx="10734913" cy="1888574"/>
+            <a:off x="728259" y="2420764"/>
+            <a:ext cx="10734914" cy="1796129"/>
           </a:xfrm>
           <a:prstGeom prst="rect">
             <a:avLst/>
@@ -14734,7 +14795,7 @@
       </p:pic>
       <p:pic>
         <p:nvPicPr>
-          <p:cNvPr id="19" name="Εικόνα 18" descr="Εικόνα που περιέχει κείμενο, γραμματοσειρά, λευκό, γραμμή&#10;&#10;Περιγραφή που δημιουργήθηκε αυτόματα">
+          <p:cNvPr id="19" name="Εικόνα 18">
             <a:extLst>
               <a:ext uri="{FF2B5EF4-FFF2-40B4-BE49-F238E27FC236}">
                 <a16:creationId xmlns:a16="http://schemas.microsoft.com/office/drawing/2014/main" id="{017FE6C0-111F-B8EA-DA05-033792AFA56E}"/>
@@ -14754,14 +14815,13 @@
               </a:ext>
             </a:extLst>
           </a:blip>
-          <a:stretch>
-            <a:fillRect/>
-          </a:stretch>
+          <a:srcRect/>
+          <a:stretch/>
         </p:blipFill>
         <p:spPr>
           <a:xfrm>
-            <a:off x="728259" y="4874516"/>
-            <a:ext cx="10734913" cy="1699904"/>
+            <a:off x="728259" y="4888491"/>
+            <a:ext cx="10734913" cy="1787612"/>
           </a:xfrm>
           <a:prstGeom prst="rect">
             <a:avLst/>
@@ -14780,12 +14840,12 @@
   </p:clrMapOvr>
   <mc:AlternateContent xmlns:mc="http://schemas.openxmlformats.org/markup-compatibility/2006" xmlns:p159="http://schemas.microsoft.com/office/powerpoint/2015/09/main">
     <mc:Choice Requires="p159">
-      <p:transition xmlns:p14="http://schemas.microsoft.com/office/powerpoint/2010/main" spd="slow" p14:dur="2000">
+      <p:transition spd="med">
         <p159:morph option="byObject"/>
       </p:transition>
     </mc:Choice>
     <mc:Fallback xmlns="">
-      <p:transition spd="slow">
+      <p:transition spd="med">
         <p:fade/>
       </p:transition>
     </mc:Fallback>
@@ -14987,6 +15047,13 @@
             <a:schemeClr val="lt1"/>
           </a:fontRef>
         </p:style>
+        <p:txBody>
+          <a:bodyPr/>
+          <a:lstStyle/>
+          <a:p>
+            <a:endParaRPr lang="el-GR"/>
+          </a:p>
+        </p:txBody>
       </p:sp>
       <p:sp>
         <p:nvSpPr>
@@ -15086,6 +15153,13 @@
             <a:noFill/>
           </a:ln>
         </p:spPr>
+        <p:txBody>
+          <a:bodyPr/>
+          <a:lstStyle/>
+          <a:p>
+            <a:endParaRPr lang="el-GR"/>
+          </a:p>
+        </p:txBody>
       </p:sp>
       <p:sp>
         <p:nvSpPr>
@@ -15200,12 +15274,12 @@
   </p:clrMapOvr>
   <mc:AlternateContent xmlns:mc="http://schemas.openxmlformats.org/markup-compatibility/2006" xmlns:p159="http://schemas.microsoft.com/office/powerpoint/2015/09/main">
     <mc:Choice Requires="p159">
-      <p:transition xmlns:p14="http://schemas.microsoft.com/office/powerpoint/2010/main" spd="slow" p14:dur="2000">
+      <p:transition spd="med">
         <p159:morph option="byObject"/>
       </p:transition>
     </mc:Choice>
     <mc:Fallback xmlns="">
-      <p:transition spd="slow">
+      <p:transition spd="med">
         <p:fade/>
       </p:transition>
     </mc:Fallback>
@@ -15407,6 +15481,13 @@
             <a:schemeClr val="lt1"/>
           </a:fontRef>
         </p:style>
+        <p:txBody>
+          <a:bodyPr/>
+          <a:lstStyle/>
+          <a:p>
+            <a:endParaRPr lang="el-GR"/>
+          </a:p>
+        </p:txBody>
       </p:sp>
       <p:sp>
         <p:nvSpPr>
@@ -15506,6 +15587,13 @@
             <a:noFill/>
           </a:ln>
         </p:spPr>
+        <p:txBody>
+          <a:bodyPr/>
+          <a:lstStyle/>
+          <a:p>
+            <a:endParaRPr lang="el-GR"/>
+          </a:p>
+        </p:txBody>
       </p:sp>
       <p:pic>
         <p:nvPicPr>
@@ -15714,12 +15802,12 @@
   </p:clrMapOvr>
   <mc:AlternateContent xmlns:mc="http://schemas.openxmlformats.org/markup-compatibility/2006" xmlns:p159="http://schemas.microsoft.com/office/powerpoint/2015/09/main">
     <mc:Choice Requires="p159">
-      <p:transition xmlns:p14="http://schemas.microsoft.com/office/powerpoint/2010/main" spd="slow" p14:dur="2000">
+      <p:transition spd="med">
         <p159:morph option="byObject"/>
       </p:transition>
     </mc:Choice>
     <mc:Fallback xmlns="">
-      <p:transition spd="slow">
+      <p:transition spd="med">
         <p:fade/>
       </p:transition>
     </mc:Fallback>
@@ -15929,6 +16017,13 @@
             <a:schemeClr val="lt1"/>
           </a:fontRef>
         </p:style>
+        <p:txBody>
+          <a:bodyPr/>
+          <a:lstStyle/>
+          <a:p>
+            <a:endParaRPr lang="el-GR"/>
+          </a:p>
+        </p:txBody>
       </p:sp>
       <p:sp>
         <p:nvSpPr>
@@ -16028,6 +16123,13 @@
             <a:noFill/>
           </a:ln>
         </p:spPr>
+        <p:txBody>
+          <a:bodyPr/>
+          <a:lstStyle/>
+          <a:p>
+            <a:endParaRPr lang="el-GR"/>
+          </a:p>
+        </p:txBody>
       </p:sp>
       <p:sp>
         <p:nvSpPr>
@@ -16830,12 +16932,12 @@
   </p:clrMapOvr>
   <mc:AlternateContent xmlns:mc="http://schemas.openxmlformats.org/markup-compatibility/2006" xmlns:p159="http://schemas.microsoft.com/office/powerpoint/2015/09/main">
     <mc:Choice Requires="p159">
-      <p:transition xmlns:p14="http://schemas.microsoft.com/office/powerpoint/2010/main" spd="slow" p14:dur="2000">
+      <p:transition spd="med">
         <p159:morph option="byObject"/>
       </p:transition>
     </mc:Choice>
     <mc:Fallback xmlns="">
-      <p:transition spd="slow">
+      <p:transition spd="med">
         <p:fade/>
       </p:transition>
     </mc:Fallback>
@@ -17037,6 +17139,13 @@
             <a:schemeClr val="lt1"/>
           </a:fontRef>
         </p:style>
+        <p:txBody>
+          <a:bodyPr/>
+          <a:lstStyle/>
+          <a:p>
+            <a:endParaRPr lang="el-GR"/>
+          </a:p>
+        </p:txBody>
       </p:sp>
       <p:sp>
         <p:nvSpPr>
@@ -17136,6 +17245,13 @@
             <a:noFill/>
           </a:ln>
         </p:spPr>
+        <p:txBody>
+          <a:bodyPr/>
+          <a:lstStyle/>
+          <a:p>
+            <a:endParaRPr lang="el-GR"/>
+          </a:p>
+        </p:txBody>
       </p:sp>
       <p:sp>
         <p:nvSpPr>
@@ -17277,12 +17393,12 @@
   </p:clrMapOvr>
   <mc:AlternateContent xmlns:mc="http://schemas.openxmlformats.org/markup-compatibility/2006" xmlns:p159="http://schemas.microsoft.com/office/powerpoint/2015/09/main">
     <mc:Choice Requires="p159">
-      <p:transition xmlns:p14="http://schemas.microsoft.com/office/powerpoint/2010/main" spd="slow" p14:dur="2000">
+      <p:transition spd="med">
         <p159:morph option="byObject"/>
       </p:transition>
     </mc:Choice>
     <mc:Fallback xmlns="">
-      <p:transition spd="slow">
+      <p:transition spd="med">
         <p:fade/>
       </p:transition>
     </mc:Fallback>
@@ -17484,6 +17600,13 @@
             <a:schemeClr val="lt1"/>
           </a:fontRef>
         </p:style>
+        <p:txBody>
+          <a:bodyPr/>
+          <a:lstStyle/>
+          <a:p>
+            <a:endParaRPr lang="el-GR"/>
+          </a:p>
+        </p:txBody>
       </p:sp>
       <p:sp>
         <p:nvSpPr>
@@ -17583,6 +17706,13 @@
             <a:noFill/>
           </a:ln>
         </p:spPr>
+        <p:txBody>
+          <a:bodyPr/>
+          <a:lstStyle/>
+          <a:p>
+            <a:endParaRPr lang="el-GR"/>
+          </a:p>
+        </p:txBody>
       </p:sp>
       <p:pic>
         <p:nvPicPr>
@@ -17738,12 +17868,12 @@
   </p:clrMapOvr>
   <mc:AlternateContent xmlns:mc="http://schemas.openxmlformats.org/markup-compatibility/2006" xmlns:p159="http://schemas.microsoft.com/office/powerpoint/2015/09/main">
     <mc:Choice Requires="p159">
-      <p:transition xmlns:p14="http://schemas.microsoft.com/office/powerpoint/2010/main" spd="slow" p14:dur="2000">
+      <p:transition spd="med">
         <p159:morph option="byObject"/>
       </p:transition>
     </mc:Choice>
     <mc:Fallback xmlns="">
-      <p:transition spd="slow">
+      <p:transition spd="med">
         <p:fade/>
       </p:transition>
     </mc:Fallback>
@@ -17958,6 +18088,13 @@
             <a:schemeClr val="lt1"/>
           </a:fontRef>
         </p:style>
+        <p:txBody>
+          <a:bodyPr/>
+          <a:lstStyle/>
+          <a:p>
+            <a:endParaRPr lang="el-GR"/>
+          </a:p>
+        </p:txBody>
       </p:sp>
       <p:sp>
         <p:nvSpPr>
@@ -18057,6 +18194,13 @@
             <a:noFill/>
           </a:ln>
         </p:spPr>
+        <p:txBody>
+          <a:bodyPr/>
+          <a:lstStyle/>
+          <a:p>
+            <a:endParaRPr lang="el-GR"/>
+          </a:p>
+        </p:txBody>
       </p:sp>
       <p:sp>
         <p:nvSpPr>
@@ -18113,15 +18257,6 @@
             </a:pPr>
             <a:r>
               <a:rPr lang="el-GR" sz="2000" dirty="0"/>
-              <a:t>Οργάνωση σε εθελοντική βάση</a:t>
-            </a:r>
-          </a:p>
-          <a:p>
-            <a:pPr>
-              <a:buClrTx/>
-            </a:pPr>
-            <a:r>
-              <a:rPr lang="el-GR" sz="2000" dirty="0"/>
               <a:t>Φοιτητικά πρωταθλήματα, τουρνουά σύντομης διάρκειας, τοπικά πρωταθλήματα</a:t>
             </a:r>
           </a:p>
@@ -18139,12 +18274,12 @@
   </p:clrMapOvr>
   <mc:AlternateContent xmlns:mc="http://schemas.openxmlformats.org/markup-compatibility/2006" xmlns:p159="http://schemas.microsoft.com/office/powerpoint/2015/09/main">
     <mc:Choice Requires="p159">
-      <p:transition xmlns:p14="http://schemas.microsoft.com/office/powerpoint/2010/main" spd="slow" p14:dur="2000">
+      <p:transition spd="med">
         <p159:morph option="byObject"/>
       </p:transition>
     </mc:Choice>
     <mc:Fallback xmlns="">
-      <p:transition spd="slow">
+      <p:transition spd="med">
         <p:fade/>
       </p:transition>
     </mc:Fallback>
@@ -18346,6 +18481,13 @@
             <a:schemeClr val="lt1"/>
           </a:fontRef>
         </p:style>
+        <p:txBody>
+          <a:bodyPr/>
+          <a:lstStyle/>
+          <a:p>
+            <a:endParaRPr lang="el-GR"/>
+          </a:p>
+        </p:txBody>
       </p:sp>
       <p:sp>
         <p:nvSpPr>
@@ -18445,6 +18587,13 @@
             <a:noFill/>
           </a:ln>
         </p:spPr>
+        <p:txBody>
+          <a:bodyPr/>
+          <a:lstStyle/>
+          <a:p>
+            <a:endParaRPr lang="el-GR"/>
+          </a:p>
+        </p:txBody>
       </p:sp>
       <p:sp>
         <p:nvSpPr>
@@ -18622,23 +18771,15 @@
             </a:pPr>
             <a:r>
               <a:rPr lang="el-GR" sz="1800" dirty="0"/>
-              <a:t>Μεγιστοποίηση </a:t>
+              <a:t>Μεγιστοποίηση προτιμήσεων </a:t>
             </a:r>
             <a:r>
-              <a:rPr lang="el-GR" sz="1800"/>
-              <a:t>προτιμήσεων </a:t>
-            </a:r>
-            <a:r>
-              <a:rPr lang="el-GR"/>
+              <a:rPr lang="el-GR" dirty="0"/>
               <a:t>παικτών</a:t>
             </a:r>
             <a:r>
-              <a:rPr lang="el-GR" sz="1800"/>
-              <a:t> </a:t>
-            </a:r>
-            <a:r>
               <a:rPr lang="el-GR" sz="1800" dirty="0"/>
-              <a:t>την ημέρα που αγωνίζονται</a:t>
+              <a:t> την ημέρα που αγωνίζονται</a:t>
             </a:r>
           </a:p>
         </p:txBody>
@@ -18665,14 +18806,13 @@
               </a:ext>
             </a:extLst>
           </a:blip>
-          <a:stretch>
-            <a:fillRect/>
-          </a:stretch>
+          <a:srcRect/>
+          <a:stretch/>
         </p:blipFill>
         <p:spPr>
           <a:xfrm>
-            <a:off x="1827329" y="2416571"/>
-            <a:ext cx="9006010" cy="1651225"/>
+            <a:off x="1970976" y="2416571"/>
+            <a:ext cx="8751492" cy="1651225"/>
           </a:xfrm>
           <a:prstGeom prst="rect">
             <a:avLst/>
@@ -18691,12 +18831,12 @@
   </p:clrMapOvr>
   <mc:AlternateContent xmlns:mc="http://schemas.openxmlformats.org/markup-compatibility/2006" xmlns:p159="http://schemas.microsoft.com/office/powerpoint/2015/09/main">
     <mc:Choice Requires="p159">
-      <p:transition xmlns:p14="http://schemas.microsoft.com/office/powerpoint/2010/main" spd="slow" p14:dur="2000">
+      <p:transition spd="med">
         <p159:morph option="byObject"/>
       </p:transition>
     </mc:Choice>
     <mc:Fallback xmlns="">
-      <p:transition spd="slow">
+      <p:transition spd="med">
         <p:fade/>
       </p:transition>
     </mc:Fallback>
@@ -18898,6 +19038,13 @@
             <a:schemeClr val="lt1"/>
           </a:fontRef>
         </p:style>
+        <p:txBody>
+          <a:bodyPr/>
+          <a:lstStyle/>
+          <a:p>
+            <a:endParaRPr lang="el-GR"/>
+          </a:p>
+        </p:txBody>
       </p:sp>
       <p:sp>
         <p:nvSpPr>
@@ -18997,6 +19144,13 @@
             <a:noFill/>
           </a:ln>
         </p:spPr>
+        <p:txBody>
+          <a:bodyPr/>
+          <a:lstStyle/>
+          <a:p>
+            <a:endParaRPr lang="el-GR"/>
+          </a:p>
+        </p:txBody>
       </p:sp>
       <p:sp>
         <p:nvSpPr>
@@ -19212,12 +19366,12 @@
   </p:clrMapOvr>
   <mc:AlternateContent xmlns:mc="http://schemas.openxmlformats.org/markup-compatibility/2006" xmlns:p159="http://schemas.microsoft.com/office/powerpoint/2015/09/main">
     <mc:Choice Requires="p159">
-      <p:transition xmlns:p14="http://schemas.microsoft.com/office/powerpoint/2010/main" spd="slow" p14:dur="2000">
+      <p:transition spd="med">
         <p159:morph option="byObject"/>
       </p:transition>
     </mc:Choice>
     <mc:Fallback xmlns="">
-      <p:transition spd="slow">
+      <p:transition spd="med">
         <p:fade/>
       </p:transition>
     </mc:Fallback>
@@ -19419,6 +19573,13 @@
             <a:schemeClr val="lt1"/>
           </a:fontRef>
         </p:style>
+        <p:txBody>
+          <a:bodyPr/>
+          <a:lstStyle/>
+          <a:p>
+            <a:endParaRPr lang="el-GR"/>
+          </a:p>
+        </p:txBody>
       </p:sp>
       <p:sp>
         <p:nvSpPr>
@@ -19518,6 +19679,13 @@
             <a:noFill/>
           </a:ln>
         </p:spPr>
+        <p:txBody>
+          <a:bodyPr/>
+          <a:lstStyle/>
+          <a:p>
+            <a:endParaRPr lang="el-GR"/>
+          </a:p>
+        </p:txBody>
       </p:sp>
       <p:sp>
         <p:nvSpPr>
@@ -19782,12 +19950,12 @@
   </p:clrMapOvr>
   <mc:AlternateContent xmlns:mc="http://schemas.openxmlformats.org/markup-compatibility/2006" xmlns:p159="http://schemas.microsoft.com/office/powerpoint/2015/09/main">
     <mc:Choice Requires="p159">
-      <p:transition xmlns:p14="http://schemas.microsoft.com/office/powerpoint/2010/main" spd="slow" p14:dur="2000">
+      <p:transition spd="med">
         <p159:morph option="byObject"/>
       </p:transition>
     </mc:Choice>
     <mc:Fallback xmlns="">
-      <p:transition spd="slow">
+      <p:transition spd="med">
         <p:fade/>
       </p:transition>
     </mc:Fallback>
@@ -20474,6 +20642,13 @@
               <a:noFill/>
             </a:ln>
           </p:spPr>
+          <p:txBody>
+            <a:bodyPr/>
+            <a:lstStyle/>
+            <a:p>
+              <a:endParaRPr lang="el-GR"/>
+            </a:p>
+          </p:txBody>
         </p:sp>
         <p:sp>
           <p:nvSpPr>
@@ -20551,6 +20726,13 @@
               <a:noFill/>
             </a:ln>
           </p:spPr>
+          <p:txBody>
+            <a:bodyPr/>
+            <a:lstStyle/>
+            <a:p>
+              <a:endParaRPr lang="el-GR"/>
+            </a:p>
+          </p:txBody>
         </p:sp>
         <p:sp>
           <p:nvSpPr>
@@ -20633,6 +20815,13 @@
               <a:noFill/>
             </a:ln>
           </p:spPr>
+          <p:txBody>
+            <a:bodyPr/>
+            <a:lstStyle/>
+            <a:p>
+              <a:endParaRPr lang="el-GR"/>
+            </a:p>
+          </p:txBody>
         </p:sp>
         <p:sp>
           <p:nvSpPr>
@@ -20695,6 +20884,13 @@
               <a:noFill/>
             </a:ln>
           </p:spPr>
+          <p:txBody>
+            <a:bodyPr/>
+            <a:lstStyle/>
+            <a:p>
+              <a:endParaRPr lang="el-GR"/>
+            </a:p>
+          </p:txBody>
         </p:sp>
         <p:sp>
           <p:nvSpPr>
@@ -20792,6 +20988,13 @@
               <a:noFill/>
             </a:ln>
           </p:spPr>
+          <p:txBody>
+            <a:bodyPr/>
+            <a:lstStyle/>
+            <a:p>
+              <a:endParaRPr lang="el-GR"/>
+            </a:p>
+          </p:txBody>
         </p:sp>
         <p:sp>
           <p:nvSpPr>
@@ -20884,6 +21087,13 @@
               <a:noFill/>
             </a:ln>
           </p:spPr>
+          <p:txBody>
+            <a:bodyPr/>
+            <a:lstStyle/>
+            <a:p>
+              <a:endParaRPr lang="el-GR"/>
+            </a:p>
+          </p:txBody>
         </p:sp>
         <p:sp>
           <p:nvSpPr>
@@ -20956,6 +21166,13 @@
               <a:noFill/>
             </a:ln>
           </p:spPr>
+          <p:txBody>
+            <a:bodyPr/>
+            <a:lstStyle/>
+            <a:p>
+              <a:endParaRPr lang="el-GR"/>
+            </a:p>
+          </p:txBody>
         </p:sp>
         <p:sp>
           <p:nvSpPr>
@@ -21048,6 +21265,13 @@
               <a:noFill/>
             </a:ln>
           </p:spPr>
+          <p:txBody>
+            <a:bodyPr/>
+            <a:lstStyle/>
+            <a:p>
+              <a:endParaRPr lang="el-GR"/>
+            </a:p>
+          </p:txBody>
         </p:sp>
         <p:sp>
           <p:nvSpPr>
@@ -21175,6 +21399,13 @@
               <a:noFill/>
             </a:ln>
           </p:spPr>
+          <p:txBody>
+            <a:bodyPr/>
+            <a:lstStyle/>
+            <a:p>
+              <a:endParaRPr lang="el-GR"/>
+            </a:p>
+          </p:txBody>
         </p:sp>
         <p:sp>
           <p:nvSpPr>
@@ -21237,6 +21468,13 @@
               <a:noFill/>
             </a:ln>
           </p:spPr>
+          <p:txBody>
+            <a:bodyPr/>
+            <a:lstStyle/>
+            <a:p>
+              <a:endParaRPr lang="el-GR"/>
+            </a:p>
+          </p:txBody>
         </p:sp>
         <p:sp>
           <p:nvSpPr>
@@ -21309,6 +21547,13 @@
               <a:noFill/>
             </a:ln>
           </p:spPr>
+          <p:txBody>
+            <a:bodyPr/>
+            <a:lstStyle/>
+            <a:p>
+              <a:endParaRPr lang="el-GR"/>
+            </a:p>
+          </p:txBody>
         </p:sp>
         <p:sp>
           <p:nvSpPr>
@@ -21391,6 +21636,13 @@
               <a:noFill/>
             </a:ln>
           </p:spPr>
+          <p:txBody>
+            <a:bodyPr/>
+            <a:lstStyle/>
+            <a:p>
+              <a:endParaRPr lang="el-GR"/>
+            </a:p>
+          </p:txBody>
         </p:sp>
       </p:grpSp>
       <p:grpSp>
@@ -21546,6 +21798,13 @@
               <a:noFill/>
             </a:ln>
           </p:spPr>
+          <p:txBody>
+            <a:bodyPr/>
+            <a:lstStyle/>
+            <a:p>
+              <a:endParaRPr lang="el-GR"/>
+            </a:p>
+          </p:txBody>
         </p:sp>
         <p:sp>
           <p:nvSpPr>
@@ -21628,6 +21887,13 @@
               <a:noFill/>
             </a:ln>
           </p:spPr>
+          <p:txBody>
+            <a:bodyPr/>
+            <a:lstStyle/>
+            <a:p>
+              <a:endParaRPr lang="el-GR"/>
+            </a:p>
+          </p:txBody>
         </p:sp>
         <p:sp>
           <p:nvSpPr>
@@ -21710,6 +21976,13 @@
               <a:noFill/>
             </a:ln>
           </p:spPr>
+          <p:txBody>
+            <a:bodyPr/>
+            <a:lstStyle/>
+            <a:p>
+              <a:endParaRPr lang="el-GR"/>
+            </a:p>
+          </p:txBody>
         </p:sp>
         <p:sp>
           <p:nvSpPr>
@@ -21807,6 +22080,13 @@
               <a:noFill/>
             </a:ln>
           </p:spPr>
+          <p:txBody>
+            <a:bodyPr/>
+            <a:lstStyle/>
+            <a:p>
+              <a:endParaRPr lang="el-GR"/>
+            </a:p>
+          </p:txBody>
         </p:sp>
         <p:sp>
           <p:nvSpPr>
@@ -21914,6 +22194,13 @@
               <a:noFill/>
             </a:ln>
           </p:spPr>
+          <p:txBody>
+            <a:bodyPr/>
+            <a:lstStyle/>
+            <a:p>
+              <a:endParaRPr lang="el-GR"/>
+            </a:p>
+          </p:txBody>
         </p:sp>
         <p:sp>
           <p:nvSpPr>
@@ -21976,6 +22263,13 @@
               <a:noFill/>
             </a:ln>
           </p:spPr>
+          <p:txBody>
+            <a:bodyPr/>
+            <a:lstStyle/>
+            <a:p>
+              <a:endParaRPr lang="el-GR"/>
+            </a:p>
+          </p:txBody>
         </p:sp>
         <p:sp>
           <p:nvSpPr>
@@ -22053,6 +22347,13 @@
               <a:noFill/>
             </a:ln>
           </p:spPr>
+          <p:txBody>
+            <a:bodyPr/>
+            <a:lstStyle/>
+            <a:p>
+              <a:endParaRPr lang="el-GR"/>
+            </a:p>
+          </p:txBody>
         </p:sp>
         <p:sp>
           <p:nvSpPr>
@@ -22175,6 +22476,13 @@
               <a:noFill/>
             </a:ln>
           </p:spPr>
+          <p:txBody>
+            <a:bodyPr/>
+            <a:lstStyle/>
+            <a:p>
+              <a:endParaRPr lang="el-GR"/>
+            </a:p>
+          </p:txBody>
         </p:sp>
         <p:sp>
           <p:nvSpPr>
@@ -22237,6 +22545,13 @@
               <a:noFill/>
             </a:ln>
           </p:spPr>
+          <p:txBody>
+            <a:bodyPr/>
+            <a:lstStyle/>
+            <a:p>
+              <a:endParaRPr lang="el-GR"/>
+            </a:p>
+          </p:txBody>
         </p:sp>
         <p:sp>
           <p:nvSpPr>
@@ -22319,6 +22634,13 @@
               <a:noFill/>
             </a:ln>
           </p:spPr>
+          <p:txBody>
+            <a:bodyPr/>
+            <a:lstStyle/>
+            <a:p>
+              <a:endParaRPr lang="el-GR"/>
+            </a:p>
+          </p:txBody>
         </p:sp>
         <p:sp>
           <p:nvSpPr>
@@ -22396,6 +22718,13 @@
               <a:noFill/>
             </a:ln>
           </p:spPr>
+          <p:txBody>
+            <a:bodyPr/>
+            <a:lstStyle/>
+            <a:p>
+              <a:endParaRPr lang="el-GR"/>
+            </a:p>
+          </p:txBody>
         </p:sp>
         <p:sp>
           <p:nvSpPr>
@@ -22478,6 +22807,13 @@
               <a:noFill/>
             </a:ln>
           </p:spPr>
+          <p:txBody>
+            <a:bodyPr/>
+            <a:lstStyle/>
+            <a:p>
+              <a:endParaRPr lang="el-GR"/>
+            </a:p>
+          </p:txBody>
         </p:sp>
       </p:grpSp>
       <p:sp>
@@ -22671,6 +23007,13 @@
             <a:noFill/>
           </a:ln>
         </p:spPr>
+        <p:txBody>
+          <a:bodyPr/>
+          <a:lstStyle/>
+          <a:p>
+            <a:endParaRPr lang="el-GR"/>
+          </a:p>
+        </p:txBody>
       </p:sp>
     </p:spTree>
     <p:extLst>
@@ -22684,12 +23027,12 @@
   </p:clrMapOvr>
   <mc:AlternateContent xmlns:mc="http://schemas.openxmlformats.org/markup-compatibility/2006" xmlns:p159="http://schemas.microsoft.com/office/powerpoint/2015/09/main">
     <mc:Choice Requires="p159">
-      <p:transition xmlns:p14="http://schemas.microsoft.com/office/powerpoint/2010/main" spd="slow" p14:dur="2000">
+      <p:transition spd="med">
         <p159:morph option="byObject"/>
       </p:transition>
     </mc:Choice>
     <mc:Fallback xmlns="">
-      <p:transition spd="slow">
+      <p:transition spd="med">
         <p:fade/>
       </p:transition>
     </mc:Fallback>
@@ -22975,6 +23318,13 @@
             <a:schemeClr val="lt1"/>
           </a:fontRef>
         </p:style>
+        <p:txBody>
+          <a:bodyPr/>
+          <a:lstStyle/>
+          <a:p>
+            <a:endParaRPr lang="el-GR"/>
+          </a:p>
+        </p:txBody>
       </p:sp>
       <p:sp>
         <p:nvSpPr>
@@ -23074,6 +23424,13 @@
             <a:noFill/>
           </a:ln>
         </p:spPr>
+        <p:txBody>
+          <a:bodyPr/>
+          <a:lstStyle/>
+          <a:p>
+            <a:endParaRPr lang="el-GR"/>
+          </a:p>
+        </p:txBody>
       </p:sp>
       <p:graphicFrame>
         <p:nvGraphicFramePr>
@@ -23090,19 +23447,19 @@
           <p:nvPr>
             <p:extLst>
               <p:ext uri="{D42A27DB-BD31-4B8C-83A1-F6EECF244321}">
-                <p14:modId xmlns:p14="http://schemas.microsoft.com/office/powerpoint/2010/main" val="2577019722"/>
+                <p14:modId xmlns:p14="http://schemas.microsoft.com/office/powerpoint/2010/main" val="891789753"/>
               </p:ext>
             </p:extLst>
           </p:nvPr>
         </p:nvGraphicFramePr>
         <p:xfrm>
-          <a:off x="2489235" y="2123822"/>
+          <a:off x="2469570" y="1996003"/>
           <a:ext cx="8389188" cy="4472472"/>
         </p:xfrm>
         <a:graphic>
           <a:graphicData uri="http://schemas.openxmlformats.org/drawingml/2006/table">
             <a:tbl>
-              <a:tblPr firstRow="1" firstCol="1" bandRow="1">
+              <a:tblPr firstRow="1" bandRow="1">
                 <a:tableStyleId>{5C22544A-7EE6-4342-B048-85BDC9FD1C3A}</a:tableStyleId>
               </a:tblPr>
               <a:tblGrid>
@@ -23729,12 +24086,12 @@
   </p:clrMapOvr>
   <mc:AlternateContent xmlns:mc="http://schemas.openxmlformats.org/markup-compatibility/2006" xmlns:p159="http://schemas.microsoft.com/office/powerpoint/2015/09/main">
     <mc:Choice Requires="p159">
-      <p:transition xmlns:p14="http://schemas.microsoft.com/office/powerpoint/2010/main" spd="slow" p14:dur="2000">
+      <p:transition spd="med">
         <p159:morph option="byObject"/>
       </p:transition>
     </mc:Choice>
     <mc:Fallback xmlns="">
-      <p:transition spd="slow">
+      <p:transition spd="med">
         <p:fade/>
       </p:transition>
     </mc:Fallback>
@@ -23890,6 +24247,13 @@
               <a:noFill/>
             </a:ln>
           </p:spPr>
+          <p:txBody>
+            <a:bodyPr/>
+            <a:lstStyle/>
+            <a:p>
+              <a:endParaRPr lang="el-GR"/>
+            </a:p>
+          </p:txBody>
         </p:sp>
         <p:sp>
           <p:nvSpPr>
@@ -23971,6 +24335,13 @@
               <a:noFill/>
             </a:ln>
           </p:spPr>
+          <p:txBody>
+            <a:bodyPr/>
+            <a:lstStyle/>
+            <a:p>
+              <a:endParaRPr lang="el-GR"/>
+            </a:p>
+          </p:txBody>
         </p:sp>
         <p:sp>
           <p:nvSpPr>
@@ -24057,6 +24428,13 @@
               <a:noFill/>
             </a:ln>
           </p:spPr>
+          <p:txBody>
+            <a:bodyPr/>
+            <a:lstStyle/>
+            <a:p>
+              <a:endParaRPr lang="el-GR"/>
+            </a:p>
+          </p:txBody>
         </p:sp>
         <p:sp>
           <p:nvSpPr>
@@ -24123,6 +24501,13 @@
               <a:noFill/>
             </a:ln>
           </p:spPr>
+          <p:txBody>
+            <a:bodyPr/>
+            <a:lstStyle/>
+            <a:p>
+              <a:endParaRPr lang="el-GR"/>
+            </a:p>
+          </p:txBody>
         </p:sp>
         <p:sp>
           <p:nvSpPr>
@@ -24224,6 +24609,13 @@
               <a:noFill/>
             </a:ln>
           </p:spPr>
+          <p:txBody>
+            <a:bodyPr/>
+            <a:lstStyle/>
+            <a:p>
+              <a:endParaRPr lang="el-GR"/>
+            </a:p>
+          </p:txBody>
         </p:sp>
         <p:sp>
           <p:nvSpPr>
@@ -24320,6 +24712,13 @@
               <a:noFill/>
             </a:ln>
           </p:spPr>
+          <p:txBody>
+            <a:bodyPr/>
+            <a:lstStyle/>
+            <a:p>
+              <a:endParaRPr lang="el-GR"/>
+            </a:p>
+          </p:txBody>
         </p:sp>
         <p:sp>
           <p:nvSpPr>
@@ -24396,6 +24795,13 @@
               <a:noFill/>
             </a:ln>
           </p:spPr>
+          <p:txBody>
+            <a:bodyPr/>
+            <a:lstStyle/>
+            <a:p>
+              <a:endParaRPr lang="el-GR"/>
+            </a:p>
+          </p:txBody>
         </p:sp>
         <p:sp>
           <p:nvSpPr>
@@ -24492,6 +24898,13 @@
               <a:noFill/>
             </a:ln>
           </p:spPr>
+          <p:txBody>
+            <a:bodyPr/>
+            <a:lstStyle/>
+            <a:p>
+              <a:endParaRPr lang="el-GR"/>
+            </a:p>
+          </p:txBody>
         </p:sp>
         <p:sp>
           <p:nvSpPr>
@@ -24623,6 +25036,13 @@
               <a:noFill/>
             </a:ln>
           </p:spPr>
+          <p:txBody>
+            <a:bodyPr/>
+            <a:lstStyle/>
+            <a:p>
+              <a:endParaRPr lang="el-GR"/>
+            </a:p>
+          </p:txBody>
         </p:sp>
         <p:sp>
           <p:nvSpPr>
@@ -24689,6 +25109,13 @@
               <a:noFill/>
             </a:ln>
           </p:spPr>
+          <p:txBody>
+            <a:bodyPr/>
+            <a:lstStyle/>
+            <a:p>
+              <a:endParaRPr lang="el-GR"/>
+            </a:p>
+          </p:txBody>
         </p:sp>
         <p:sp>
           <p:nvSpPr>
@@ -24765,6 +25192,13 @@
               <a:noFill/>
             </a:ln>
           </p:spPr>
+          <p:txBody>
+            <a:bodyPr/>
+            <a:lstStyle/>
+            <a:p>
+              <a:endParaRPr lang="el-GR"/>
+            </a:p>
+          </p:txBody>
         </p:sp>
         <p:sp>
           <p:nvSpPr>
@@ -24851,6 +25285,13 @@
               <a:noFill/>
             </a:ln>
           </p:spPr>
+          <p:txBody>
+            <a:bodyPr/>
+            <a:lstStyle/>
+            <a:p>
+              <a:endParaRPr lang="el-GR"/>
+            </a:p>
+          </p:txBody>
         </p:sp>
       </p:grpSp>
       <p:grpSp>
@@ -25002,6 +25443,13 @@
               <a:noFill/>
             </a:ln>
           </p:spPr>
+          <p:txBody>
+            <a:bodyPr/>
+            <a:lstStyle/>
+            <a:p>
+              <a:endParaRPr lang="el-GR"/>
+            </a:p>
+          </p:txBody>
         </p:sp>
         <p:sp>
           <p:nvSpPr>
@@ -25086,6 +25534,13 @@
               <a:noFill/>
             </a:ln>
           </p:spPr>
+          <p:txBody>
+            <a:bodyPr/>
+            <a:lstStyle/>
+            <a:p>
+              <a:endParaRPr lang="el-GR"/>
+            </a:p>
+          </p:txBody>
         </p:sp>
         <p:sp>
           <p:nvSpPr>
@@ -25170,6 +25625,13 @@
               <a:noFill/>
             </a:ln>
           </p:spPr>
+          <p:txBody>
+            <a:bodyPr/>
+            <a:lstStyle/>
+            <a:p>
+              <a:endParaRPr lang="el-GR"/>
+            </a:p>
+          </p:txBody>
         </p:sp>
         <p:sp>
           <p:nvSpPr>
@@ -25269,6 +25731,13 @@
               <a:noFill/>
             </a:ln>
           </p:spPr>
+          <p:txBody>
+            <a:bodyPr/>
+            <a:lstStyle/>
+            <a:p>
+              <a:endParaRPr lang="el-GR"/>
+            </a:p>
+          </p:txBody>
         </p:sp>
         <p:sp>
           <p:nvSpPr>
@@ -25378,6 +25847,13 @@
               <a:noFill/>
             </a:ln>
           </p:spPr>
+          <p:txBody>
+            <a:bodyPr/>
+            <a:lstStyle/>
+            <a:p>
+              <a:endParaRPr lang="el-GR"/>
+            </a:p>
+          </p:txBody>
         </p:sp>
         <p:sp>
           <p:nvSpPr>
@@ -25442,6 +25918,13 @@
               <a:noFill/>
             </a:ln>
           </p:spPr>
+          <p:txBody>
+            <a:bodyPr/>
+            <a:lstStyle/>
+            <a:p>
+              <a:endParaRPr lang="el-GR"/>
+            </a:p>
+          </p:txBody>
         </p:sp>
         <p:sp>
           <p:nvSpPr>
@@ -25521,6 +26004,13 @@
               <a:noFill/>
             </a:ln>
           </p:spPr>
+          <p:txBody>
+            <a:bodyPr/>
+            <a:lstStyle/>
+            <a:p>
+              <a:endParaRPr lang="el-GR"/>
+            </a:p>
+          </p:txBody>
         </p:sp>
         <p:sp>
           <p:nvSpPr>
@@ -25645,6 +26135,13 @@
               <a:noFill/>
             </a:ln>
           </p:spPr>
+          <p:txBody>
+            <a:bodyPr/>
+            <a:lstStyle/>
+            <a:p>
+              <a:endParaRPr lang="el-GR"/>
+            </a:p>
+          </p:txBody>
         </p:sp>
         <p:sp>
           <p:nvSpPr>
@@ -25709,6 +26206,13 @@
               <a:noFill/>
             </a:ln>
           </p:spPr>
+          <p:txBody>
+            <a:bodyPr/>
+            <a:lstStyle/>
+            <a:p>
+              <a:endParaRPr lang="el-GR"/>
+            </a:p>
+          </p:txBody>
         </p:sp>
         <p:sp>
           <p:nvSpPr>
@@ -25793,6 +26297,13 @@
               <a:noFill/>
             </a:ln>
           </p:spPr>
+          <p:txBody>
+            <a:bodyPr/>
+            <a:lstStyle/>
+            <a:p>
+              <a:endParaRPr lang="el-GR"/>
+            </a:p>
+          </p:txBody>
         </p:sp>
         <p:sp>
           <p:nvSpPr>
@@ -25872,6 +26383,13 @@
               <a:noFill/>
             </a:ln>
           </p:spPr>
+          <p:txBody>
+            <a:bodyPr/>
+            <a:lstStyle/>
+            <a:p>
+              <a:endParaRPr lang="el-GR"/>
+            </a:p>
+          </p:txBody>
         </p:sp>
         <p:sp>
           <p:nvSpPr>
@@ -25956,6 +26474,13 @@
               <a:noFill/>
             </a:ln>
           </p:spPr>
+          <p:txBody>
+            <a:bodyPr/>
+            <a:lstStyle/>
+            <a:p>
+              <a:endParaRPr lang="el-GR"/>
+            </a:p>
+          </p:txBody>
         </p:sp>
       </p:grpSp>
       <p:sp>
@@ -26011,6 +26536,13 @@
             <a:schemeClr val="lt1"/>
           </a:fontRef>
         </p:style>
+        <p:txBody>
+          <a:bodyPr/>
+          <a:lstStyle/>
+          <a:p>
+            <a:endParaRPr lang="el-GR"/>
+          </a:p>
+        </p:txBody>
       </p:sp>
       <p:sp>
         <p:nvSpPr>
@@ -26110,6 +26642,13 @@
             <a:noFill/>
           </a:ln>
         </p:spPr>
+        <p:txBody>
+          <a:bodyPr/>
+          <a:lstStyle/>
+          <a:p>
+            <a:endParaRPr lang="el-GR"/>
+          </a:p>
+        </p:txBody>
       </p:sp>
       <p:sp useBgFill="1">
         <p:nvSpPr>
@@ -26482,6 +27021,13 @@
             <a:schemeClr val="lt1"/>
           </a:fontRef>
         </p:style>
+        <p:txBody>
+          <a:bodyPr/>
+          <a:lstStyle/>
+          <a:p>
+            <a:endParaRPr lang="el-GR"/>
+          </a:p>
+        </p:txBody>
       </p:sp>
       <p:sp>
         <p:nvSpPr>
@@ -26690,12 +27236,16 @@
   <p:clrMapOvr>
     <a:masterClrMapping/>
   </p:clrMapOvr>
-  <mc:AlternateContent xmlns:mc="http://schemas.openxmlformats.org/markup-compatibility/2006" xmlns:p14="http://schemas.microsoft.com/office/powerpoint/2010/main">
-    <mc:Choice Requires="p14">
-      <p:transition p14:dur="0"/>
+  <mc:AlternateContent xmlns:mc="http://schemas.openxmlformats.org/markup-compatibility/2006" xmlns:p159="http://schemas.microsoft.com/office/powerpoint/2015/09/main">
+    <mc:Choice Requires="p159">
+      <p:transition spd="med">
+        <p159:morph option="byObject"/>
+      </p:transition>
     </mc:Choice>
     <mc:Fallback xmlns="">
-      <p:transition/>
+      <p:transition spd="med">
+        <p:fade/>
+      </p:transition>
     </mc:Fallback>
   </mc:AlternateContent>
   <p:timing>
@@ -26738,7 +27288,11 @@
                                           </p:stCondLst>
                                         </p:cTn>
                                         <p:tgtEl>
-                                          <p:spTgt spid="2"/>
+                                          <p:spTgt spid="2">
+                                            <p:txEl>
+                                              <p:charRg st="4294967295" end="4294967295"/>
+                                            </p:txEl>
+                                          </p:spTgt>
                                         </p:tgtEl>
                                         <p:attrNameLst>
                                           <p:attrName>style.visibility</p:attrName>
@@ -26752,7 +27306,11 @@
                                       <p:cBhvr>
                                         <p:cTn id="7" dur="400"/>
                                         <p:tgtEl>
-                                          <p:spTgt spid="2"/>
+                                          <p:spTgt spid="2">
+                                            <p:txEl>
+                                              <p:charRg st="4294967295" end="4294967295"/>
+                                            </p:txEl>
+                                          </p:spTgt>
                                         </p:tgtEl>
                                       </p:cBhvr>
                                     </p:animEffect>
@@ -26787,7 +27345,7 @@
       </p:par>
     </p:tnLst>
     <p:bldLst>
-      <p:bldP spid="2" grpId="0" animBg="1"/>
+      <p:bldP spid="2" grpId="0" autoUpdateAnimBg="0"/>
     </p:bldLst>
   </p:timing>
 </p:sld>
@@ -26992,6 +27550,13 @@
             <a:schemeClr val="lt1"/>
           </a:fontRef>
         </p:style>
+        <p:txBody>
+          <a:bodyPr/>
+          <a:lstStyle/>
+          <a:p>
+            <a:endParaRPr lang="el-GR"/>
+          </a:p>
+        </p:txBody>
       </p:sp>
       <p:sp>
         <p:nvSpPr>
@@ -27091,6 +27656,13 @@
             <a:noFill/>
           </a:ln>
         </p:spPr>
+        <p:txBody>
+          <a:bodyPr/>
+          <a:lstStyle/>
+          <a:p>
+            <a:endParaRPr lang="el-GR"/>
+          </a:p>
+        </p:txBody>
       </p:sp>
       <p:sp>
         <p:nvSpPr>
@@ -27333,12 +27905,12 @@
   </p:clrMapOvr>
   <mc:AlternateContent xmlns:mc="http://schemas.openxmlformats.org/markup-compatibility/2006" xmlns:p159="http://schemas.microsoft.com/office/powerpoint/2015/09/main">
     <mc:Choice Requires="p159">
-      <p:transition xmlns:p14="http://schemas.microsoft.com/office/powerpoint/2010/main" spd="slow" p14:dur="2000">
+      <p:transition spd="med">
         <p159:morph option="byObject"/>
       </p:transition>
     </mc:Choice>
     <mc:Fallback xmlns="">
-      <p:transition spd="slow">
+      <p:transition spd="med">
         <p:fade/>
       </p:transition>
     </mc:Fallback>
@@ -27540,6 +28112,13 @@
             <a:schemeClr val="lt1"/>
           </a:fontRef>
         </p:style>
+        <p:txBody>
+          <a:bodyPr/>
+          <a:lstStyle/>
+          <a:p>
+            <a:endParaRPr lang="el-GR"/>
+          </a:p>
+        </p:txBody>
       </p:sp>
       <p:sp>
         <p:nvSpPr>
@@ -27639,6 +28218,13 @@
             <a:noFill/>
           </a:ln>
         </p:spPr>
+        <p:txBody>
+          <a:bodyPr/>
+          <a:lstStyle/>
+          <a:p>
+            <a:endParaRPr lang="el-GR"/>
+          </a:p>
+        </p:txBody>
       </p:sp>
       <p:sp>
         <p:nvSpPr>
@@ -27760,12 +28346,12 @@
   </p:clrMapOvr>
   <mc:AlternateContent xmlns:mc="http://schemas.openxmlformats.org/markup-compatibility/2006" xmlns:p159="http://schemas.microsoft.com/office/powerpoint/2015/09/main">
     <mc:Choice Requires="p159">
-      <p:transition xmlns:p14="http://schemas.microsoft.com/office/powerpoint/2010/main" spd="slow" p14:dur="2000">
+      <p:transition spd="med">
         <p159:morph option="byObject"/>
       </p:transition>
     </mc:Choice>
     <mc:Fallback xmlns="">
-      <p:transition spd="slow">
+      <p:transition spd="med">
         <p:fade/>
       </p:transition>
     </mc:Fallback>
@@ -27972,6 +28558,13 @@
             <a:schemeClr val="lt1"/>
           </a:fontRef>
         </p:style>
+        <p:txBody>
+          <a:bodyPr/>
+          <a:lstStyle/>
+          <a:p>
+            <a:endParaRPr lang="el-GR"/>
+          </a:p>
+        </p:txBody>
       </p:sp>
       <p:sp>
         <p:nvSpPr>
@@ -28071,6 +28664,13 @@
             <a:noFill/>
           </a:ln>
         </p:spPr>
+        <p:txBody>
+          <a:bodyPr/>
+          <a:lstStyle/>
+          <a:p>
+            <a:endParaRPr lang="el-GR"/>
+          </a:p>
+        </p:txBody>
       </p:sp>
       <p:sp>
         <p:nvSpPr>
@@ -28167,7 +28767,19 @@
             </a:pPr>
             <a:r>
               <a:rPr lang="el-GR" sz="2000" dirty="0"/>
-              <a:t>Ομάδα διαθέσιμη όταν &gt;=5 παίκτες διαθέσιμοι</a:t>
+              <a:t>Ομάδα διαθέσιμη όταν</a:t>
+            </a:r>
+            <a:r>
+              <a:rPr lang="en-US" sz="2000" dirty="0"/>
+              <a:t> </a:t>
+            </a:r>
+            <a:r>
+              <a:rPr lang="el-GR" sz="2000"/>
+              <a:t>≥ 5 </a:t>
+            </a:r>
+            <a:r>
+              <a:rPr lang="el-GR" sz="2000" dirty="0"/>
+              <a:t>παίκτες διαθέσιμοι</a:t>
             </a:r>
           </a:p>
         </p:txBody>
@@ -28641,12 +29253,12 @@
   </p:clrMapOvr>
   <mc:AlternateContent xmlns:mc="http://schemas.openxmlformats.org/markup-compatibility/2006" xmlns:p159="http://schemas.microsoft.com/office/powerpoint/2015/09/main">
     <mc:Choice Requires="p159">
-      <p:transition xmlns:p14="http://schemas.microsoft.com/office/powerpoint/2010/main" spd="slow" p14:dur="2000">
+      <p:transition spd="med">
         <p159:morph option="byObject"/>
       </p:transition>
     </mc:Choice>
     <mc:Fallback xmlns="">
-      <p:transition spd="slow">
+      <p:transition spd="med">
         <p:fade/>
       </p:transition>
     </mc:Fallback>
@@ -28970,6 +29582,13 @@
             <a:schemeClr val="lt1"/>
           </a:fontRef>
         </p:style>
+        <p:txBody>
+          <a:bodyPr/>
+          <a:lstStyle/>
+          <a:p>
+            <a:endParaRPr lang="el-GR"/>
+          </a:p>
+        </p:txBody>
       </p:sp>
       <p:sp>
         <p:nvSpPr>
@@ -29069,6 +29688,13 @@
             <a:noFill/>
           </a:ln>
         </p:spPr>
+        <p:txBody>
+          <a:bodyPr/>
+          <a:lstStyle/>
+          <a:p>
+            <a:endParaRPr lang="el-GR"/>
+          </a:p>
+        </p:txBody>
       </p:sp>
       <p:sp>
         <p:nvSpPr>
@@ -29465,12 +30091,12 @@
   </p:clrMapOvr>
   <mc:AlternateContent xmlns:mc="http://schemas.openxmlformats.org/markup-compatibility/2006" xmlns:p159="http://schemas.microsoft.com/office/powerpoint/2015/09/main">
     <mc:Choice Requires="p159">
-      <p:transition xmlns:p14="http://schemas.microsoft.com/office/powerpoint/2010/main" spd="slow" p14:dur="2000">
+      <p:transition spd="med">
         <p159:morph option="byObject"/>
       </p:transition>
     </mc:Choice>
     <mc:Fallback xmlns="">
-      <p:transition spd="slow">
+      <p:transition spd="med">
         <p:fade/>
       </p:transition>
     </mc:Fallback>
@@ -29793,6 +30419,13 @@
             <a:schemeClr val="lt1"/>
           </a:fontRef>
         </p:style>
+        <p:txBody>
+          <a:bodyPr/>
+          <a:lstStyle/>
+          <a:p>
+            <a:endParaRPr lang="el-GR"/>
+          </a:p>
+        </p:txBody>
       </p:sp>
       <p:sp>
         <p:nvSpPr>
@@ -29892,6 +30525,13 @@
             <a:noFill/>
           </a:ln>
         </p:spPr>
+        <p:txBody>
+          <a:bodyPr/>
+          <a:lstStyle/>
+          <a:p>
+            <a:endParaRPr lang="el-GR"/>
+          </a:p>
+        </p:txBody>
       </p:sp>
       <p:sp>
         <p:nvSpPr>
@@ -30382,12 +31022,12 @@
   </p:clrMapOvr>
   <mc:AlternateContent xmlns:mc="http://schemas.openxmlformats.org/markup-compatibility/2006" xmlns:p159="http://schemas.microsoft.com/office/powerpoint/2015/09/main">
     <mc:Choice Requires="p159">
-      <p:transition xmlns:p14="http://schemas.microsoft.com/office/powerpoint/2010/main" spd="slow" p14:dur="2000">
+      <p:transition spd="med">
         <p159:morph option="byObject"/>
       </p:transition>
     </mc:Choice>
     <mc:Fallback xmlns="">
-      <p:transition spd="slow">
+      <p:transition spd="med">
         <p:fade/>
       </p:transition>
     </mc:Fallback>
